--- a/DataScience/Documents/결과보고서.pptx
+++ b/DataScience/Documents/결과보고서.pptx
@@ -3865,7 +3865,7 @@
         <a:p>
           <a:pPr latinLnBrk="1"/>
           <a:r>
-            <a:rPr lang="en-US" altLang="ko-KR" dirty="0" smtClean="0"/>
+            <a:rPr lang="en-US" altLang="ko-KR" dirty="0"/>
             <a:t>first</a:t>
           </a:r>
           <a:endParaRPr lang="ko-KR" altLang="en-US" dirty="0"/>
@@ -3930,7 +3930,7 @@
         <a:p>
           <a:pPr latinLnBrk="1"/>
           <a:r>
-            <a:rPr lang="en-US" altLang="ko-KR" dirty="0" smtClean="0"/>
+            <a:rPr lang="en-US" altLang="ko-KR" dirty="0"/>
             <a:t>second</a:t>
           </a:r>
           <a:endParaRPr lang="ko-KR" altLang="en-US" dirty="0"/>
@@ -3995,7 +3995,7 @@
         <a:p>
           <a:pPr latinLnBrk="1"/>
           <a:r>
-            <a:rPr lang="en-US" altLang="ko-KR" dirty="0" smtClean="0"/>
+            <a:rPr lang="en-US" altLang="ko-KR" dirty="0"/>
             <a:t>third</a:t>
           </a:r>
           <a:endParaRPr lang="ko-KR" altLang="en-US" dirty="0"/>
@@ -4058,7 +4058,7 @@
         <a:p>
           <a:pPr latinLnBrk="1"/>
           <a:r>
-            <a:rPr lang="en-US" altLang="ko-KR" dirty="0" smtClean="0"/>
+            <a:rPr lang="en-US" altLang="ko-KR" dirty="0"/>
             <a:t>fourth</a:t>
           </a:r>
           <a:endParaRPr lang="ko-KR" altLang="en-US" dirty="0"/>
@@ -4123,7 +4123,7 @@
         <a:p>
           <a:pPr latinLnBrk="1"/>
           <a:r>
-            <a:rPr lang="en-US" altLang="ko-KR" dirty="0" smtClean="0"/>
+            <a:rPr lang="en-US" altLang="ko-KR" dirty="0"/>
             <a:t>fifth</a:t>
           </a:r>
           <a:endParaRPr lang="ko-KR" altLang="en-US" dirty="0"/>
@@ -4173,14 +4173,6 @@
         </dgm:presLayoutVars>
       </dgm:prSet>
       <dgm:spPr/>
-      <dgm:t>
-        <a:bodyPr/>
-        <a:lstStyle/>
-        <a:p>
-          <a:pPr latinLnBrk="1"/>
-          <a:endParaRPr lang="ko-KR" altLang="en-US"/>
-        </a:p>
-      </dgm:t>
     </dgm:pt>
     <dgm:pt modelId="{A5D774CA-6DB2-406C-90E7-9964CD75D5D6}" type="pres">
       <dgm:prSet presAssocID="{A213B2C2-5AC5-41FB-A747-6795E8DF3C49}" presName="parTxOnlySpace" presStyleCnt="0"/>
@@ -4195,14 +4187,6 @@
         </dgm:presLayoutVars>
       </dgm:prSet>
       <dgm:spPr/>
-      <dgm:t>
-        <a:bodyPr/>
-        <a:lstStyle/>
-        <a:p>
-          <a:pPr latinLnBrk="1"/>
-          <a:endParaRPr lang="ko-KR" altLang="en-US"/>
-        </a:p>
-      </dgm:t>
     </dgm:pt>
     <dgm:pt modelId="{A0B35AF9-6960-4F39-A965-97921BEEE7CA}" type="pres">
       <dgm:prSet presAssocID="{267A3A5E-B938-4023-B0D4-3AB2945DBEE5}" presName="parTxOnlySpace" presStyleCnt="0"/>
@@ -4217,14 +4201,6 @@
         </dgm:presLayoutVars>
       </dgm:prSet>
       <dgm:spPr/>
-      <dgm:t>
-        <a:bodyPr/>
-        <a:lstStyle/>
-        <a:p>
-          <a:pPr latinLnBrk="1"/>
-          <a:endParaRPr lang="ko-KR" altLang="en-US"/>
-        </a:p>
-      </dgm:t>
     </dgm:pt>
     <dgm:pt modelId="{D7B72CAA-9490-4FE9-AEEB-9C9B2610B39B}" type="pres">
       <dgm:prSet presAssocID="{F32B925F-8998-4B5B-8F65-DC55724BAB68}" presName="parTxOnlySpace" presStyleCnt="0"/>
@@ -4239,14 +4215,6 @@
         </dgm:presLayoutVars>
       </dgm:prSet>
       <dgm:spPr/>
-      <dgm:t>
-        <a:bodyPr/>
-        <a:lstStyle/>
-        <a:p>
-          <a:pPr latinLnBrk="1"/>
-          <a:endParaRPr lang="ko-KR" altLang="en-US"/>
-        </a:p>
-      </dgm:t>
     </dgm:pt>
     <dgm:pt modelId="{FF668B53-F176-4C52-AC7D-40C3E9B32DA8}" type="pres">
       <dgm:prSet presAssocID="{E691DC0C-A40D-41DB-AA40-0B21E062E55D}" presName="parTxOnlySpace" presStyleCnt="0"/>
@@ -4261,28 +4229,20 @@
         </dgm:presLayoutVars>
       </dgm:prSet>
       <dgm:spPr/>
-      <dgm:t>
-        <a:bodyPr/>
-        <a:lstStyle/>
-        <a:p>
-          <a:pPr latinLnBrk="1"/>
-          <a:endParaRPr lang="ko-KR" altLang="en-US"/>
-        </a:p>
-      </dgm:t>
     </dgm:pt>
   </dgm:ptLst>
   <dgm:cxnLst>
-    <dgm:cxn modelId="{1A606143-B92B-42BC-8324-E43E4E98EDAB}" srcId="{49FED456-B913-48FC-9980-F173EEED2CD8}" destId="{357801E5-9502-46BD-8777-DB93786AB2CE}" srcOrd="0" destOrd="0" parTransId="{288E9BA8-3F70-4B43-B6D0-381836B6090F}" sibTransId="{A213B2C2-5AC5-41FB-A747-6795E8DF3C49}"/>
-    <dgm:cxn modelId="{01D45FAF-4BC8-47E9-806E-DA0F0351D723}" type="presOf" srcId="{4B5F4015-C26B-4CBF-98CA-38F48EBC8B9B}" destId="{1515AAE8-06F0-4EA9-B4BB-E49B57281009}" srcOrd="0" destOrd="0" presId="urn:microsoft.com/office/officeart/2005/8/layout/chevron1"/>
     <dgm:cxn modelId="{6620DD15-872F-472A-948A-1576EB599313}" type="presOf" srcId="{BB9B224B-386B-4033-90FF-EE30D7E5E32B}" destId="{7976CB27-1929-4547-A531-6B4BD02AA2EB}" srcOrd="0" destOrd="0" presId="urn:microsoft.com/office/officeart/2005/8/layout/chevron1"/>
-    <dgm:cxn modelId="{5DD0298D-E3FD-4624-90DD-C78CBA57E40C}" srcId="{49FED456-B913-48FC-9980-F173EEED2CD8}" destId="{BB9B224B-386B-4033-90FF-EE30D7E5E32B}" srcOrd="3" destOrd="0" parTransId="{4E26B8CB-70FF-4E1A-9F36-1349CF1B5BF5}" sibTransId="{E691DC0C-A40D-41DB-AA40-0B21E062E55D}"/>
     <dgm:cxn modelId="{7A59A517-FE58-482A-9120-E92AE629FDD6}" type="presOf" srcId="{357801E5-9502-46BD-8777-DB93786AB2CE}" destId="{2E0B1FF2-E263-4395-9BCF-D53738AA7B01}" srcOrd="0" destOrd="0" presId="urn:microsoft.com/office/officeart/2005/8/layout/chevron1"/>
-    <dgm:cxn modelId="{496EE79D-5B2A-46DD-9411-EC7B754ABA80}" type="presOf" srcId="{EB961BA9-3C75-470E-8D09-EA40F8A40F12}" destId="{ED5B6DBA-8D41-4CA9-80BA-86684D6C2F82}" srcOrd="0" destOrd="0" presId="urn:microsoft.com/office/officeart/2005/8/layout/chevron1"/>
-    <dgm:cxn modelId="{62C63A64-1421-43CB-AE7F-FAB5934BF2F6}" type="presOf" srcId="{896D90B9-DA92-4A38-9078-462C83CFB5E4}" destId="{0BAB90D1-DE0F-4EAE-83DF-27AE4500DC64}" srcOrd="0" destOrd="0" presId="urn:microsoft.com/office/officeart/2005/8/layout/chevron1"/>
-    <dgm:cxn modelId="{30E4C8FC-1F11-4A07-BE99-513C007CF134}" type="presOf" srcId="{49FED456-B913-48FC-9980-F173EEED2CD8}" destId="{EEE664FC-DC5B-4855-9008-1BAACD0C7A98}" srcOrd="0" destOrd="0" presId="urn:microsoft.com/office/officeart/2005/8/layout/chevron1"/>
     <dgm:cxn modelId="{317ECA1D-5966-40CF-A24A-F05F2A85BF9D}" srcId="{49FED456-B913-48FC-9980-F173EEED2CD8}" destId="{896D90B9-DA92-4A38-9078-462C83CFB5E4}" srcOrd="1" destOrd="0" parTransId="{F5C59583-8BEA-4C34-8BCB-E6577BDF1C92}" sibTransId="{267A3A5E-B938-4023-B0D4-3AB2945DBEE5}"/>
     <dgm:cxn modelId="{71C6395C-B82A-4E87-B241-C6C08222C0A1}" srcId="{49FED456-B913-48FC-9980-F173EEED2CD8}" destId="{EB961BA9-3C75-470E-8D09-EA40F8A40F12}" srcOrd="2" destOrd="0" parTransId="{ABB8EB1D-34B3-48FC-963C-5F6F850585FD}" sibTransId="{F32B925F-8998-4B5B-8F65-DC55724BAB68}"/>
+    <dgm:cxn modelId="{1A606143-B92B-42BC-8324-E43E4E98EDAB}" srcId="{49FED456-B913-48FC-9980-F173EEED2CD8}" destId="{357801E5-9502-46BD-8777-DB93786AB2CE}" srcOrd="0" destOrd="0" parTransId="{288E9BA8-3F70-4B43-B6D0-381836B6090F}" sibTransId="{A213B2C2-5AC5-41FB-A747-6795E8DF3C49}"/>
+    <dgm:cxn modelId="{62C63A64-1421-43CB-AE7F-FAB5934BF2F6}" type="presOf" srcId="{896D90B9-DA92-4A38-9078-462C83CFB5E4}" destId="{0BAB90D1-DE0F-4EAE-83DF-27AE4500DC64}" srcOrd="0" destOrd="0" presId="urn:microsoft.com/office/officeart/2005/8/layout/chevron1"/>
     <dgm:cxn modelId="{EE41E550-45DC-4033-B795-C93815CD3088}" srcId="{49FED456-B913-48FC-9980-F173EEED2CD8}" destId="{4B5F4015-C26B-4CBF-98CA-38F48EBC8B9B}" srcOrd="4" destOrd="0" parTransId="{87908D8A-3713-4399-8B28-C870B8C39647}" sibTransId="{1EC89256-A10E-4422-9879-896B142B6666}"/>
+    <dgm:cxn modelId="{5DD0298D-E3FD-4624-90DD-C78CBA57E40C}" srcId="{49FED456-B913-48FC-9980-F173EEED2CD8}" destId="{BB9B224B-386B-4033-90FF-EE30D7E5E32B}" srcOrd="3" destOrd="0" parTransId="{4E26B8CB-70FF-4E1A-9F36-1349CF1B5BF5}" sibTransId="{E691DC0C-A40D-41DB-AA40-0B21E062E55D}"/>
+    <dgm:cxn modelId="{496EE79D-5B2A-46DD-9411-EC7B754ABA80}" type="presOf" srcId="{EB961BA9-3C75-470E-8D09-EA40F8A40F12}" destId="{ED5B6DBA-8D41-4CA9-80BA-86684D6C2F82}" srcOrd="0" destOrd="0" presId="urn:microsoft.com/office/officeart/2005/8/layout/chevron1"/>
+    <dgm:cxn modelId="{01D45FAF-4BC8-47E9-806E-DA0F0351D723}" type="presOf" srcId="{4B5F4015-C26B-4CBF-98CA-38F48EBC8B9B}" destId="{1515AAE8-06F0-4EA9-B4BB-E49B57281009}" srcOrd="0" destOrd="0" presId="urn:microsoft.com/office/officeart/2005/8/layout/chevron1"/>
+    <dgm:cxn modelId="{30E4C8FC-1F11-4A07-BE99-513C007CF134}" type="presOf" srcId="{49FED456-B913-48FC-9980-F173EEED2CD8}" destId="{EEE664FC-DC5B-4855-9008-1BAACD0C7A98}" srcOrd="0" destOrd="0" presId="urn:microsoft.com/office/officeart/2005/8/layout/chevron1"/>
     <dgm:cxn modelId="{D4F62EBD-8D5F-4F20-8C3F-DE84496C4E13}" type="presParOf" srcId="{EEE664FC-DC5B-4855-9008-1BAACD0C7A98}" destId="{2E0B1FF2-E263-4395-9BCF-D53738AA7B01}" srcOrd="0" destOrd="0" presId="urn:microsoft.com/office/officeart/2005/8/layout/chevron1"/>
     <dgm:cxn modelId="{37BAECEB-5820-4E17-968C-24FD6BEC5B84}" type="presParOf" srcId="{EEE664FC-DC5B-4855-9008-1BAACD0C7A98}" destId="{A5D774CA-6DB2-406C-90E7-9964CD75D5D6}" srcOrd="1" destOrd="0" presId="urn:microsoft.com/office/officeart/2005/8/layout/chevron1"/>
     <dgm:cxn modelId="{C4F0984B-CD76-407A-AA66-E03BCD5B006F}" type="presParOf" srcId="{EEE664FC-DC5B-4855-9008-1BAACD0C7A98}" destId="{0BAB90D1-DE0F-4EAE-83DF-27AE4500DC64}" srcOrd="2" destOrd="0" presId="urn:microsoft.com/office/officeart/2005/8/layout/chevron1"/>
@@ -4327,7 +4287,7 @@
         <a:p>
           <a:pPr latinLnBrk="1"/>
           <a:r>
-            <a:rPr lang="en-US" altLang="ko-KR" sz="2400" dirty="0" smtClean="0"/>
+            <a:rPr lang="en-US" altLang="ko-KR" sz="2400" dirty="0"/>
             <a:t>TEXT</a:t>
           </a:r>
           <a:endParaRPr lang="ko-KR" altLang="en-US" sz="2400" dirty="0"/>
@@ -4367,7 +4327,7 @@
         <a:p>
           <a:pPr latinLnBrk="1"/>
           <a:r>
-            <a:rPr lang="en-US" altLang="ko-KR" sz="2400" dirty="0" smtClean="0"/>
+            <a:rPr lang="en-US" altLang="ko-KR" sz="2400" dirty="0"/>
             <a:t>TEXT</a:t>
           </a:r>
           <a:endParaRPr lang="ko-KR" altLang="en-US" sz="2400" dirty="0"/>
@@ -4407,14 +4367,6 @@
         </dgm:presLayoutVars>
       </dgm:prSet>
       <dgm:spPr/>
-      <dgm:t>
-        <a:bodyPr/>
-        <a:lstStyle/>
-        <a:p>
-          <a:pPr latinLnBrk="1"/>
-          <a:endParaRPr lang="ko-KR" altLang="en-US"/>
-        </a:p>
-      </dgm:t>
     </dgm:pt>
     <dgm:pt modelId="{5D66801A-94F1-4E72-BB63-00ADD7E1AAC0}" type="pres">
       <dgm:prSet presAssocID="{778B4267-7140-4051-BF53-F282E181747A}" presName="ribbon" presStyleLbl="node1" presStyleIdx="0" presStyleCnt="1" custScaleX="121604" custLinFactNeighborX="6794" custLinFactNeighborY="-94513"/>
@@ -4434,14 +4386,6 @@
         </dgm:presLayoutVars>
       </dgm:prSet>
       <dgm:spPr/>
-      <dgm:t>
-        <a:bodyPr/>
-        <a:lstStyle/>
-        <a:p>
-          <a:pPr latinLnBrk="1"/>
-          <a:endParaRPr lang="ko-KR" altLang="en-US"/>
-        </a:p>
-      </dgm:t>
     </dgm:pt>
     <dgm:pt modelId="{2AA795E8-E9A2-4A7E-ADCF-EDFC259F6FBC}" type="pres">
       <dgm:prSet presAssocID="{778B4267-7140-4051-BF53-F282E181747A}" presName="rightArrowText" presStyleLbl="node1" presStyleIdx="0" presStyleCnt="1" custLinFactNeighborX="23080" custLinFactNeighborY="-4072">
@@ -4451,22 +4395,14 @@
         </dgm:presLayoutVars>
       </dgm:prSet>
       <dgm:spPr/>
-      <dgm:t>
-        <a:bodyPr/>
-        <a:lstStyle/>
-        <a:p>
-          <a:pPr latinLnBrk="1"/>
-          <a:endParaRPr lang="ko-KR" altLang="en-US"/>
-        </a:p>
-      </dgm:t>
     </dgm:pt>
   </dgm:ptLst>
   <dgm:cxnLst>
-    <dgm:cxn modelId="{73235EAE-DA98-4DEF-9FB5-AA2BB1087B95}" srcId="{778B4267-7140-4051-BF53-F282E181747A}" destId="{282528CB-75A6-4BDC-B8F2-16588E8A3D96}" srcOrd="0" destOrd="0" parTransId="{810AF63F-6AD4-45FB-84B7-A9AE0A995707}" sibTransId="{8420A9A0-0E0B-4B62-B22B-E643FFF25A19}"/>
     <dgm:cxn modelId="{8E52020F-90B7-4524-958C-5476621E0D24}" type="presOf" srcId="{778B4267-7140-4051-BF53-F282E181747A}" destId="{7A199352-3583-42D6-9FE7-71EF783432E8}" srcOrd="0" destOrd="0" presId="urn:microsoft.com/office/officeart/2005/8/layout/arrow6"/>
     <dgm:cxn modelId="{D90F442B-7F22-4E57-B8D0-20FB9D48440B}" srcId="{778B4267-7140-4051-BF53-F282E181747A}" destId="{025ABB04-171D-48A8-AD24-F331A88D3EE8}" srcOrd="1" destOrd="0" parTransId="{4E0971FB-E67E-45CC-8DE6-8EFE8EB36E3E}" sibTransId="{762942B4-E488-4FCE-91C4-14EC3FA42B2C}"/>
+    <dgm:cxn modelId="{338B8186-7193-4E47-9862-689DA76247DB}" type="presOf" srcId="{025ABB04-171D-48A8-AD24-F331A88D3EE8}" destId="{2AA795E8-E9A2-4A7E-ADCF-EDFC259F6FBC}" srcOrd="0" destOrd="0" presId="urn:microsoft.com/office/officeart/2005/8/layout/arrow6"/>
+    <dgm:cxn modelId="{73235EAE-DA98-4DEF-9FB5-AA2BB1087B95}" srcId="{778B4267-7140-4051-BF53-F282E181747A}" destId="{282528CB-75A6-4BDC-B8F2-16588E8A3D96}" srcOrd="0" destOrd="0" parTransId="{810AF63F-6AD4-45FB-84B7-A9AE0A995707}" sibTransId="{8420A9A0-0E0B-4B62-B22B-E643FFF25A19}"/>
     <dgm:cxn modelId="{4C57C0CC-4B2C-4F1B-8198-691DE4E9BF53}" type="presOf" srcId="{282528CB-75A6-4BDC-B8F2-16588E8A3D96}" destId="{69F942F4-8EB8-41A4-9943-4996DCA1BF60}" srcOrd="0" destOrd="0" presId="urn:microsoft.com/office/officeart/2005/8/layout/arrow6"/>
-    <dgm:cxn modelId="{338B8186-7193-4E47-9862-689DA76247DB}" type="presOf" srcId="{025ABB04-171D-48A8-AD24-F331A88D3EE8}" destId="{2AA795E8-E9A2-4A7E-ADCF-EDFC259F6FBC}" srcOrd="0" destOrd="0" presId="urn:microsoft.com/office/officeart/2005/8/layout/arrow6"/>
     <dgm:cxn modelId="{A4666FCF-1786-409B-8C2C-C3D8B2238D8D}" type="presParOf" srcId="{7A199352-3583-42D6-9FE7-71EF783432E8}" destId="{5D66801A-94F1-4E72-BB63-00ADD7E1AAC0}" srcOrd="0" destOrd="0" presId="urn:microsoft.com/office/officeart/2005/8/layout/arrow6"/>
     <dgm:cxn modelId="{6C140FDD-F50D-4AC8-BB71-241B7FE0DDEE}" type="presParOf" srcId="{7A199352-3583-42D6-9FE7-71EF783432E8}" destId="{69F942F4-8EB8-41A4-9943-4996DCA1BF60}" srcOrd="1" destOrd="0" presId="urn:microsoft.com/office/officeart/2005/8/layout/arrow6"/>
     <dgm:cxn modelId="{5B5688D1-8180-421C-9E19-0D390D04164A}" type="presParOf" srcId="{7A199352-3583-42D6-9FE7-71EF783432E8}" destId="{2AA795E8-E9A2-4A7E-ADCF-EDFC259F6FBC}" srcOrd="2" destOrd="0" presId="urn:microsoft.com/office/officeart/2005/8/layout/arrow6"/>
@@ -4505,7 +4441,7 @@
         <a:p>
           <a:pPr latinLnBrk="1"/>
           <a:r>
-            <a:rPr lang="en-US" altLang="ko-KR" dirty="0" smtClean="0"/>
+            <a:rPr lang="en-US" altLang="ko-KR" dirty="0"/>
             <a:t>TEXT</a:t>
           </a:r>
           <a:endParaRPr lang="ko-KR" altLang="en-US" dirty="0"/>
@@ -4551,7 +4487,7 @@
         <a:p>
           <a:pPr latinLnBrk="1"/>
           <a:r>
-            <a:rPr lang="en-US" altLang="ko-KR" dirty="0" smtClean="0"/>
+            <a:rPr lang="en-US" altLang="ko-KR" dirty="0"/>
             <a:t>TEXT</a:t>
           </a:r>
           <a:endParaRPr lang="ko-KR" altLang="en-US" dirty="0"/>
@@ -4597,7 +4533,7 @@
         <a:p>
           <a:pPr latinLnBrk="1"/>
           <a:r>
-            <a:rPr lang="en-US" altLang="ko-KR" dirty="0" smtClean="0"/>
+            <a:rPr lang="en-US" altLang="ko-KR" dirty="0"/>
             <a:t>TEXT</a:t>
           </a:r>
           <a:endParaRPr lang="ko-KR" altLang="en-US" dirty="0"/>
@@ -4643,7 +4579,7 @@
         <a:p>
           <a:pPr latinLnBrk="1"/>
           <a:r>
-            <a:rPr lang="en-US" altLang="ko-KR" dirty="0" smtClean="0"/>
+            <a:rPr lang="en-US" altLang="ko-KR" dirty="0"/>
             <a:t>TEXT</a:t>
           </a:r>
           <a:endParaRPr lang="ko-KR" altLang="en-US" dirty="0"/>
@@ -4689,7 +4625,7 @@
         <a:p>
           <a:pPr latinLnBrk="1"/>
           <a:r>
-            <a:rPr lang="en-US" altLang="ko-KR" dirty="0" smtClean="0"/>
+            <a:rPr lang="en-US" altLang="ko-KR" dirty="0"/>
             <a:t>TEXT</a:t>
           </a:r>
           <a:endParaRPr lang="ko-KR" altLang="en-US" dirty="0"/>
@@ -4734,14 +4670,6 @@
         </dgm:presLayoutVars>
       </dgm:prSet>
       <dgm:spPr/>
-      <dgm:t>
-        <a:bodyPr/>
-        <a:lstStyle/>
-        <a:p>
-          <a:pPr latinLnBrk="1"/>
-          <a:endParaRPr lang="ko-KR" altLang="en-US"/>
-        </a:p>
-      </dgm:t>
     </dgm:pt>
     <dgm:pt modelId="{B1C6A3F2-BAB0-44EE-BF1B-6DFC0D8EECF1}" type="pres">
       <dgm:prSet presAssocID="{6E016729-ACE0-42BE-B389-5F6A7E858C33}" presName="dummy" presStyleCnt="0"/>
@@ -4754,26 +4682,10 @@
         </dgm:presLayoutVars>
       </dgm:prSet>
       <dgm:spPr/>
-      <dgm:t>
-        <a:bodyPr/>
-        <a:lstStyle/>
-        <a:p>
-          <a:pPr latinLnBrk="1"/>
-          <a:endParaRPr lang="ko-KR" altLang="en-US"/>
-        </a:p>
-      </dgm:t>
     </dgm:pt>
     <dgm:pt modelId="{E6949ED2-6144-4309-BACF-12CA58927F76}" type="pres">
       <dgm:prSet presAssocID="{45C5FFBB-0E0A-4CC3-AB09-42C5B7BF08D8}" presName="sibTrans" presStyleLbl="node1" presStyleIdx="0" presStyleCnt="5" custLinFactNeighborX="44" custLinFactNeighborY="-13"/>
       <dgm:spPr/>
-      <dgm:t>
-        <a:bodyPr/>
-        <a:lstStyle/>
-        <a:p>
-          <a:pPr latinLnBrk="1"/>
-          <a:endParaRPr lang="ko-KR" altLang="en-US"/>
-        </a:p>
-      </dgm:t>
     </dgm:pt>
     <dgm:pt modelId="{4B4BA868-E89C-47A5-8C37-601602295C03}" type="pres">
       <dgm:prSet presAssocID="{AB34C17B-8F0B-4E61-A5F1-194BFFAACD28}" presName="dummy" presStyleCnt="0"/>
@@ -4786,26 +4698,10 @@
         </dgm:presLayoutVars>
       </dgm:prSet>
       <dgm:spPr/>
-      <dgm:t>
-        <a:bodyPr/>
-        <a:lstStyle/>
-        <a:p>
-          <a:pPr latinLnBrk="1"/>
-          <a:endParaRPr lang="ko-KR" altLang="en-US"/>
-        </a:p>
-      </dgm:t>
     </dgm:pt>
     <dgm:pt modelId="{CD189480-6B99-441C-BE77-61A68F44D72D}" type="pres">
       <dgm:prSet presAssocID="{41681AEE-E488-4B07-A621-AACE270564E9}" presName="sibTrans" presStyleLbl="node1" presStyleIdx="1" presStyleCnt="5"/>
       <dgm:spPr/>
-      <dgm:t>
-        <a:bodyPr/>
-        <a:lstStyle/>
-        <a:p>
-          <a:pPr latinLnBrk="1"/>
-          <a:endParaRPr lang="ko-KR" altLang="en-US"/>
-        </a:p>
-      </dgm:t>
     </dgm:pt>
     <dgm:pt modelId="{89EB03D0-B544-4008-825F-6B4637F20286}" type="pres">
       <dgm:prSet presAssocID="{98D18B32-7FCB-4BD0-897F-ED2206A294CE}" presName="dummy" presStyleCnt="0"/>
@@ -4818,26 +4714,10 @@
         </dgm:presLayoutVars>
       </dgm:prSet>
       <dgm:spPr/>
-      <dgm:t>
-        <a:bodyPr/>
-        <a:lstStyle/>
-        <a:p>
-          <a:pPr latinLnBrk="1"/>
-          <a:endParaRPr lang="ko-KR" altLang="en-US"/>
-        </a:p>
-      </dgm:t>
     </dgm:pt>
     <dgm:pt modelId="{F8CDBBD7-2F86-4F56-962C-E437D20F7BEE}" type="pres">
       <dgm:prSet presAssocID="{6877753C-31D0-4345-BBDC-B9F7BC427199}" presName="sibTrans" presStyleLbl="node1" presStyleIdx="2" presStyleCnt="5"/>
       <dgm:spPr/>
-      <dgm:t>
-        <a:bodyPr/>
-        <a:lstStyle/>
-        <a:p>
-          <a:pPr latinLnBrk="1"/>
-          <a:endParaRPr lang="ko-KR" altLang="en-US"/>
-        </a:p>
-      </dgm:t>
     </dgm:pt>
     <dgm:pt modelId="{360B2E17-9A19-4319-A186-8D93AE259588}" type="pres">
       <dgm:prSet presAssocID="{B6FBA46B-EF15-4310-8969-93D428FE3590}" presName="dummy" presStyleCnt="0"/>
@@ -4850,26 +4730,10 @@
         </dgm:presLayoutVars>
       </dgm:prSet>
       <dgm:spPr/>
-      <dgm:t>
-        <a:bodyPr/>
-        <a:lstStyle/>
-        <a:p>
-          <a:pPr latinLnBrk="1"/>
-          <a:endParaRPr lang="ko-KR" altLang="en-US"/>
-        </a:p>
-      </dgm:t>
     </dgm:pt>
     <dgm:pt modelId="{187386F9-0225-4CDB-8D38-B1367E7DE895}" type="pres">
       <dgm:prSet presAssocID="{435D76B1-B0B0-49E7-8706-30E54C04204C}" presName="sibTrans" presStyleLbl="node1" presStyleIdx="3" presStyleCnt="5"/>
       <dgm:spPr/>
-      <dgm:t>
-        <a:bodyPr/>
-        <a:lstStyle/>
-        <a:p>
-          <a:pPr latinLnBrk="1"/>
-          <a:endParaRPr lang="ko-KR" altLang="en-US"/>
-        </a:p>
-      </dgm:t>
     </dgm:pt>
     <dgm:pt modelId="{1BE799DE-750B-46CB-8A0A-B911A8A18DFD}" type="pres">
       <dgm:prSet presAssocID="{03357759-55BC-4F34-A577-4F2208CFA6C8}" presName="dummy" presStyleCnt="0"/>
@@ -4882,45 +4746,29 @@
         </dgm:presLayoutVars>
       </dgm:prSet>
       <dgm:spPr/>
-      <dgm:t>
-        <a:bodyPr/>
-        <a:lstStyle/>
-        <a:p>
-          <a:pPr latinLnBrk="1"/>
-          <a:endParaRPr lang="ko-KR" altLang="en-US"/>
-        </a:p>
-      </dgm:t>
     </dgm:pt>
     <dgm:pt modelId="{060605F0-0E42-4F32-837D-56A15113B908}" type="pres">
       <dgm:prSet presAssocID="{ECA9F091-7BF9-46B5-9238-AEB57FF33D37}" presName="sibTrans" presStyleLbl="node1" presStyleIdx="4" presStyleCnt="5"/>
       <dgm:spPr/>
-      <dgm:t>
-        <a:bodyPr/>
-        <a:lstStyle/>
-        <a:p>
-          <a:pPr latinLnBrk="1"/>
-          <a:endParaRPr lang="ko-KR" altLang="en-US"/>
-        </a:p>
-      </dgm:t>
     </dgm:pt>
   </dgm:ptLst>
   <dgm:cxnLst>
+    <dgm:cxn modelId="{01A3BD06-E198-4FBE-8956-9062042BFB1E}" type="presOf" srcId="{435D76B1-B0B0-49E7-8706-30E54C04204C}" destId="{187386F9-0225-4CDB-8D38-B1367E7DE895}" srcOrd="0" destOrd="0" presId="urn:microsoft.com/office/officeart/2005/8/layout/cycle1"/>
+    <dgm:cxn modelId="{8AAEF823-8648-4A1C-9BD1-49E0A44BE8B3}" srcId="{4C209514-E212-4691-B01F-BE3B2FF1A3CE}" destId="{6E016729-ACE0-42BE-B389-5F6A7E858C33}" srcOrd="0" destOrd="0" parTransId="{434CB9ED-EEA4-4320-991F-A8370F5DBE34}" sibTransId="{45C5FFBB-0E0A-4CC3-AB09-42C5B7BF08D8}"/>
+    <dgm:cxn modelId="{323F0E3D-E134-4BA7-A549-327EA5733DF0}" srcId="{4C209514-E212-4691-B01F-BE3B2FF1A3CE}" destId="{03357759-55BC-4F34-A577-4F2208CFA6C8}" srcOrd="4" destOrd="0" parTransId="{7C978A32-0E6C-4794-97DA-F045DB209C50}" sibTransId="{ECA9F091-7BF9-46B5-9238-AEB57FF33D37}"/>
+    <dgm:cxn modelId="{8026A84B-ABF7-41AA-B046-948F4E6ABE15}" type="presOf" srcId="{45C5FFBB-0E0A-4CC3-AB09-42C5B7BF08D8}" destId="{E6949ED2-6144-4309-BACF-12CA58927F76}" srcOrd="0" destOrd="0" presId="urn:microsoft.com/office/officeart/2005/8/layout/cycle1"/>
+    <dgm:cxn modelId="{712E4E77-0E93-4600-841D-2B3BF76C57BB}" srcId="{4C209514-E212-4691-B01F-BE3B2FF1A3CE}" destId="{AB34C17B-8F0B-4E61-A5F1-194BFFAACD28}" srcOrd="1" destOrd="0" parTransId="{E13C6BB5-3781-4E46-8B9B-AD24CF5891AC}" sibTransId="{41681AEE-E488-4B07-A621-AACE270564E9}"/>
     <dgm:cxn modelId="{3FBA7485-4637-427B-BA57-C66BCD358E71}" type="presOf" srcId="{41681AEE-E488-4B07-A621-AACE270564E9}" destId="{CD189480-6B99-441C-BE77-61A68F44D72D}" srcOrd="0" destOrd="0" presId="urn:microsoft.com/office/officeart/2005/8/layout/cycle1"/>
+    <dgm:cxn modelId="{45B4AD95-50B0-4335-BFB8-6AD3E4B3B6FF}" type="presOf" srcId="{6E016729-ACE0-42BE-B389-5F6A7E858C33}" destId="{115D7991-9FED-4F86-94CF-25A72E5E6548}" srcOrd="0" destOrd="0" presId="urn:microsoft.com/office/officeart/2005/8/layout/cycle1"/>
+    <dgm:cxn modelId="{9106A9AE-3C9C-41F3-8B06-17A29B48A2E3}" type="presOf" srcId="{B6FBA46B-EF15-4310-8969-93D428FE3590}" destId="{DF72DC0B-DB40-4C8C-B104-B6D123A4FDD8}" srcOrd="0" destOrd="0" presId="urn:microsoft.com/office/officeart/2005/8/layout/cycle1"/>
+    <dgm:cxn modelId="{F416A8B2-AC20-450C-9E94-A85AE537622C}" type="presOf" srcId="{03357759-55BC-4F34-A577-4F2208CFA6C8}" destId="{BAFE4B1C-1391-4B01-BBB6-4F35D2B706A3}" srcOrd="0" destOrd="0" presId="urn:microsoft.com/office/officeart/2005/8/layout/cycle1"/>
     <dgm:cxn modelId="{DDF63CBA-9249-4906-B12C-4FF683670DBE}" srcId="{4C209514-E212-4691-B01F-BE3B2FF1A3CE}" destId="{B6FBA46B-EF15-4310-8969-93D428FE3590}" srcOrd="3" destOrd="0" parTransId="{74EB8473-6A28-4BB0-BFE0-B2273E578E6D}" sibTransId="{435D76B1-B0B0-49E7-8706-30E54C04204C}"/>
-    <dgm:cxn modelId="{45B4AD95-50B0-4335-BFB8-6AD3E4B3B6FF}" type="presOf" srcId="{6E016729-ACE0-42BE-B389-5F6A7E858C33}" destId="{115D7991-9FED-4F86-94CF-25A72E5E6548}" srcOrd="0" destOrd="0" presId="urn:microsoft.com/office/officeart/2005/8/layout/cycle1"/>
-    <dgm:cxn modelId="{01A3BD06-E198-4FBE-8956-9062042BFB1E}" type="presOf" srcId="{435D76B1-B0B0-49E7-8706-30E54C04204C}" destId="{187386F9-0225-4CDB-8D38-B1367E7DE895}" srcOrd="0" destOrd="0" presId="urn:microsoft.com/office/officeart/2005/8/layout/cycle1"/>
-    <dgm:cxn modelId="{323F0E3D-E134-4BA7-A549-327EA5733DF0}" srcId="{4C209514-E212-4691-B01F-BE3B2FF1A3CE}" destId="{03357759-55BC-4F34-A577-4F2208CFA6C8}" srcOrd="4" destOrd="0" parTransId="{7C978A32-0E6C-4794-97DA-F045DB209C50}" sibTransId="{ECA9F091-7BF9-46B5-9238-AEB57FF33D37}"/>
+    <dgm:cxn modelId="{746534BF-3734-4DD2-84A2-513526A88204}" type="presOf" srcId="{98D18B32-7FCB-4BD0-897F-ED2206A294CE}" destId="{3A2F983E-52B6-44DB-A887-88938A81869F}" srcOrd="0" destOrd="0" presId="urn:microsoft.com/office/officeart/2005/8/layout/cycle1"/>
     <dgm:cxn modelId="{9C1395C4-581A-4169-AC9B-2FE6642CDDC6}" type="presOf" srcId="{4C209514-E212-4691-B01F-BE3B2FF1A3CE}" destId="{80BE1D34-55BE-494B-8575-AC6062301351}" srcOrd="0" destOrd="0" presId="urn:microsoft.com/office/officeart/2005/8/layout/cycle1"/>
-    <dgm:cxn modelId="{712E4E77-0E93-4600-841D-2B3BF76C57BB}" srcId="{4C209514-E212-4691-B01F-BE3B2FF1A3CE}" destId="{AB34C17B-8F0B-4E61-A5F1-194BFFAACD28}" srcOrd="1" destOrd="0" parTransId="{E13C6BB5-3781-4E46-8B9B-AD24CF5891AC}" sibTransId="{41681AEE-E488-4B07-A621-AACE270564E9}"/>
     <dgm:cxn modelId="{EAE821D5-866B-4946-A3B8-8C10268C7CF5}" type="presOf" srcId="{ECA9F091-7BF9-46B5-9238-AEB57FF33D37}" destId="{060605F0-0E42-4F32-837D-56A15113B908}" srcOrd="0" destOrd="0" presId="urn:microsoft.com/office/officeart/2005/8/layout/cycle1"/>
+    <dgm:cxn modelId="{093086D9-2952-4A7D-AF12-531396F2D6C3}" type="presOf" srcId="{AB34C17B-8F0B-4E61-A5F1-194BFFAACD28}" destId="{3F84EB90-F0E9-4808-BC82-B5902306AB76}" srcOrd="0" destOrd="0" presId="urn:microsoft.com/office/officeart/2005/8/layout/cycle1"/>
     <dgm:cxn modelId="{FAA3E8F1-7B2B-41D3-ACB1-D2811DC794A8}" srcId="{4C209514-E212-4691-B01F-BE3B2FF1A3CE}" destId="{98D18B32-7FCB-4BD0-897F-ED2206A294CE}" srcOrd="2" destOrd="0" parTransId="{66D77E7F-2328-4B9C-AD41-8AC987F754F1}" sibTransId="{6877753C-31D0-4345-BBDC-B9F7BC427199}"/>
     <dgm:cxn modelId="{2897FAF2-992F-437F-A2EA-BDAB8FE45092}" type="presOf" srcId="{6877753C-31D0-4345-BBDC-B9F7BC427199}" destId="{F8CDBBD7-2F86-4F56-962C-E437D20F7BEE}" srcOrd="0" destOrd="0" presId="urn:microsoft.com/office/officeart/2005/8/layout/cycle1"/>
-    <dgm:cxn modelId="{093086D9-2952-4A7D-AF12-531396F2D6C3}" type="presOf" srcId="{AB34C17B-8F0B-4E61-A5F1-194BFFAACD28}" destId="{3F84EB90-F0E9-4808-BC82-B5902306AB76}" srcOrd="0" destOrd="0" presId="urn:microsoft.com/office/officeart/2005/8/layout/cycle1"/>
-    <dgm:cxn modelId="{8026A84B-ABF7-41AA-B046-948F4E6ABE15}" type="presOf" srcId="{45C5FFBB-0E0A-4CC3-AB09-42C5B7BF08D8}" destId="{E6949ED2-6144-4309-BACF-12CA58927F76}" srcOrd="0" destOrd="0" presId="urn:microsoft.com/office/officeart/2005/8/layout/cycle1"/>
-    <dgm:cxn modelId="{9106A9AE-3C9C-41F3-8B06-17A29B48A2E3}" type="presOf" srcId="{B6FBA46B-EF15-4310-8969-93D428FE3590}" destId="{DF72DC0B-DB40-4C8C-B104-B6D123A4FDD8}" srcOrd="0" destOrd="0" presId="urn:microsoft.com/office/officeart/2005/8/layout/cycle1"/>
-    <dgm:cxn modelId="{8AAEF823-8648-4A1C-9BD1-49E0A44BE8B3}" srcId="{4C209514-E212-4691-B01F-BE3B2FF1A3CE}" destId="{6E016729-ACE0-42BE-B389-5F6A7E858C33}" srcOrd="0" destOrd="0" parTransId="{434CB9ED-EEA4-4320-991F-A8370F5DBE34}" sibTransId="{45C5FFBB-0E0A-4CC3-AB09-42C5B7BF08D8}"/>
-    <dgm:cxn modelId="{746534BF-3734-4DD2-84A2-513526A88204}" type="presOf" srcId="{98D18B32-7FCB-4BD0-897F-ED2206A294CE}" destId="{3A2F983E-52B6-44DB-A887-88938A81869F}" srcOrd="0" destOrd="0" presId="urn:microsoft.com/office/officeart/2005/8/layout/cycle1"/>
-    <dgm:cxn modelId="{F416A8B2-AC20-450C-9E94-A85AE537622C}" type="presOf" srcId="{03357759-55BC-4F34-A577-4F2208CFA6C8}" destId="{BAFE4B1C-1391-4B01-BBB6-4F35D2B706A3}" srcOrd="0" destOrd="0" presId="urn:microsoft.com/office/officeart/2005/8/layout/cycle1"/>
     <dgm:cxn modelId="{920B7CAA-E27B-4EFF-84C1-DF0D2E34FBB0}" type="presParOf" srcId="{80BE1D34-55BE-494B-8575-AC6062301351}" destId="{B1C6A3F2-BAB0-44EE-BF1B-6DFC0D8EECF1}" srcOrd="0" destOrd="0" presId="urn:microsoft.com/office/officeart/2005/8/layout/cycle1"/>
     <dgm:cxn modelId="{44374B7C-D92E-412A-A801-6D2BD6E071FA}" type="presParOf" srcId="{80BE1D34-55BE-494B-8575-AC6062301351}" destId="{115D7991-9FED-4F86-94CF-25A72E5E6548}" srcOrd="1" destOrd="0" presId="urn:microsoft.com/office/officeart/2005/8/layout/cycle1"/>
     <dgm:cxn modelId="{7F8B39EE-1221-41A8-89E5-86530ECFB7E8}" type="presParOf" srcId="{80BE1D34-55BE-494B-8575-AC6062301351}" destId="{E6949ED2-6144-4309-BACF-12CA58927F76}" srcOrd="2" destOrd="0" presId="urn:microsoft.com/office/officeart/2005/8/layout/cycle1"/>
@@ -4980,7 +4828,7 @@
         <a:p>
           <a:pPr latinLnBrk="1"/>
           <a:r>
-            <a:rPr lang="en-US" altLang="ko-KR" sz="2400" dirty="0" smtClean="0">
+            <a:rPr lang="en-US" altLang="ko-KR" sz="2400" dirty="0">
               <a:solidFill>
                 <a:schemeClr val="tx1">
                   <a:lumMod val="50000"/>
@@ -5049,7 +4897,7 @@
         <a:p>
           <a:pPr latinLnBrk="1"/>
           <a:r>
-            <a:rPr lang="en-US" altLang="ko-KR" sz="2400" dirty="0" smtClean="0">
+            <a:rPr lang="en-US" altLang="ko-KR" sz="2400" dirty="0">
               <a:solidFill>
                 <a:schemeClr val="bg1"/>
               </a:solidFill>
@@ -5112,7 +4960,7 @@
         <a:p>
           <a:pPr latinLnBrk="1"/>
           <a:r>
-            <a:rPr lang="en-US" altLang="ko-KR" sz="2400" dirty="0" smtClean="0">
+            <a:rPr lang="en-US" altLang="ko-KR" sz="2400" dirty="0">
               <a:solidFill>
                 <a:schemeClr val="bg1"/>
               </a:solidFill>
@@ -5174,7 +5022,7 @@
         <a:p>
           <a:pPr latinLnBrk="1"/>
           <a:r>
-            <a:rPr lang="en-US" altLang="ko-KR" sz="2400" dirty="0" smtClean="0">
+            <a:rPr lang="en-US" altLang="ko-KR" sz="2400" dirty="0">
               <a:solidFill>
                 <a:schemeClr val="bg1"/>
               </a:solidFill>
@@ -5229,14 +5077,6 @@
         </dgm:presLayoutVars>
       </dgm:prSet>
       <dgm:spPr/>
-      <dgm:t>
-        <a:bodyPr/>
-        <a:lstStyle/>
-        <a:p>
-          <a:pPr latinLnBrk="1"/>
-          <a:endParaRPr lang="ko-KR" altLang="en-US"/>
-        </a:p>
-      </dgm:t>
     </dgm:pt>
     <dgm:pt modelId="{3BF4A088-7535-4049-9775-682E779A9546}" type="pres">
       <dgm:prSet presAssocID="{2DB28ACD-1EC5-4545-B554-A6EEAE9D6C11}" presName="Name5" presStyleLbl="vennNode1" presStyleIdx="0" presStyleCnt="4" custLinFactNeighborX="-23485" custLinFactNeighborY="1728">
@@ -5245,14 +5085,6 @@
         </dgm:presLayoutVars>
       </dgm:prSet>
       <dgm:spPr/>
-      <dgm:t>
-        <a:bodyPr/>
-        <a:lstStyle/>
-        <a:p>
-          <a:pPr latinLnBrk="1"/>
-          <a:endParaRPr lang="ko-KR" altLang="en-US"/>
-        </a:p>
-      </dgm:t>
     </dgm:pt>
     <dgm:pt modelId="{D6251658-53FC-4358-BEDA-64E1B0F8D132}" type="pres">
       <dgm:prSet presAssocID="{FDABCD1C-39CA-447F-9BC9-81561435C82F}" presName="space" presStyleCnt="0"/>
@@ -5265,14 +5097,6 @@
         </dgm:presLayoutVars>
       </dgm:prSet>
       <dgm:spPr/>
-      <dgm:t>
-        <a:bodyPr/>
-        <a:lstStyle/>
-        <a:p>
-          <a:pPr latinLnBrk="1"/>
-          <a:endParaRPr lang="ko-KR" altLang="en-US"/>
-        </a:p>
-      </dgm:t>
     </dgm:pt>
     <dgm:pt modelId="{36ACE756-3680-46ED-945D-7AC48B59B152}" type="pres">
       <dgm:prSet presAssocID="{72EB405B-6262-436F-8E35-0D1A2950DC51}" presName="space" presStyleCnt="0"/>
@@ -5285,14 +5109,6 @@
         </dgm:presLayoutVars>
       </dgm:prSet>
       <dgm:spPr/>
-      <dgm:t>
-        <a:bodyPr/>
-        <a:lstStyle/>
-        <a:p>
-          <a:pPr latinLnBrk="1"/>
-          <a:endParaRPr lang="ko-KR" altLang="en-US"/>
-        </a:p>
-      </dgm:t>
     </dgm:pt>
     <dgm:pt modelId="{CDC04F70-CB86-4586-A7F3-138873EC1DFC}" type="pres">
       <dgm:prSet presAssocID="{96E057AA-8FED-4130-9B1F-7C6909B9E2B4}" presName="space" presStyleCnt="0"/>
@@ -5305,26 +5121,18 @@
         </dgm:presLayoutVars>
       </dgm:prSet>
       <dgm:spPr/>
-      <dgm:t>
-        <a:bodyPr/>
-        <a:lstStyle/>
-        <a:p>
-          <a:pPr latinLnBrk="1"/>
-          <a:endParaRPr lang="ko-KR" altLang="en-US"/>
-        </a:p>
-      </dgm:t>
     </dgm:pt>
   </dgm:ptLst>
   <dgm:cxnLst>
     <dgm:cxn modelId="{B5C78739-D6B7-444B-89A2-EA1EFA519FCF}" type="presOf" srcId="{7A3B30AC-2911-4AFE-9C98-B20C4016B5AE}" destId="{A9BD22C9-5670-4BE4-A6DF-9F10022F598B}" srcOrd="0" destOrd="0" presId="urn:microsoft.com/office/officeart/2005/8/layout/venn3"/>
+    <dgm:cxn modelId="{BD340142-C50E-4DA9-82D4-D1AE35263A64}" type="presOf" srcId="{7003D442-15A0-4273-A1E9-F15DBEC8E9C0}" destId="{2F92E392-C8F8-4EB8-8986-F094B96A4FB5}" srcOrd="0" destOrd="0" presId="urn:microsoft.com/office/officeart/2005/8/layout/venn3"/>
+    <dgm:cxn modelId="{FE64F043-B46D-47AA-A7F4-5C74C9457E1B}" srcId="{7A3B30AC-2911-4AFE-9C98-B20C4016B5AE}" destId="{7003D442-15A0-4273-A1E9-F15DBEC8E9C0}" srcOrd="3" destOrd="0" parTransId="{2E35678E-E59B-4919-A1BD-64657D5E0BC1}" sibTransId="{260A6C9D-E0CF-458C-A635-F1CDAB6FFC99}"/>
     <dgm:cxn modelId="{DD06BB6D-7D72-4854-9C5F-0CE4D357FFC3}" type="presOf" srcId="{DCA32E8A-5B5E-4EBA-A7F9-8B37DAE2CFCC}" destId="{ECAB5538-C66A-4006-BF45-4719D2FAF819}" srcOrd="0" destOrd="0" presId="urn:microsoft.com/office/officeart/2005/8/layout/venn3"/>
-    <dgm:cxn modelId="{BD340142-C50E-4DA9-82D4-D1AE35263A64}" type="presOf" srcId="{7003D442-15A0-4273-A1E9-F15DBEC8E9C0}" destId="{2F92E392-C8F8-4EB8-8986-F094B96A4FB5}" srcOrd="0" destOrd="0" presId="urn:microsoft.com/office/officeart/2005/8/layout/venn3"/>
+    <dgm:cxn modelId="{57515D84-D29C-439B-964A-03BD9DAE3171}" srcId="{7A3B30AC-2911-4AFE-9C98-B20C4016B5AE}" destId="{2DB28ACD-1EC5-4545-B554-A6EEAE9D6C11}" srcOrd="0" destOrd="0" parTransId="{38FF2A33-04E9-4E0D-A8B4-66FE37C2B24F}" sibTransId="{FDABCD1C-39CA-447F-9BC9-81561435C82F}"/>
     <dgm:cxn modelId="{1E002C97-AC7B-4EE3-BB88-CA447CD8622A}" srcId="{7A3B30AC-2911-4AFE-9C98-B20C4016B5AE}" destId="{EA9901E8-9C94-4D61-A1B5-DFBA79A9828C}" srcOrd="1" destOrd="0" parTransId="{FB09335F-67DD-4825-88B5-4FCCDCCFE5CA}" sibTransId="{72EB405B-6262-436F-8E35-0D1A2950DC51}"/>
-    <dgm:cxn modelId="{FE64F043-B46D-47AA-A7F4-5C74C9457E1B}" srcId="{7A3B30AC-2911-4AFE-9C98-B20C4016B5AE}" destId="{7003D442-15A0-4273-A1E9-F15DBEC8E9C0}" srcOrd="3" destOrd="0" parTransId="{2E35678E-E59B-4919-A1BD-64657D5E0BC1}" sibTransId="{260A6C9D-E0CF-458C-A635-F1CDAB6FFC99}"/>
-    <dgm:cxn modelId="{57515D84-D29C-439B-964A-03BD9DAE3171}" srcId="{7A3B30AC-2911-4AFE-9C98-B20C4016B5AE}" destId="{2DB28ACD-1EC5-4545-B554-A6EEAE9D6C11}" srcOrd="0" destOrd="0" parTransId="{38FF2A33-04E9-4E0D-A8B4-66FE37C2B24F}" sibTransId="{FDABCD1C-39CA-447F-9BC9-81561435C82F}"/>
     <dgm:cxn modelId="{40E608BD-9F5D-4A72-BE37-41E7BEF3D963}" srcId="{7A3B30AC-2911-4AFE-9C98-B20C4016B5AE}" destId="{DCA32E8A-5B5E-4EBA-A7F9-8B37DAE2CFCC}" srcOrd="2" destOrd="0" parTransId="{007B8CE9-7AE2-4754-83CC-1B7043A5E4F3}" sibTransId="{96E057AA-8FED-4130-9B1F-7C6909B9E2B4}"/>
+    <dgm:cxn modelId="{2FAC1BC4-E2C6-49BF-BD88-AB950C4FC403}" type="presOf" srcId="{2DB28ACD-1EC5-4545-B554-A6EEAE9D6C11}" destId="{3BF4A088-7535-4049-9775-682E779A9546}" srcOrd="0" destOrd="0" presId="urn:microsoft.com/office/officeart/2005/8/layout/venn3"/>
     <dgm:cxn modelId="{9C6407E9-2698-4BA0-B914-BF000DA42141}" type="presOf" srcId="{EA9901E8-9C94-4D61-A1B5-DFBA79A9828C}" destId="{68EFAA39-41A1-4637-A7F9-6EB4C65BF79A}" srcOrd="0" destOrd="0" presId="urn:microsoft.com/office/officeart/2005/8/layout/venn3"/>
-    <dgm:cxn modelId="{2FAC1BC4-E2C6-49BF-BD88-AB950C4FC403}" type="presOf" srcId="{2DB28ACD-1EC5-4545-B554-A6EEAE9D6C11}" destId="{3BF4A088-7535-4049-9775-682E779A9546}" srcOrd="0" destOrd="0" presId="urn:microsoft.com/office/officeart/2005/8/layout/venn3"/>
     <dgm:cxn modelId="{445B7AD6-B8C7-4C18-8C98-9C226BEDFAC2}" type="presParOf" srcId="{A9BD22C9-5670-4BE4-A6DF-9F10022F598B}" destId="{3BF4A088-7535-4049-9775-682E779A9546}" srcOrd="0" destOrd="0" presId="urn:microsoft.com/office/officeart/2005/8/layout/venn3"/>
     <dgm:cxn modelId="{31807B80-B29C-4F51-A52F-397C602B5A65}" type="presParOf" srcId="{A9BD22C9-5670-4BE4-A6DF-9F10022F598B}" destId="{D6251658-53FC-4358-BEDA-64E1B0F8D132}" srcOrd="1" destOrd="0" presId="urn:microsoft.com/office/officeart/2005/8/layout/venn3"/>
     <dgm:cxn modelId="{3AE95490-9FA1-4D46-8992-B0B920FF35CC}" type="presParOf" srcId="{A9BD22C9-5670-4BE4-A6DF-9F10022F598B}" destId="{68EFAA39-41A1-4637-A7F9-6EB4C65BF79A}" srcOrd="2" destOrd="0" presId="urn:microsoft.com/office/officeart/2005/8/layout/venn3"/>
@@ -5409,7 +5217,7 @@
         </a:bodyPr>
         <a:lstStyle/>
         <a:p>
-          <a:pPr lvl="0" algn="ctr" defTabSz="889000" latinLnBrk="1">
+          <a:pPr marL="0" lvl="0" indent="0" algn="ctr" defTabSz="889000" latinLnBrk="1">
             <a:lnSpc>
               <a:spcPct val="90000"/>
             </a:lnSpc>
@@ -5419,9 +5227,10 @@
             <a:spcAft>
               <a:spcPct val="35000"/>
             </a:spcAft>
+            <a:buNone/>
           </a:pPr>
           <a:r>
-            <a:rPr lang="en-US" altLang="ko-KR" sz="2000" kern="1200" dirty="0" smtClean="0"/>
+            <a:rPr lang="en-US" altLang="ko-KR" sz="2000" kern="1200" dirty="0"/>
             <a:t>first</a:t>
           </a:r>
           <a:endParaRPr lang="ko-KR" altLang="en-US" sz="2000" kern="1200" dirty="0"/>
@@ -5490,7 +5299,7 @@
         </a:bodyPr>
         <a:lstStyle/>
         <a:p>
-          <a:pPr lvl="0" algn="ctr" defTabSz="889000" latinLnBrk="1">
+          <a:pPr marL="0" lvl="0" indent="0" algn="ctr" defTabSz="889000" latinLnBrk="1">
             <a:lnSpc>
               <a:spcPct val="90000"/>
             </a:lnSpc>
@@ -5500,9 +5309,10 @@
             <a:spcAft>
               <a:spcPct val="35000"/>
             </a:spcAft>
+            <a:buNone/>
           </a:pPr>
           <a:r>
-            <a:rPr lang="en-US" altLang="ko-KR" sz="2000" kern="1200" dirty="0" smtClean="0"/>
+            <a:rPr lang="en-US" altLang="ko-KR" sz="2000" kern="1200" dirty="0"/>
             <a:t>second</a:t>
           </a:r>
           <a:endParaRPr lang="ko-KR" altLang="en-US" sz="2000" kern="1200" dirty="0"/>
@@ -5571,7 +5381,7 @@
         </a:bodyPr>
         <a:lstStyle/>
         <a:p>
-          <a:pPr lvl="0" algn="ctr" defTabSz="889000" latinLnBrk="1">
+          <a:pPr marL="0" lvl="0" indent="0" algn="ctr" defTabSz="889000" latinLnBrk="1">
             <a:lnSpc>
               <a:spcPct val="90000"/>
             </a:lnSpc>
@@ -5581,9 +5391,10 @@
             <a:spcAft>
               <a:spcPct val="35000"/>
             </a:spcAft>
+            <a:buNone/>
           </a:pPr>
           <a:r>
-            <a:rPr lang="en-US" altLang="ko-KR" sz="2000" kern="1200" dirty="0" smtClean="0"/>
+            <a:rPr lang="en-US" altLang="ko-KR" sz="2000" kern="1200" dirty="0"/>
             <a:t>third</a:t>
           </a:r>
           <a:endParaRPr lang="ko-KR" altLang="en-US" sz="2000" kern="1200" dirty="0"/>
@@ -5650,7 +5461,7 @@
         </a:bodyPr>
         <a:lstStyle/>
         <a:p>
-          <a:pPr lvl="0" algn="ctr" defTabSz="889000" latinLnBrk="1">
+          <a:pPr marL="0" lvl="0" indent="0" algn="ctr" defTabSz="889000" latinLnBrk="1">
             <a:lnSpc>
               <a:spcPct val="90000"/>
             </a:lnSpc>
@@ -5660,9 +5471,10 @@
             <a:spcAft>
               <a:spcPct val="35000"/>
             </a:spcAft>
+            <a:buNone/>
           </a:pPr>
           <a:r>
-            <a:rPr lang="en-US" altLang="ko-KR" sz="2000" kern="1200" dirty="0" smtClean="0"/>
+            <a:rPr lang="en-US" altLang="ko-KR" sz="2000" kern="1200" dirty="0"/>
             <a:t>fourth</a:t>
           </a:r>
           <a:endParaRPr lang="ko-KR" altLang="en-US" sz="2000" kern="1200" dirty="0"/>
@@ -5731,7 +5543,7 @@
         </a:bodyPr>
         <a:lstStyle/>
         <a:p>
-          <a:pPr lvl="0" algn="ctr" defTabSz="889000" latinLnBrk="1">
+          <a:pPr marL="0" lvl="0" indent="0" algn="ctr" defTabSz="889000" latinLnBrk="1">
             <a:lnSpc>
               <a:spcPct val="90000"/>
             </a:lnSpc>
@@ -5741,9 +5553,10 @@
             <a:spcAft>
               <a:spcPct val="35000"/>
             </a:spcAft>
+            <a:buNone/>
           </a:pPr>
           <a:r>
-            <a:rPr lang="en-US" altLang="ko-KR" sz="2000" kern="1200" dirty="0" smtClean="0"/>
+            <a:rPr lang="en-US" altLang="ko-KR" sz="2000" kern="1200" dirty="0"/>
             <a:t>fifth</a:t>
           </a:r>
           <a:endParaRPr lang="ko-KR" altLang="en-US" sz="2000" kern="1200" dirty="0"/>
@@ -5853,7 +5666,7 @@
         </a:bodyPr>
         <a:lstStyle/>
         <a:p>
-          <a:pPr lvl="0" algn="ctr" defTabSz="1066800" latinLnBrk="1">
+          <a:pPr marL="0" lvl="0" indent="0" algn="ctr" defTabSz="1066800" latinLnBrk="1">
             <a:lnSpc>
               <a:spcPct val="90000"/>
             </a:lnSpc>
@@ -5863,9 +5676,10 @@
             <a:spcAft>
               <a:spcPct val="35000"/>
             </a:spcAft>
+            <a:buNone/>
           </a:pPr>
           <a:r>
-            <a:rPr lang="en-US" altLang="ko-KR" sz="2400" kern="1200" dirty="0" smtClean="0"/>
+            <a:rPr lang="en-US" altLang="ko-KR" sz="2400" kern="1200" dirty="0"/>
             <a:t>TEXT</a:t>
           </a:r>
           <a:endParaRPr lang="ko-KR" altLang="en-US" sz="2400" kern="1200" dirty="0"/>
@@ -5917,7 +5731,7 @@
         </a:bodyPr>
         <a:lstStyle/>
         <a:p>
-          <a:pPr lvl="0" algn="ctr" defTabSz="1066800" latinLnBrk="1">
+          <a:pPr marL="0" lvl="0" indent="0" algn="ctr" defTabSz="1066800" latinLnBrk="1">
             <a:lnSpc>
               <a:spcPct val="90000"/>
             </a:lnSpc>
@@ -5927,9 +5741,10 @@
             <a:spcAft>
               <a:spcPct val="35000"/>
             </a:spcAft>
+            <a:buNone/>
           </a:pPr>
           <a:r>
-            <a:rPr lang="en-US" altLang="ko-KR" sz="2400" kern="1200" dirty="0" smtClean="0"/>
+            <a:rPr lang="en-US" altLang="ko-KR" sz="2400" kern="1200" dirty="0"/>
             <a:t>TEXT</a:t>
           </a:r>
           <a:endParaRPr lang="ko-KR" altLang="en-US" sz="2400" kern="1200" dirty="0"/>
@@ -5989,7 +5804,7 @@
         </a:bodyPr>
         <a:lstStyle/>
         <a:p>
-          <a:pPr lvl="0" algn="ctr" defTabSz="1111250" latinLnBrk="1">
+          <a:pPr marL="0" lvl="0" indent="0" algn="ctr" defTabSz="1111250" latinLnBrk="1">
             <a:lnSpc>
               <a:spcPct val="90000"/>
             </a:lnSpc>
@@ -5999,9 +5814,10 @@
             <a:spcAft>
               <a:spcPct val="35000"/>
             </a:spcAft>
+            <a:buNone/>
           </a:pPr>
           <a:r>
-            <a:rPr lang="en-US" altLang="ko-KR" sz="2500" kern="1200" dirty="0" smtClean="0"/>
+            <a:rPr lang="en-US" altLang="ko-KR" sz="2500" kern="1200" dirty="0"/>
             <a:t>TEXT</a:t>
           </a:r>
           <a:endParaRPr lang="ko-KR" altLang="en-US" sz="2500" kern="1200" dirty="0"/>
@@ -6101,7 +5917,7 @@
         </a:bodyPr>
         <a:lstStyle/>
         <a:p>
-          <a:pPr lvl="0" algn="ctr" defTabSz="1111250" latinLnBrk="1">
+          <a:pPr marL="0" lvl="0" indent="0" algn="ctr" defTabSz="1111250" latinLnBrk="1">
             <a:lnSpc>
               <a:spcPct val="90000"/>
             </a:lnSpc>
@@ -6111,9 +5927,10 @@
             <a:spcAft>
               <a:spcPct val="35000"/>
             </a:spcAft>
+            <a:buNone/>
           </a:pPr>
           <a:r>
-            <a:rPr lang="en-US" altLang="ko-KR" sz="2500" kern="1200" dirty="0" smtClean="0"/>
+            <a:rPr lang="en-US" altLang="ko-KR" sz="2500" kern="1200" dirty="0"/>
             <a:t>TEXT</a:t>
           </a:r>
           <a:endParaRPr lang="ko-KR" altLang="en-US" sz="2500" kern="1200" dirty="0"/>
@@ -6213,7 +6030,7 @@
         </a:bodyPr>
         <a:lstStyle/>
         <a:p>
-          <a:pPr lvl="0" algn="ctr" defTabSz="1111250" latinLnBrk="1">
+          <a:pPr marL="0" lvl="0" indent="0" algn="ctr" defTabSz="1111250" latinLnBrk="1">
             <a:lnSpc>
               <a:spcPct val="90000"/>
             </a:lnSpc>
@@ -6223,9 +6040,10 @@
             <a:spcAft>
               <a:spcPct val="35000"/>
             </a:spcAft>
+            <a:buNone/>
           </a:pPr>
           <a:r>
-            <a:rPr lang="en-US" altLang="ko-KR" sz="2500" kern="1200" dirty="0" smtClean="0"/>
+            <a:rPr lang="en-US" altLang="ko-KR" sz="2500" kern="1200" dirty="0"/>
             <a:t>TEXT</a:t>
           </a:r>
           <a:endParaRPr lang="ko-KR" altLang="en-US" sz="2500" kern="1200" dirty="0"/>
@@ -6325,7 +6143,7 @@
         </a:bodyPr>
         <a:lstStyle/>
         <a:p>
-          <a:pPr lvl="0" algn="ctr" defTabSz="1111250" latinLnBrk="1">
+          <a:pPr marL="0" lvl="0" indent="0" algn="ctr" defTabSz="1111250" latinLnBrk="1">
             <a:lnSpc>
               <a:spcPct val="90000"/>
             </a:lnSpc>
@@ -6335,9 +6153,10 @@
             <a:spcAft>
               <a:spcPct val="35000"/>
             </a:spcAft>
+            <a:buNone/>
           </a:pPr>
           <a:r>
-            <a:rPr lang="en-US" altLang="ko-KR" sz="2500" kern="1200" dirty="0" smtClean="0"/>
+            <a:rPr lang="en-US" altLang="ko-KR" sz="2500" kern="1200" dirty="0"/>
             <a:t>TEXT</a:t>
           </a:r>
           <a:endParaRPr lang="ko-KR" altLang="en-US" sz="2500" kern="1200" dirty="0"/>
@@ -6437,7 +6256,7 @@
         </a:bodyPr>
         <a:lstStyle/>
         <a:p>
-          <a:pPr lvl="0" algn="ctr" defTabSz="1111250" latinLnBrk="1">
+          <a:pPr marL="0" lvl="0" indent="0" algn="ctr" defTabSz="1111250" latinLnBrk="1">
             <a:lnSpc>
               <a:spcPct val="90000"/>
             </a:lnSpc>
@@ -6447,9 +6266,10 @@
             <a:spcAft>
               <a:spcPct val="35000"/>
             </a:spcAft>
+            <a:buNone/>
           </a:pPr>
           <a:r>
-            <a:rPr lang="en-US" altLang="ko-KR" sz="2500" kern="1200" dirty="0" smtClean="0"/>
+            <a:rPr lang="en-US" altLang="ko-KR" sz="2500" kern="1200" dirty="0"/>
             <a:t>TEXT</a:t>
           </a:r>
           <a:endParaRPr lang="ko-KR" altLang="en-US" sz="2500" kern="1200" dirty="0"/>
@@ -6568,7 +6388,7 @@
         </a:bodyPr>
         <a:lstStyle/>
         <a:p>
-          <a:pPr lvl="0" algn="ctr" defTabSz="1066800" latinLnBrk="1">
+          <a:pPr marL="0" lvl="0" indent="0" algn="ctr" defTabSz="1066800" latinLnBrk="1">
             <a:lnSpc>
               <a:spcPct val="90000"/>
             </a:lnSpc>
@@ -6578,9 +6398,10 @@
             <a:spcAft>
               <a:spcPct val="35000"/>
             </a:spcAft>
+            <a:buNone/>
           </a:pPr>
           <a:r>
-            <a:rPr lang="en-US" altLang="ko-KR" sz="2400" kern="1200" dirty="0" smtClean="0">
+            <a:rPr lang="en-US" altLang="ko-KR" sz="2400" kern="1200" dirty="0">
               <a:solidFill>
                 <a:schemeClr val="tx1">
                   <a:lumMod val="50000"/>
@@ -6601,8 +6422,8 @@
         </a:p>
       </dsp:txBody>
       <dsp:txXfrm>
-        <a:off x="0" y="210664"/>
-        <a:ext cx="1502815" cy="1502815"/>
+        <a:off x="220082" y="430746"/>
+        <a:ext cx="1062651" cy="1062651"/>
       </dsp:txXfrm>
     </dsp:sp>
     <dsp:sp modelId="{68EFAA39-41A1-4637-A7F9-6EB4C65BF79A}">
@@ -6657,7 +6478,7 @@
         </a:bodyPr>
         <a:lstStyle/>
         <a:p>
-          <a:pPr lvl="0" algn="ctr" defTabSz="1066800" latinLnBrk="1">
+          <a:pPr marL="0" lvl="0" indent="0" algn="ctr" defTabSz="1066800" latinLnBrk="1">
             <a:lnSpc>
               <a:spcPct val="90000"/>
             </a:lnSpc>
@@ -6667,9 +6488,10 @@
             <a:spcAft>
               <a:spcPct val="35000"/>
             </a:spcAft>
+            <a:buNone/>
           </a:pPr>
           <a:r>
-            <a:rPr lang="en-US" altLang="ko-KR" sz="2400" kern="1200" dirty="0" smtClean="0">
+            <a:rPr lang="en-US" altLang="ko-KR" sz="2400" kern="1200" dirty="0">
               <a:solidFill>
                 <a:schemeClr val="bg1"/>
               </a:solidFill>
@@ -6684,8 +6506,8 @@
         </a:p>
       </dsp:txBody>
       <dsp:txXfrm>
-        <a:off x="1174508" y="210679"/>
-        <a:ext cx="1502815" cy="1502815"/>
+        <a:off x="1394590" y="430761"/>
+        <a:ext cx="1062651" cy="1062651"/>
       </dsp:txXfrm>
     </dsp:sp>
     <dsp:sp modelId="{ECAB5538-C66A-4006-BF45-4719D2FAF819}">
@@ -6740,7 +6562,7 @@
         </a:bodyPr>
         <a:lstStyle/>
         <a:p>
-          <a:pPr lvl="0" algn="ctr" defTabSz="1066800" latinLnBrk="1">
+          <a:pPr marL="0" lvl="0" indent="0" algn="ctr" defTabSz="1066800" latinLnBrk="1">
             <a:lnSpc>
               <a:spcPct val="90000"/>
             </a:lnSpc>
@@ -6750,9 +6572,10 @@
             <a:spcAft>
               <a:spcPct val="35000"/>
             </a:spcAft>
+            <a:buNone/>
           </a:pPr>
           <a:r>
-            <a:rPr lang="en-US" altLang="ko-KR" sz="2400" kern="1200" dirty="0" smtClean="0">
+            <a:rPr lang="en-US" altLang="ko-KR" sz="2400" kern="1200" dirty="0">
               <a:solidFill>
                 <a:schemeClr val="bg1"/>
               </a:solidFill>
@@ -6767,8 +6590,8 @@
         </a:p>
       </dsp:txBody>
       <dsp:txXfrm>
-        <a:off x="2406002" y="184696"/>
-        <a:ext cx="1502815" cy="1502815"/>
+        <a:off x="2626084" y="404778"/>
+        <a:ext cx="1062651" cy="1062651"/>
       </dsp:txXfrm>
     </dsp:sp>
     <dsp:sp modelId="{2F92E392-C8F8-4EB8-8986-F094B96A4FB5}">
@@ -6822,7 +6645,7 @@
         </a:bodyPr>
         <a:lstStyle/>
         <a:p>
-          <a:pPr lvl="0" algn="ctr" defTabSz="1066800" latinLnBrk="1">
+          <a:pPr marL="0" lvl="0" indent="0" algn="ctr" defTabSz="1066800" latinLnBrk="1">
             <a:lnSpc>
               <a:spcPct val="90000"/>
             </a:lnSpc>
@@ -6832,9 +6655,10 @@
             <a:spcAft>
               <a:spcPct val="35000"/>
             </a:spcAft>
+            <a:buNone/>
           </a:pPr>
           <a:r>
-            <a:rPr lang="en-US" altLang="ko-KR" sz="2400" kern="1200" dirty="0" smtClean="0">
+            <a:rPr lang="en-US" altLang="ko-KR" sz="2400" kern="1200" dirty="0">
               <a:solidFill>
                 <a:schemeClr val="bg1"/>
               </a:solidFill>
@@ -6849,8 +6673,8 @@
         </a:p>
       </dsp:txBody>
       <dsp:txXfrm>
-        <a:off x="3609752" y="141580"/>
-        <a:ext cx="1502815" cy="1502815"/>
+        <a:off x="3829834" y="361662"/>
+        <a:ext cx="1062651" cy="1062651"/>
       </dsp:txXfrm>
     </dsp:sp>
   </dsp:spTree>
@@ -11902,10 +11726,9 @@
           </a:lstStyle>
           <a:p>
             <a:r>
-              <a:rPr lang="ko-KR" altLang="en-US" dirty="0" smtClean="0"/>
+              <a:rPr lang="ko-KR" altLang="en-US" dirty="0"/>
               <a:t>마스터 제목 스타일 편집</a:t>
             </a:r>
-            <a:endParaRPr lang="ko-KR" altLang="en-US" dirty="0"/>
           </a:p>
         </p:txBody>
       </p:sp>
@@ -12021,10 +11844,9 @@
           </a:lstStyle>
           <a:p>
             <a:r>
-              <a:rPr lang="ko-KR" altLang="en-US" smtClean="0"/>
+              <a:rPr lang="ko-KR" altLang="en-US"/>
               <a:t>마스터 부제목 스타일 편집</a:t>
             </a:r>
-            <a:endParaRPr lang="ko-KR" altLang="en-US"/>
           </a:p>
         </p:txBody>
       </p:sp>
@@ -12046,7 +11868,7 @@
             <a:fld id="{4D4371FD-EBF6-457D-BD12-340552F47560}" type="datetimeFigureOut">
               <a:rPr lang="ko-KR" altLang="en-US" smtClean="0"/>
               <a:pPr/>
-              <a:t>2019-10-30</a:t>
+              <a:t>2019-11-02</a:t>
             </a:fld>
             <a:endParaRPr lang="ko-KR" altLang="en-US"/>
           </a:p>
@@ -13461,7 +13283,7 @@
             <a:fld id="{4D4371FD-EBF6-457D-BD12-340552F47560}" type="datetimeFigureOut">
               <a:rPr lang="ko-KR" altLang="en-US" smtClean="0"/>
               <a:pPr/>
-              <a:t>2019-10-30</a:t>
+              <a:t>2019-11-02</a:t>
             </a:fld>
             <a:endParaRPr lang="ko-KR" altLang="en-US"/>
           </a:p>
@@ -13562,10 +13384,9 @@
           </a:lstStyle>
           <a:p>
             <a:r>
-              <a:rPr lang="ko-KR" altLang="en-US" dirty="0" smtClean="0"/>
+              <a:rPr lang="ko-KR" altLang="en-US" dirty="0"/>
               <a:t>마스터 제목 스타일 편집</a:t>
             </a:r>
-            <a:endParaRPr lang="ko-KR" altLang="en-US" dirty="0"/>
           </a:p>
         </p:txBody>
       </p:sp>
@@ -13681,10 +13502,9 @@
           </a:lstStyle>
           <a:p>
             <a:r>
-              <a:rPr lang="ko-KR" altLang="en-US" smtClean="0"/>
+              <a:rPr lang="ko-KR" altLang="en-US"/>
               <a:t>마스터 부제목 스타일 편집</a:t>
             </a:r>
-            <a:endParaRPr lang="ko-KR" altLang="en-US"/>
           </a:p>
         </p:txBody>
       </p:sp>
@@ -13706,7 +13526,7 @@
             <a:fld id="{4D4371FD-EBF6-457D-BD12-340552F47560}" type="datetimeFigureOut">
               <a:rPr lang="ko-KR" altLang="en-US" smtClean="0"/>
               <a:pPr/>
-              <a:t>2019-10-30</a:t>
+              <a:t>2019-11-02</a:t>
             </a:fld>
             <a:endParaRPr lang="ko-KR" altLang="en-US"/>
           </a:p>
@@ -15980,10 +15800,9 @@
           <a:lstStyle/>
           <a:p>
             <a:r>
-              <a:rPr lang="ko-KR" altLang="en-US" smtClean="0"/>
+              <a:rPr lang="ko-KR" altLang="en-US"/>
               <a:t>마스터 제목 스타일 편집</a:t>
             </a:r>
-            <a:endParaRPr lang="ko-KR" altLang="en-US"/>
           </a:p>
         </p:txBody>
       </p:sp>
@@ -16004,38 +15823,37 @@
           <a:p>
             <a:pPr lvl="0"/>
             <a:r>
-              <a:rPr lang="ko-KR" altLang="en-US" smtClean="0"/>
+              <a:rPr lang="ko-KR" altLang="en-US"/>
               <a:t>마스터 텍스트 스타일을 편집합니다</a:t>
             </a:r>
           </a:p>
           <a:p>
             <a:pPr lvl="1"/>
             <a:r>
-              <a:rPr lang="ko-KR" altLang="en-US" smtClean="0"/>
+              <a:rPr lang="ko-KR" altLang="en-US"/>
               <a:t>둘째 수준</a:t>
             </a:r>
           </a:p>
           <a:p>
             <a:pPr lvl="2"/>
             <a:r>
-              <a:rPr lang="ko-KR" altLang="en-US" smtClean="0"/>
+              <a:rPr lang="ko-KR" altLang="en-US"/>
               <a:t>셋째 수준</a:t>
             </a:r>
           </a:p>
           <a:p>
             <a:pPr lvl="3"/>
             <a:r>
-              <a:rPr lang="ko-KR" altLang="en-US" smtClean="0"/>
+              <a:rPr lang="ko-KR" altLang="en-US"/>
               <a:t>넷째 수준</a:t>
             </a:r>
           </a:p>
           <a:p>
             <a:pPr lvl="4"/>
             <a:r>
-              <a:rPr lang="ko-KR" altLang="en-US" smtClean="0"/>
+              <a:rPr lang="ko-KR" altLang="en-US"/>
               <a:t>다섯째 수준</a:t>
             </a:r>
-            <a:endParaRPr lang="ko-KR" altLang="en-US"/>
           </a:p>
         </p:txBody>
       </p:sp>
@@ -16057,7 +15875,7 @@
             <a:fld id="{4D4371FD-EBF6-457D-BD12-340552F47560}" type="datetimeFigureOut">
               <a:rPr lang="ko-KR" altLang="en-US" smtClean="0"/>
               <a:pPr/>
-              <a:t>2019-10-30</a:t>
+              <a:t>2019-11-02</a:t>
             </a:fld>
             <a:endParaRPr lang="ko-KR" altLang="en-US"/>
           </a:p>
@@ -16147,10 +15965,9 @@
           <a:lstStyle/>
           <a:p>
             <a:r>
-              <a:rPr lang="ko-KR" altLang="en-US" smtClean="0"/>
+              <a:rPr lang="ko-KR" altLang="en-US"/>
               <a:t>마스터 제목 스타일 편집</a:t>
             </a:r>
-            <a:endParaRPr lang="ko-KR" altLang="en-US"/>
           </a:p>
         </p:txBody>
       </p:sp>
@@ -16172,7 +15989,7 @@
             <a:fld id="{4D4371FD-EBF6-457D-BD12-340552F47560}" type="datetimeFigureOut">
               <a:rPr lang="ko-KR" altLang="en-US" smtClean="0"/>
               <a:pPr/>
-              <a:t>2019-10-30</a:t>
+              <a:t>2019-11-02</a:t>
             </a:fld>
             <a:endParaRPr lang="ko-KR" altLang="en-US"/>
           </a:p>
@@ -17357,7 +17174,7 @@
             <a:fld id="{4D4371FD-EBF6-457D-BD12-340552F47560}" type="datetimeFigureOut">
               <a:rPr lang="ko-KR" altLang="en-US" smtClean="0"/>
               <a:pPr/>
-              <a:t>2019-10-30</a:t>
+              <a:t>2019-11-02</a:t>
             </a:fld>
             <a:endParaRPr lang="ko-KR" altLang="en-US"/>
           </a:p>
@@ -18542,7 +18359,7 @@
             <a:fld id="{4D4371FD-EBF6-457D-BD12-340552F47560}" type="datetimeFigureOut">
               <a:rPr lang="ko-KR" altLang="en-US" smtClean="0"/>
               <a:pPr/>
-              <a:t>2019-10-30</a:t>
+              <a:t>2019-11-02</a:t>
             </a:fld>
             <a:endParaRPr lang="ko-KR" altLang="en-US"/>
           </a:p>
@@ -19619,10 +19436,9 @@
           <a:lstStyle/>
           <a:p>
             <a:r>
-              <a:rPr lang="ko-KR" altLang="en-US" smtClean="0"/>
+              <a:rPr lang="ko-KR" altLang="en-US"/>
               <a:t>마스터 제목 스타일 편집</a:t>
             </a:r>
-            <a:endParaRPr lang="ko-KR" altLang="en-US"/>
           </a:p>
         </p:txBody>
       </p:sp>
@@ -19643,38 +19459,37 @@
           <a:p>
             <a:pPr lvl="0"/>
             <a:r>
-              <a:rPr lang="ko-KR" altLang="en-US" smtClean="0"/>
+              <a:rPr lang="ko-KR" altLang="en-US"/>
               <a:t>마스터 텍스트 스타일을 편집합니다</a:t>
             </a:r>
           </a:p>
           <a:p>
             <a:pPr lvl="1"/>
             <a:r>
-              <a:rPr lang="ko-KR" altLang="en-US" smtClean="0"/>
+              <a:rPr lang="ko-KR" altLang="en-US"/>
               <a:t>둘째 수준</a:t>
             </a:r>
           </a:p>
           <a:p>
             <a:pPr lvl="2"/>
             <a:r>
-              <a:rPr lang="ko-KR" altLang="en-US" smtClean="0"/>
+              <a:rPr lang="ko-KR" altLang="en-US"/>
               <a:t>셋째 수준</a:t>
             </a:r>
           </a:p>
           <a:p>
             <a:pPr lvl="3"/>
             <a:r>
-              <a:rPr lang="ko-KR" altLang="en-US" smtClean="0"/>
+              <a:rPr lang="ko-KR" altLang="en-US"/>
               <a:t>넷째 수준</a:t>
             </a:r>
           </a:p>
           <a:p>
             <a:pPr lvl="4"/>
             <a:r>
-              <a:rPr lang="ko-KR" altLang="en-US" smtClean="0"/>
+              <a:rPr lang="ko-KR" altLang="en-US"/>
               <a:t>다섯째 수준</a:t>
             </a:r>
-            <a:endParaRPr lang="ko-KR" altLang="en-US"/>
           </a:p>
         </p:txBody>
       </p:sp>
@@ -19696,7 +19511,7 @@
             <a:fld id="{4D4371FD-EBF6-457D-BD12-340552F47560}" type="datetimeFigureOut">
               <a:rPr lang="ko-KR" altLang="en-US" smtClean="0"/>
               <a:pPr/>
-              <a:t>2019-10-30</a:t>
+              <a:t>2019-11-02</a:t>
             </a:fld>
             <a:endParaRPr lang="ko-KR" altLang="en-US"/>
           </a:p>
@@ -20773,10 +20588,9 @@
           <a:lstStyle/>
           <a:p>
             <a:r>
-              <a:rPr lang="ko-KR" altLang="en-US" smtClean="0"/>
+              <a:rPr lang="ko-KR" altLang="en-US"/>
               <a:t>마스터 제목 스타일 편집</a:t>
             </a:r>
-            <a:endParaRPr lang="ko-KR" altLang="en-US"/>
           </a:p>
         </p:txBody>
       </p:sp>
@@ -20798,7 +20612,7 @@
             <a:fld id="{4D4371FD-EBF6-457D-BD12-340552F47560}" type="datetimeFigureOut">
               <a:rPr lang="ko-KR" altLang="en-US" smtClean="0"/>
               <a:pPr/>
-              <a:t>2019-10-30</a:t>
+              <a:t>2019-11-02</a:t>
             </a:fld>
             <a:endParaRPr lang="ko-KR" altLang="en-US"/>
           </a:p>
@@ -20890,7 +20704,7 @@
             <a:fld id="{4D4371FD-EBF6-457D-BD12-340552F47560}" type="datetimeFigureOut">
               <a:rPr lang="ko-KR" altLang="en-US" smtClean="0"/>
               <a:pPr/>
-              <a:t>2019-10-30</a:t>
+              <a:t>2019-11-02</a:t>
             </a:fld>
             <a:endParaRPr lang="ko-KR" altLang="en-US"/>
           </a:p>
@@ -21969,7 +21783,7 @@
             <a:fld id="{4D4371FD-EBF6-457D-BD12-340552F47560}" type="datetimeFigureOut">
               <a:rPr lang="ko-KR" altLang="en-US" smtClean="0"/>
               <a:pPr/>
-              <a:t>2019-10-30</a:t>
+              <a:t>2019-11-02</a:t>
             </a:fld>
             <a:endParaRPr lang="ko-KR" altLang="en-US"/>
           </a:p>
@@ -23271,10 +23085,9 @@
           </a:lstStyle>
           <a:p>
             <a:r>
-              <a:rPr lang="ko-KR" altLang="en-US" dirty="0" smtClean="0"/>
+              <a:rPr lang="ko-KR" altLang="en-US" dirty="0"/>
               <a:t>마스터 제목 스타일 편집</a:t>
             </a:r>
-            <a:endParaRPr lang="ko-KR" altLang="en-US" dirty="0"/>
           </a:p>
         </p:txBody>
       </p:sp>
@@ -23390,10 +23203,9 @@
           </a:lstStyle>
           <a:p>
             <a:r>
-              <a:rPr lang="ko-KR" altLang="en-US" smtClean="0"/>
+              <a:rPr lang="ko-KR" altLang="en-US"/>
               <a:t>마스터 부제목 스타일 편집</a:t>
             </a:r>
-            <a:endParaRPr lang="ko-KR" altLang="en-US"/>
           </a:p>
         </p:txBody>
       </p:sp>
@@ -23415,7 +23227,7 @@
             <a:fld id="{4D4371FD-EBF6-457D-BD12-340552F47560}" type="datetimeFigureOut">
               <a:rPr lang="ko-KR" altLang="en-US" smtClean="0"/>
               <a:pPr/>
-              <a:t>2019-10-30</a:t>
+              <a:t>2019-11-02</a:t>
             </a:fld>
             <a:endParaRPr lang="ko-KR" altLang="en-US"/>
           </a:p>
@@ -23626,10 +23438,9 @@
           <a:lstStyle/>
           <a:p>
             <a:r>
-              <a:rPr lang="ko-KR" altLang="en-US" smtClean="0"/>
+              <a:rPr lang="ko-KR" altLang="en-US"/>
               <a:t>마스터 제목 스타일 편집</a:t>
             </a:r>
-            <a:endParaRPr lang="ko-KR" altLang="en-US"/>
           </a:p>
         </p:txBody>
       </p:sp>
@@ -23650,38 +23461,37 @@
           <a:p>
             <a:pPr lvl="0"/>
             <a:r>
-              <a:rPr lang="ko-KR" altLang="en-US" smtClean="0"/>
+              <a:rPr lang="ko-KR" altLang="en-US"/>
               <a:t>마스터 텍스트 스타일을 편집합니다</a:t>
             </a:r>
           </a:p>
           <a:p>
             <a:pPr lvl="1"/>
             <a:r>
-              <a:rPr lang="ko-KR" altLang="en-US" smtClean="0"/>
+              <a:rPr lang="ko-KR" altLang="en-US"/>
               <a:t>둘째 수준</a:t>
             </a:r>
           </a:p>
           <a:p>
             <a:pPr lvl="2"/>
             <a:r>
-              <a:rPr lang="ko-KR" altLang="en-US" smtClean="0"/>
+              <a:rPr lang="ko-KR" altLang="en-US"/>
               <a:t>셋째 수준</a:t>
             </a:r>
           </a:p>
           <a:p>
             <a:pPr lvl="3"/>
             <a:r>
-              <a:rPr lang="ko-KR" altLang="en-US" smtClean="0"/>
+              <a:rPr lang="ko-KR" altLang="en-US"/>
               <a:t>넷째 수준</a:t>
             </a:r>
           </a:p>
           <a:p>
             <a:pPr lvl="4"/>
             <a:r>
-              <a:rPr lang="ko-KR" altLang="en-US" smtClean="0"/>
+              <a:rPr lang="ko-KR" altLang="en-US"/>
               <a:t>다섯째 수준</a:t>
             </a:r>
-            <a:endParaRPr lang="ko-KR" altLang="en-US"/>
           </a:p>
         </p:txBody>
       </p:sp>
@@ -23703,7 +23513,7 @@
             <a:fld id="{4D4371FD-EBF6-457D-BD12-340552F47560}" type="datetimeFigureOut">
               <a:rPr lang="ko-KR" altLang="en-US" smtClean="0"/>
               <a:pPr/>
-              <a:t>2019-10-30</a:t>
+              <a:t>2019-11-02</a:t>
             </a:fld>
             <a:endParaRPr lang="ko-KR" altLang="en-US"/>
           </a:p>
@@ -23914,10 +23724,9 @@
           <a:lstStyle/>
           <a:p>
             <a:r>
-              <a:rPr lang="ko-KR" altLang="en-US" smtClean="0"/>
+              <a:rPr lang="ko-KR" altLang="en-US"/>
               <a:t>마스터 제목 스타일 편집</a:t>
             </a:r>
-            <a:endParaRPr lang="ko-KR" altLang="en-US"/>
           </a:p>
         </p:txBody>
       </p:sp>
@@ -23939,7 +23748,7 @@
             <a:fld id="{4D4371FD-EBF6-457D-BD12-340552F47560}" type="datetimeFigureOut">
               <a:rPr lang="ko-KR" altLang="en-US" smtClean="0"/>
               <a:pPr/>
-              <a:t>2019-10-30</a:t>
+              <a:t>2019-11-02</a:t>
             </a:fld>
             <a:endParaRPr lang="ko-KR" altLang="en-US"/>
           </a:p>
@@ -24152,7 +23961,7 @@
             <a:fld id="{4D4371FD-EBF6-457D-BD12-340552F47560}" type="datetimeFigureOut">
               <a:rPr lang="ko-KR" altLang="en-US" smtClean="0"/>
               <a:pPr/>
-              <a:t>2019-10-30</a:t>
+              <a:t>2019-11-02</a:t>
             </a:fld>
             <a:endParaRPr lang="ko-KR" altLang="en-US"/>
           </a:p>
@@ -24257,10 +24066,9 @@
           <a:lstStyle/>
           <a:p>
             <a:r>
-              <a:rPr lang="ko-KR" altLang="en-US" dirty="0" smtClean="0"/>
+              <a:rPr lang="ko-KR" altLang="en-US" dirty="0"/>
               <a:t>마스터 제목 스타일 편집</a:t>
             </a:r>
-            <a:endParaRPr lang="ko-KR" altLang="en-US" dirty="0"/>
           </a:p>
         </p:txBody>
       </p:sp>
@@ -24291,38 +24099,37 @@
           <a:p>
             <a:pPr lvl="0"/>
             <a:r>
-              <a:rPr lang="ko-KR" altLang="en-US" dirty="0" smtClean="0"/>
+              <a:rPr lang="ko-KR" altLang="en-US" dirty="0"/>
               <a:t>마스터 텍스트 스타일을 편집합니다</a:t>
             </a:r>
           </a:p>
           <a:p>
             <a:pPr lvl="1"/>
             <a:r>
-              <a:rPr lang="ko-KR" altLang="en-US" dirty="0" smtClean="0"/>
+              <a:rPr lang="ko-KR" altLang="en-US" dirty="0"/>
               <a:t>둘째 수준</a:t>
             </a:r>
           </a:p>
           <a:p>
             <a:pPr lvl="2"/>
             <a:r>
-              <a:rPr lang="ko-KR" altLang="en-US" dirty="0" smtClean="0"/>
+              <a:rPr lang="ko-KR" altLang="en-US" dirty="0"/>
               <a:t>셋째 수준</a:t>
             </a:r>
           </a:p>
           <a:p>
             <a:pPr lvl="3"/>
             <a:r>
-              <a:rPr lang="ko-KR" altLang="en-US" dirty="0" smtClean="0"/>
+              <a:rPr lang="ko-KR" altLang="en-US" dirty="0"/>
               <a:t>넷째 수준</a:t>
             </a:r>
           </a:p>
           <a:p>
             <a:pPr lvl="4"/>
             <a:r>
-              <a:rPr lang="ko-KR" altLang="en-US" dirty="0" smtClean="0"/>
+              <a:rPr lang="ko-KR" altLang="en-US" dirty="0"/>
               <a:t>다섯째 수준</a:t>
             </a:r>
-            <a:endParaRPr lang="ko-KR" altLang="en-US" dirty="0"/>
           </a:p>
         </p:txBody>
       </p:sp>
@@ -24362,7 +24169,7 @@
             <a:fld id="{4D4371FD-EBF6-457D-BD12-340552F47560}" type="datetimeFigureOut">
               <a:rPr lang="ko-KR" altLang="en-US" smtClean="0"/>
               <a:pPr/>
-              <a:t>2019-10-30</a:t>
+              <a:t>2019-11-02</a:t>
             </a:fld>
             <a:endParaRPr lang="ko-KR" altLang="en-US"/>
           </a:p>
@@ -24447,6 +24254,36 @@
           </a:p>
         </p:txBody>
       </p:sp>
+      <p:pic>
+        <p:nvPicPr>
+          <p:cNvPr id="7" name="그림 6">
+            <a:extLst>
+              <a:ext uri="{FF2B5EF4-FFF2-40B4-BE49-F238E27FC236}">
+                <a16:creationId xmlns:a16="http://schemas.microsoft.com/office/drawing/2014/main" id="{10072D6D-1101-47E9-8CF4-5059BE4438BC}"/>
+              </a:ext>
+            </a:extLst>
+          </p:cNvPr>
+          <p:cNvPicPr>
+            <a:picLocks noChangeAspect="1"/>
+          </p:cNvPicPr>
+          <p:nvPr userDrawn="1"/>
+        </p:nvPicPr>
+        <p:blipFill>
+          <a:blip r:embed="rId7"/>
+          <a:stretch>
+            <a:fillRect/>
+          </a:stretch>
+        </p:blipFill>
+        <p:spPr>
+          <a:xfrm>
+            <a:off x="7336012" y="116632"/>
+            <a:ext cx="1632341" cy="301628"/>
+          </a:xfrm>
+          <a:prstGeom prst="rect">
+            <a:avLst/>
+          </a:prstGeom>
+        </p:spPr>
+      </p:pic>
     </p:spTree>
   </p:cSld>
   <p:clrMap bg1="lt1" tx1="dk1" bg2="lt2" tx2="dk2" accent1="accent1" accent2="accent2" accent3="accent3" accent4="accent4" accent5="accent5" accent6="accent6" hlink="hlink" folHlink="folHlink"/>
@@ -24758,10 +24595,9 @@
           <a:lstStyle/>
           <a:p>
             <a:r>
-              <a:rPr lang="ko-KR" altLang="en-US" dirty="0" smtClean="0"/>
+              <a:rPr lang="ko-KR" altLang="en-US" dirty="0"/>
               <a:t>마스터 제목 스타일 편집</a:t>
             </a:r>
-            <a:endParaRPr lang="ko-KR" altLang="en-US" dirty="0"/>
           </a:p>
         </p:txBody>
       </p:sp>
@@ -24792,38 +24628,37 @@
           <a:p>
             <a:pPr lvl="0"/>
             <a:r>
-              <a:rPr lang="ko-KR" altLang="en-US" dirty="0" smtClean="0"/>
+              <a:rPr lang="ko-KR" altLang="en-US" dirty="0"/>
               <a:t>마스터 텍스트 스타일을 편집합니다</a:t>
             </a:r>
           </a:p>
           <a:p>
             <a:pPr lvl="1"/>
             <a:r>
-              <a:rPr lang="ko-KR" altLang="en-US" dirty="0" smtClean="0"/>
+              <a:rPr lang="ko-KR" altLang="en-US" dirty="0"/>
               <a:t>둘째 수준</a:t>
             </a:r>
           </a:p>
           <a:p>
             <a:pPr lvl="2"/>
             <a:r>
-              <a:rPr lang="ko-KR" altLang="en-US" dirty="0" smtClean="0"/>
+              <a:rPr lang="ko-KR" altLang="en-US" dirty="0"/>
               <a:t>셋째 수준</a:t>
             </a:r>
           </a:p>
           <a:p>
             <a:pPr lvl="3"/>
             <a:r>
-              <a:rPr lang="ko-KR" altLang="en-US" dirty="0" smtClean="0"/>
+              <a:rPr lang="ko-KR" altLang="en-US" dirty="0"/>
               <a:t>넷째 수준</a:t>
             </a:r>
           </a:p>
           <a:p>
             <a:pPr lvl="4"/>
             <a:r>
-              <a:rPr lang="ko-KR" altLang="en-US" dirty="0" smtClean="0"/>
+              <a:rPr lang="ko-KR" altLang="en-US" dirty="0"/>
               <a:t>다섯째 수준</a:t>
             </a:r>
-            <a:endParaRPr lang="ko-KR" altLang="en-US" dirty="0"/>
           </a:p>
         </p:txBody>
       </p:sp>
@@ -24863,7 +24698,7 @@
             <a:fld id="{4D4371FD-EBF6-457D-BD12-340552F47560}" type="datetimeFigureOut">
               <a:rPr lang="ko-KR" altLang="en-US" smtClean="0"/>
               <a:pPr/>
-              <a:t>2019-10-30</a:t>
+              <a:t>2019-11-02</a:t>
             </a:fld>
             <a:endParaRPr lang="ko-KR" altLang="en-US"/>
           </a:p>
@@ -25259,10 +25094,9 @@
           <a:lstStyle/>
           <a:p>
             <a:r>
-              <a:rPr lang="ko-KR" altLang="en-US" dirty="0" smtClean="0"/>
+              <a:rPr lang="ko-KR" altLang="en-US" dirty="0"/>
               <a:t>마스터 제목 스타일 편집</a:t>
             </a:r>
-            <a:endParaRPr lang="ko-KR" altLang="en-US" dirty="0"/>
           </a:p>
         </p:txBody>
       </p:sp>
@@ -25293,38 +25127,37 @@
           <a:p>
             <a:pPr lvl="0"/>
             <a:r>
-              <a:rPr lang="ko-KR" altLang="en-US" dirty="0" smtClean="0"/>
+              <a:rPr lang="ko-KR" altLang="en-US" dirty="0"/>
               <a:t>마스터 텍스트 스타일을 편집합니다</a:t>
             </a:r>
           </a:p>
           <a:p>
             <a:pPr lvl="1"/>
             <a:r>
-              <a:rPr lang="ko-KR" altLang="en-US" dirty="0" smtClean="0"/>
+              <a:rPr lang="ko-KR" altLang="en-US" dirty="0"/>
               <a:t>둘째 수준</a:t>
             </a:r>
           </a:p>
           <a:p>
             <a:pPr lvl="2"/>
             <a:r>
-              <a:rPr lang="ko-KR" altLang="en-US" dirty="0" smtClean="0"/>
+              <a:rPr lang="ko-KR" altLang="en-US" dirty="0"/>
               <a:t>셋째 수준</a:t>
             </a:r>
           </a:p>
           <a:p>
             <a:pPr lvl="3"/>
             <a:r>
-              <a:rPr lang="ko-KR" altLang="en-US" dirty="0" smtClean="0"/>
+              <a:rPr lang="ko-KR" altLang="en-US" dirty="0"/>
               <a:t>넷째 수준</a:t>
             </a:r>
           </a:p>
           <a:p>
             <a:pPr lvl="4"/>
             <a:r>
-              <a:rPr lang="ko-KR" altLang="en-US" dirty="0" smtClean="0"/>
+              <a:rPr lang="ko-KR" altLang="en-US" dirty="0"/>
               <a:t>다섯째 수준</a:t>
             </a:r>
-            <a:endParaRPr lang="ko-KR" altLang="en-US" dirty="0"/>
           </a:p>
         </p:txBody>
       </p:sp>
@@ -25364,7 +25197,7 @@
             <a:fld id="{4D4371FD-EBF6-457D-BD12-340552F47560}" type="datetimeFigureOut">
               <a:rPr lang="ko-KR" altLang="en-US" smtClean="0"/>
               <a:pPr/>
-              <a:t>2019-10-30</a:t>
+              <a:t>2019-11-02</a:t>
             </a:fld>
             <a:endParaRPr lang="ko-KR" altLang="en-US"/>
           </a:p>
@@ -25789,7 +25622,7 @@
               <a:defRPr/>
             </a:pPr>
             <a:r>
-              <a:rPr lang="en-US" noProof="1" smtClean="0">
+              <a:rPr lang="en-US" noProof="1">
                 <a:solidFill>
                   <a:schemeClr val="bg1">
                     <a:lumMod val="65000"/>
@@ -25812,7 +25645,7 @@
               <a:defRPr/>
             </a:pPr>
             <a:r>
-              <a:rPr lang="ko-KR" altLang="en-US" noProof="1" smtClean="0">
+              <a:rPr lang="ko-KR" altLang="en-US" noProof="1">
                 <a:solidFill>
                   <a:schemeClr val="tx1">
                     <a:lumMod val="65000"/>
@@ -25825,7 +25658,7 @@
               <a:t>박진원</a:t>
             </a:r>
             <a:r>
-              <a:rPr lang="en-US" altLang="ko-KR" noProof="1" smtClean="0">
+              <a:rPr lang="en-US" altLang="ko-KR" noProof="1">
                 <a:solidFill>
                   <a:schemeClr val="tx1">
                     <a:lumMod val="65000"/>
@@ -25838,7 +25671,7 @@
               <a:t>, </a:t>
             </a:r>
             <a:r>
-              <a:rPr lang="ko-KR" altLang="en-US" noProof="1" smtClean="0">
+              <a:rPr lang="ko-KR" altLang="en-US" noProof="1">
                 <a:solidFill>
                   <a:schemeClr val="tx1">
                     <a:lumMod val="65000"/>
@@ -25916,14 +25749,14 @@
                 <a:defRPr/>
               </a:pPr>
               <a:r>
-                <a:rPr lang="ko-KR" altLang="en-US" sz="2800" dirty="0" smtClean="0">
+                <a:rPr lang="ko-KR" altLang="en-US" sz="2800" dirty="0">
                   <a:latin typeface="나눔스퀘어 Bold" panose="020B0600000101010101" pitchFamily="50" charset="-127"/>
                   <a:ea typeface="나눔스퀘어 Bold" panose="020B0600000101010101" pitchFamily="50" charset="-127"/>
                 </a:rPr>
                 <a:t>맞춤 영화 추천 </a:t>
               </a:r>
               <a:r>
-                <a:rPr lang="ko-KR" altLang="en-US" sz="2800" smtClean="0">
+                <a:rPr lang="ko-KR" altLang="en-US" sz="2800">
                   <a:latin typeface="나눔스퀘어 Bold" panose="020B0600000101010101" pitchFamily="50" charset="-127"/>
                   <a:ea typeface="나눔스퀘어 Bold" panose="020B0600000101010101" pitchFamily="50" charset="-127"/>
                 </a:rPr>
@@ -25980,13 +25813,6 @@
   <p:clrMapOvr>
     <a:masterClrMapping/>
   </p:clrMapOvr>
-  <p:timing>
-    <p:tnLst>
-      <p:par>
-        <p:cTn id="1" dur="indefinite" restart="never" nodeType="tmRoot"/>
-      </p:par>
-    </p:tnLst>
-  </p:timing>
 </p:sld>
 </file>
 
@@ -26098,7 +25924,7 @@
               <a:t> </a:t>
             </a:r>
             <a:r>
-              <a:rPr kumimoji="0" lang="ko-KR" altLang="en-US" sz="1200" spc="300" noProof="1" smtClean="0">
+              <a:rPr kumimoji="0" lang="ko-KR" altLang="en-US" sz="1200" spc="300" noProof="1">
                 <a:solidFill>
                   <a:schemeClr val="tx1">
                     <a:lumMod val="85000"/>
@@ -26112,7 +25938,7 @@
               <a:t>이곳에 </a:t>
             </a:r>
             <a:r>
-              <a:rPr kumimoji="0" lang="ko-KR" altLang="en-US" spc="300" noProof="1" smtClean="0">
+              <a:rPr kumimoji="0" lang="ko-KR" altLang="en-US" spc="300" noProof="1">
                 <a:solidFill>
                   <a:schemeClr val="tx1">
                     <a:lumMod val="85000"/>
@@ -26126,7 +25952,7 @@
               <a:t>제목</a:t>
             </a:r>
             <a:r>
-              <a:rPr kumimoji="0" lang="ko-KR" altLang="en-US" sz="1200" spc="300" noProof="1" smtClean="0">
+              <a:rPr kumimoji="0" lang="ko-KR" altLang="en-US" sz="1200" spc="300" noProof="1">
                 <a:solidFill>
                   <a:schemeClr val="tx1">
                     <a:lumMod val="85000"/>
@@ -26190,7 +26016,7 @@
               <a:defRPr/>
             </a:pPr>
             <a:r>
-              <a:rPr kumimoji="0" lang="ko-KR" altLang="en-US" dirty="0" smtClean="0">
+              <a:rPr kumimoji="0" lang="ko-KR" altLang="en-US" dirty="0">
                 <a:solidFill>
                   <a:schemeClr val="tx1">
                     <a:lumMod val="65000"/>
@@ -26203,7 +26029,7 @@
               <a:t>첫 번째 내용을 작성해 주세요</a:t>
             </a:r>
             <a:r>
-              <a:rPr kumimoji="0" lang="en-US" altLang="ko-KR" dirty="0" smtClean="0">
+              <a:rPr kumimoji="0" lang="en-US" altLang="ko-KR" dirty="0">
                 <a:solidFill>
                   <a:schemeClr val="tx1">
                     <a:lumMod val="65000"/>
@@ -26216,7 +26042,7 @@
               <a:t>.</a:t>
             </a:r>
             <a:r>
-              <a:rPr kumimoji="0" lang="ko-KR" altLang="en-US" dirty="0" smtClean="0">
+              <a:rPr kumimoji="0" lang="ko-KR" altLang="en-US" dirty="0">
                 <a:solidFill>
                   <a:schemeClr val="tx1">
                     <a:lumMod val="65000"/>
@@ -26255,7 +26081,7 @@
               <a:defRPr/>
             </a:pPr>
             <a:r>
-              <a:rPr kumimoji="0" lang="ko-KR" altLang="en-US" dirty="0" smtClean="0">
+              <a:rPr kumimoji="0" lang="ko-KR" altLang="en-US" dirty="0">
                 <a:solidFill>
                   <a:schemeClr val="tx1">
                     <a:lumMod val="65000"/>
@@ -26268,7 +26094,7 @@
               <a:t>두 번째 </a:t>
             </a:r>
             <a:r>
-              <a:rPr lang="ko-KR" altLang="en-US" dirty="0" smtClean="0">
+              <a:rPr lang="ko-KR" altLang="en-US" dirty="0">
                 <a:solidFill>
                   <a:schemeClr val="tx1">
                     <a:lumMod val="65000"/>
@@ -26281,7 +26107,7 @@
               <a:t>내용을 작성해 주세요</a:t>
             </a:r>
             <a:r>
-              <a:rPr lang="en-US" altLang="ko-KR" dirty="0" smtClean="0">
+              <a:rPr lang="en-US" altLang="ko-KR" dirty="0">
                 <a:solidFill>
                   <a:schemeClr val="tx1">
                     <a:lumMod val="65000"/>
@@ -26294,7 +26120,7 @@
               <a:t>.</a:t>
             </a:r>
             <a:r>
-              <a:rPr lang="ko-KR" altLang="en-US" dirty="0" smtClean="0">
+              <a:rPr lang="ko-KR" altLang="en-US" dirty="0">
                 <a:solidFill>
                   <a:schemeClr val="tx1">
                     <a:lumMod val="65000"/>
@@ -26306,7 +26132,7 @@
               </a:rPr>
               <a:t> </a:t>
             </a:r>
-            <a:endParaRPr kumimoji="0" lang="en-US" altLang="ko-KR" dirty="0" smtClean="0">
+            <a:endParaRPr kumimoji="0" lang="en-US" altLang="ko-KR" dirty="0">
               <a:solidFill>
                 <a:schemeClr val="tx1">
                   <a:lumMod val="65000"/>
@@ -26333,7 +26159,7 @@
               <a:defRPr/>
             </a:pPr>
             <a:r>
-              <a:rPr kumimoji="0" lang="ko-KR" altLang="en-US" dirty="0" smtClean="0">
+              <a:rPr kumimoji="0" lang="ko-KR" altLang="en-US" dirty="0">
                 <a:solidFill>
                   <a:schemeClr val="tx1">
                     <a:lumMod val="65000"/>
@@ -26346,7 +26172,7 @@
               <a:t>세 번째 </a:t>
             </a:r>
             <a:r>
-              <a:rPr lang="ko-KR" altLang="en-US" dirty="0" smtClean="0">
+              <a:rPr lang="ko-KR" altLang="en-US" dirty="0">
                 <a:solidFill>
                   <a:schemeClr val="tx1">
                     <a:lumMod val="65000"/>
@@ -26359,7 +26185,7 @@
               <a:t>내용을 작성해 주세요</a:t>
             </a:r>
             <a:r>
-              <a:rPr lang="en-US" altLang="ko-KR" dirty="0" smtClean="0">
+              <a:rPr lang="en-US" altLang="ko-KR" dirty="0">
                 <a:solidFill>
                   <a:schemeClr val="tx1">
                     <a:lumMod val="65000"/>
@@ -26372,7 +26198,7 @@
               <a:t>.</a:t>
             </a:r>
             <a:r>
-              <a:rPr lang="ko-KR" altLang="en-US" dirty="0" smtClean="0">
+              <a:rPr lang="ko-KR" altLang="en-US" dirty="0">
                 <a:solidFill>
                   <a:schemeClr val="tx1">
                     <a:lumMod val="65000"/>
@@ -26384,7 +26210,7 @@
               </a:rPr>
               <a:t> </a:t>
             </a:r>
-            <a:endParaRPr kumimoji="0" lang="en-US" altLang="ko-KR" dirty="0" smtClean="0">
+            <a:endParaRPr kumimoji="0" lang="en-US" altLang="ko-KR" dirty="0">
               <a:solidFill>
                 <a:schemeClr val="tx1">
                   <a:lumMod val="65000"/>
@@ -26411,7 +26237,7 @@
               <a:defRPr/>
             </a:pPr>
             <a:r>
-              <a:rPr kumimoji="0" lang="ko-KR" altLang="en-US" dirty="0" smtClean="0">
+              <a:rPr kumimoji="0" lang="ko-KR" altLang="en-US" dirty="0">
                 <a:solidFill>
                   <a:schemeClr val="tx1">
                     <a:lumMod val="65000"/>
@@ -26424,7 +26250,7 @@
               <a:t>네 번째 </a:t>
             </a:r>
             <a:r>
-              <a:rPr lang="ko-KR" altLang="en-US" dirty="0" smtClean="0">
+              <a:rPr lang="ko-KR" altLang="en-US" dirty="0">
                 <a:solidFill>
                   <a:schemeClr val="tx1">
                     <a:lumMod val="65000"/>
@@ -26437,7 +26263,7 @@
               <a:t>내용을 작성해 주세요</a:t>
             </a:r>
             <a:r>
-              <a:rPr lang="en-US" altLang="ko-KR" dirty="0" smtClean="0">
+              <a:rPr lang="en-US" altLang="ko-KR" dirty="0">
                 <a:solidFill>
                   <a:schemeClr val="tx1">
                     <a:lumMod val="65000"/>
@@ -26450,7 +26276,7 @@
               <a:t>.</a:t>
             </a:r>
             <a:r>
-              <a:rPr lang="ko-KR" altLang="en-US" dirty="0" smtClean="0">
+              <a:rPr lang="ko-KR" altLang="en-US" dirty="0">
                 <a:solidFill>
                   <a:schemeClr val="tx1">
                     <a:lumMod val="65000"/>
@@ -26462,7 +26288,7 @@
               </a:rPr>
               <a:t> </a:t>
             </a:r>
-            <a:endParaRPr kumimoji="0" lang="en-US" altLang="ko-KR" dirty="0" smtClean="0">
+            <a:endParaRPr kumimoji="0" lang="en-US" altLang="ko-KR" dirty="0">
               <a:solidFill>
                 <a:schemeClr val="tx1">
                   <a:lumMod val="65000"/>
@@ -26489,7 +26315,7 @@
               <a:defRPr/>
             </a:pPr>
             <a:r>
-              <a:rPr kumimoji="0" lang="ko-KR" altLang="en-US" dirty="0" smtClean="0">
+              <a:rPr kumimoji="0" lang="ko-KR" altLang="en-US" dirty="0">
                 <a:solidFill>
                   <a:schemeClr val="tx1">
                     <a:lumMod val="65000"/>
@@ -26502,7 +26328,7 @@
               <a:t>다섯 번째</a:t>
             </a:r>
             <a:r>
-              <a:rPr kumimoji="0" lang="en-US" altLang="ko-KR" dirty="0" smtClean="0">
+              <a:rPr kumimoji="0" lang="en-US" altLang="ko-KR" dirty="0">
                 <a:solidFill>
                   <a:schemeClr val="tx1">
                     <a:lumMod val="65000"/>
@@ -26515,7 +26341,7 @@
               <a:t> </a:t>
             </a:r>
             <a:r>
-              <a:rPr lang="ko-KR" altLang="en-US" dirty="0" smtClean="0">
+              <a:rPr lang="ko-KR" altLang="en-US" dirty="0">
                 <a:solidFill>
                   <a:schemeClr val="tx1">
                     <a:lumMod val="65000"/>
@@ -26528,7 +26354,7 @@
               <a:t>내용을 작성해 주세요</a:t>
             </a:r>
             <a:r>
-              <a:rPr lang="en-US" altLang="ko-KR" dirty="0" smtClean="0">
+              <a:rPr lang="en-US" altLang="ko-KR" dirty="0">
                 <a:solidFill>
                   <a:schemeClr val="tx1">
                     <a:lumMod val="65000"/>
@@ -26541,7 +26367,7 @@
               <a:t>.</a:t>
             </a:r>
             <a:r>
-              <a:rPr lang="ko-KR" altLang="en-US" dirty="0" smtClean="0">
+              <a:rPr lang="ko-KR" altLang="en-US" dirty="0">
                 <a:solidFill>
                   <a:schemeClr val="tx1">
                     <a:lumMod val="65000"/>
@@ -26553,7 +26379,7 @@
               </a:rPr>
               <a:t> </a:t>
             </a:r>
-            <a:endParaRPr kumimoji="0" lang="en-US" altLang="ko-KR" dirty="0" smtClean="0">
+            <a:endParaRPr kumimoji="0" lang="en-US" altLang="ko-KR" dirty="0">
               <a:solidFill>
                 <a:schemeClr val="tx1">
                   <a:lumMod val="65000"/>
@@ -27526,13 +27352,6 @@
   <p:clrMapOvr>
     <a:masterClrMapping/>
   </p:clrMapOvr>
-  <p:timing>
-    <p:tnLst>
-      <p:par>
-        <p:cTn id="1" dur="indefinite" restart="never" nodeType="tmRoot"/>
-      </p:par>
-    </p:tnLst>
-  </p:timing>
 </p:sld>
 </file>
 
@@ -27594,16 +27413,12 @@
               <a:t>Click to add </a:t>
             </a:r>
             <a:r>
-              <a:rPr kumimoji="0" lang="en-US" altLang="ko-KR" sz="2400" dirty="0" smtClean="0">
+              <a:rPr kumimoji="0" lang="en-US" altLang="ko-KR" sz="2400" dirty="0">
                 <a:latin typeface="맑은 고딕" pitchFamily="50" charset="-127"/>
                 <a:ea typeface="맑은 고딕" pitchFamily="50" charset="-127"/>
               </a:rPr>
               <a:t>subtitle 1 </a:t>
             </a:r>
-            <a:endParaRPr kumimoji="0" lang="en-US" altLang="ko-KR" sz="2400" dirty="0">
-              <a:latin typeface="맑은 고딕" pitchFamily="50" charset="-127"/>
-              <a:ea typeface="맑은 고딕" pitchFamily="50" charset="-127"/>
-            </a:endParaRPr>
           </a:p>
         </p:txBody>
       </p:sp>
@@ -27654,7 +27469,7 @@
               <a:t> </a:t>
             </a:r>
             <a:r>
-              <a:rPr kumimoji="0" lang="ko-KR" altLang="en-US" sz="1200" noProof="1" smtClean="0">
+              <a:rPr kumimoji="0" lang="ko-KR" altLang="en-US" sz="1200" noProof="1">
                 <a:solidFill>
                   <a:schemeClr val="tx1">
                     <a:lumMod val="85000"/>
@@ -27670,7 +27485,7 @@
               <a:t>문서의 </a:t>
             </a:r>
             <a:r>
-              <a:rPr kumimoji="0" lang="ko-KR" altLang="en-US" noProof="1" smtClean="0">
+              <a:rPr kumimoji="0" lang="ko-KR" altLang="en-US" noProof="1">
                 <a:solidFill>
                   <a:schemeClr val="tx1">
                     <a:lumMod val="85000"/>
@@ -27686,7 +27501,7 @@
               <a:t>제목</a:t>
             </a:r>
             <a:r>
-              <a:rPr kumimoji="0" lang="ko-KR" altLang="en-US" sz="1200" noProof="1" smtClean="0">
+              <a:rPr kumimoji="0" lang="ko-KR" altLang="en-US" sz="1200" noProof="1">
                 <a:solidFill>
                   <a:schemeClr val="tx1">
                     <a:lumMod val="85000"/>
@@ -27756,7 +27571,7 @@
               <a:buChar char="•"/>
             </a:pPr>
             <a:r>
-              <a:rPr kumimoji="0" lang="ko-KR" altLang="en-US" sz="1400" dirty="0" smtClean="0">
+              <a:rPr kumimoji="0" lang="ko-KR" altLang="en-US" sz="1400" dirty="0">
                 <a:solidFill>
                   <a:schemeClr val="tx1">
                     <a:lumMod val="65000"/>
@@ -27769,7 +27584,7 @@
               <a:t>이곳에 내용을 작성해 주세요</a:t>
             </a:r>
             <a:r>
-              <a:rPr kumimoji="0" lang="en-US" altLang="ko-KR" sz="1400" dirty="0" smtClean="0">
+              <a:rPr kumimoji="0" lang="en-US" altLang="ko-KR" sz="1400" dirty="0">
                 <a:solidFill>
                   <a:schemeClr val="tx1">
                     <a:lumMod val="65000"/>
@@ -27794,7 +27609,7 @@
               <a:buChar char="•"/>
             </a:pPr>
             <a:r>
-              <a:rPr kumimoji="0" lang="ko-KR" altLang="en-US" sz="1400" dirty="0" smtClean="0">
+              <a:rPr kumimoji="0" lang="ko-KR" altLang="en-US" sz="1400" dirty="0">
                 <a:solidFill>
                   <a:schemeClr val="tx1">
                     <a:lumMod val="65000"/>
@@ -27820,7 +27635,7 @@
               <a:t>체</a:t>
             </a:r>
             <a:r>
-              <a:rPr kumimoji="0" lang="en-US" altLang="ko-KR" sz="1400" dirty="0" smtClean="0">
+              <a:rPr kumimoji="0" lang="en-US" altLang="ko-KR" sz="1400" dirty="0">
                 <a:solidFill>
                   <a:schemeClr val="tx1">
                     <a:lumMod val="65000"/>
@@ -27833,7 +27648,7 @@
               <a:t>, 14</a:t>
             </a:r>
             <a:r>
-              <a:rPr lang="en-US" altLang="ko-KR" sz="1400" dirty="0" smtClean="0">
+              <a:rPr lang="en-US" altLang="ko-KR" sz="1400" dirty="0">
                 <a:solidFill>
                   <a:schemeClr val="tx1">
                     <a:lumMod val="65000"/>
@@ -27858,7 +27673,7 @@
               <a:buChar char="•"/>
             </a:pPr>
             <a:r>
-              <a:rPr lang="ko-KR" altLang="en-US" sz="1400" dirty="0" smtClean="0">
+              <a:rPr lang="ko-KR" altLang="en-US" sz="1400" dirty="0">
                 <a:solidFill>
                   <a:schemeClr val="tx1">
                     <a:lumMod val="65000"/>
@@ -27871,7 +27686,7 @@
               <a:t>줄 간격 </a:t>
             </a:r>
             <a:r>
-              <a:rPr lang="en-US" altLang="ko-KR" sz="1400" dirty="0" smtClean="0">
+              <a:rPr lang="en-US" altLang="ko-KR" sz="1400" dirty="0">
                 <a:solidFill>
                   <a:schemeClr val="tx1">
                     <a:lumMod val="65000"/>
@@ -27884,7 +27699,7 @@
               <a:t>1.5, </a:t>
             </a:r>
             <a:r>
-              <a:rPr lang="ko-KR" altLang="en-US" sz="1400" dirty="0" smtClean="0">
+              <a:rPr lang="ko-KR" altLang="en-US" sz="1400" dirty="0">
                 <a:solidFill>
                   <a:schemeClr val="tx1">
                     <a:lumMod val="65000"/>
@@ -27897,7 +27712,7 @@
               <a:t>글자 간격 표준을 사용하였습니다</a:t>
             </a:r>
             <a:r>
-              <a:rPr lang="en-US" altLang="ko-KR" sz="1400" dirty="0" smtClean="0">
+              <a:rPr lang="en-US" altLang="ko-KR" sz="1400" dirty="0">
                 <a:solidFill>
                   <a:schemeClr val="tx1">
                     <a:lumMod val="65000"/>
@@ -27909,7 +27724,7 @@
               </a:rPr>
               <a:t>.</a:t>
             </a:r>
-            <a:endParaRPr kumimoji="0" lang="en-US" altLang="ko-KR" sz="1400" dirty="0" smtClean="0">
+            <a:endParaRPr kumimoji="0" lang="en-US" altLang="ko-KR" sz="1400" dirty="0">
               <a:solidFill>
                 <a:schemeClr val="tx1">
                   <a:lumMod val="65000"/>
@@ -27929,7 +27744,7 @@
                 <a:spcPct val="20000"/>
               </a:spcBef>
             </a:pPr>
-            <a:endParaRPr kumimoji="0" lang="en-US" altLang="ko-KR" sz="1400" dirty="0" smtClean="0">
+            <a:endParaRPr kumimoji="0" lang="en-US" altLang="ko-KR" sz="1400" dirty="0">
               <a:solidFill>
                 <a:schemeClr val="tx1">
                   <a:lumMod val="65000"/>
@@ -27996,13 +27811,6 @@
   <p:clrMapOvr>
     <a:masterClrMapping/>
   </p:clrMapOvr>
-  <p:timing>
-    <p:tnLst>
-      <p:par>
-        <p:cTn id="1" dur="indefinite" restart="never" nodeType="tmRoot"/>
-      </p:par>
-    </p:tnLst>
-  </p:timing>
 </p:sld>
 </file>
 
@@ -28064,16 +27872,12 @@
               <a:t>Click to add </a:t>
             </a:r>
             <a:r>
-              <a:rPr kumimoji="0" lang="en-US" altLang="ko-KR" sz="2400" dirty="0" smtClean="0">
+              <a:rPr kumimoji="0" lang="en-US" altLang="ko-KR" sz="2400" dirty="0">
                 <a:latin typeface="맑은 고딕" pitchFamily="50" charset="-127"/>
                 <a:ea typeface="맑은 고딕" pitchFamily="50" charset="-127"/>
               </a:rPr>
               <a:t>subtitle 2 </a:t>
             </a:r>
-            <a:endParaRPr kumimoji="0" lang="en-US" altLang="ko-KR" sz="2400" dirty="0">
-              <a:latin typeface="맑은 고딕" pitchFamily="50" charset="-127"/>
-              <a:ea typeface="맑은 고딕" pitchFamily="50" charset="-127"/>
-            </a:endParaRPr>
           </a:p>
         </p:txBody>
       </p:sp>
@@ -28124,7 +27928,7 @@
               <a:t> </a:t>
             </a:r>
             <a:r>
-              <a:rPr kumimoji="0" lang="ko-KR" altLang="en-US" sz="1200" noProof="1" smtClean="0">
+              <a:rPr kumimoji="0" lang="ko-KR" altLang="en-US" sz="1200" noProof="1">
                 <a:solidFill>
                   <a:schemeClr val="tx1">
                     <a:lumMod val="85000"/>
@@ -28140,7 +27944,7 @@
               <a:t>문서의 </a:t>
             </a:r>
             <a:r>
-              <a:rPr kumimoji="0" lang="ko-KR" altLang="en-US" noProof="1" smtClean="0">
+              <a:rPr kumimoji="0" lang="ko-KR" altLang="en-US" noProof="1">
                 <a:solidFill>
                   <a:schemeClr val="tx1">
                     <a:lumMod val="85000"/>
@@ -28156,7 +27960,7 @@
               <a:t>제목</a:t>
             </a:r>
             <a:r>
-              <a:rPr kumimoji="0" lang="ko-KR" altLang="en-US" sz="1200" noProof="1" smtClean="0">
+              <a:rPr kumimoji="0" lang="ko-KR" altLang="en-US" sz="1200" noProof="1">
                 <a:solidFill>
                   <a:schemeClr val="tx1">
                     <a:lumMod val="85000"/>
@@ -28226,7 +28030,7 @@
               <a:buChar char="•"/>
             </a:pPr>
             <a:r>
-              <a:rPr kumimoji="0" lang="ko-KR" altLang="en-US" sz="1400" dirty="0" smtClean="0">
+              <a:rPr kumimoji="0" lang="ko-KR" altLang="en-US" sz="1400" dirty="0">
                 <a:solidFill>
                   <a:schemeClr val="tx1">
                     <a:lumMod val="65000"/>
@@ -28239,7 +28043,7 @@
               <a:t>이곳에 내용을 작성해 주세요</a:t>
             </a:r>
             <a:r>
-              <a:rPr kumimoji="0" lang="en-US" altLang="ko-KR" sz="1400" dirty="0" smtClean="0">
+              <a:rPr kumimoji="0" lang="en-US" altLang="ko-KR" sz="1400" dirty="0">
                 <a:solidFill>
                   <a:schemeClr val="tx1">
                     <a:lumMod val="65000"/>
@@ -28264,7 +28068,7 @@
               <a:buChar char="•"/>
             </a:pPr>
             <a:r>
-              <a:rPr kumimoji="0" lang="ko-KR" altLang="en-US" sz="1400" dirty="0" smtClean="0">
+              <a:rPr kumimoji="0" lang="ko-KR" altLang="en-US" sz="1400" dirty="0">
                 <a:solidFill>
                   <a:schemeClr val="tx1">
                     <a:lumMod val="65000"/>
@@ -28290,7 +28094,7 @@
               <a:t>체</a:t>
             </a:r>
             <a:r>
-              <a:rPr kumimoji="0" lang="en-US" altLang="ko-KR" sz="1400" dirty="0" smtClean="0">
+              <a:rPr kumimoji="0" lang="en-US" altLang="ko-KR" sz="1400" dirty="0">
                 <a:solidFill>
                   <a:schemeClr val="tx1">
                     <a:lumMod val="65000"/>
@@ -28303,7 +28107,7 @@
               <a:t>, 14</a:t>
             </a:r>
             <a:r>
-              <a:rPr lang="en-US" altLang="ko-KR" sz="1400" dirty="0" smtClean="0">
+              <a:rPr lang="en-US" altLang="ko-KR" sz="1400" dirty="0">
                 <a:solidFill>
                   <a:schemeClr val="tx1">
                     <a:lumMod val="65000"/>
@@ -28328,7 +28132,7 @@
               <a:buChar char="•"/>
             </a:pPr>
             <a:r>
-              <a:rPr lang="ko-KR" altLang="en-US" sz="1400" dirty="0" smtClean="0">
+              <a:rPr lang="ko-KR" altLang="en-US" sz="1400" dirty="0">
                 <a:solidFill>
                   <a:schemeClr val="tx1">
                     <a:lumMod val="65000"/>
@@ -28341,7 +28145,7 @@
               <a:t>줄 간격 </a:t>
             </a:r>
             <a:r>
-              <a:rPr lang="en-US" altLang="ko-KR" sz="1400" dirty="0" smtClean="0">
+              <a:rPr lang="en-US" altLang="ko-KR" sz="1400" dirty="0">
                 <a:solidFill>
                   <a:schemeClr val="tx1">
                     <a:lumMod val="65000"/>
@@ -28354,7 +28158,7 @@
               <a:t>1.5, </a:t>
             </a:r>
             <a:r>
-              <a:rPr lang="ko-KR" altLang="en-US" sz="1400" dirty="0" smtClean="0">
+              <a:rPr lang="ko-KR" altLang="en-US" sz="1400" dirty="0">
                 <a:solidFill>
                   <a:schemeClr val="tx1">
                     <a:lumMod val="65000"/>
@@ -28367,7 +28171,7 @@
               <a:t>글자 간격 표준을 사용하였습니다</a:t>
             </a:r>
             <a:r>
-              <a:rPr lang="en-US" altLang="ko-KR" sz="1400" dirty="0" smtClean="0">
+              <a:rPr lang="en-US" altLang="ko-KR" sz="1400" dirty="0">
                 <a:solidFill>
                   <a:schemeClr val="tx1">
                     <a:lumMod val="65000"/>
@@ -28379,7 +28183,7 @@
               </a:rPr>
               <a:t>.</a:t>
             </a:r>
-            <a:endParaRPr kumimoji="0" lang="en-US" altLang="ko-KR" sz="1400" dirty="0" smtClean="0">
+            <a:endParaRPr kumimoji="0" lang="en-US" altLang="ko-KR" sz="1400" dirty="0">
               <a:solidFill>
                 <a:schemeClr val="tx1">
                   <a:lumMod val="65000"/>
@@ -28399,7 +28203,7 @@
                 <a:spcPct val="20000"/>
               </a:spcBef>
             </a:pPr>
-            <a:endParaRPr kumimoji="0" lang="en-US" altLang="ko-KR" sz="1400" dirty="0" smtClean="0">
+            <a:endParaRPr kumimoji="0" lang="en-US" altLang="ko-KR" sz="1400" dirty="0">
               <a:solidFill>
                 <a:schemeClr val="tx1">
                   <a:lumMod val="65000"/>
@@ -28466,13 +28270,6 @@
   <p:clrMapOvr>
     <a:masterClrMapping/>
   </p:clrMapOvr>
-  <p:timing>
-    <p:tnLst>
-      <p:par>
-        <p:cTn id="1" dur="indefinite" restart="never" nodeType="tmRoot"/>
-      </p:par>
-    </p:tnLst>
-  </p:timing>
 </p:sld>
 </file>
 
@@ -28628,7 +28425,7 @@
               </a:spcBef>
             </a:pPr>
             <a:r>
-              <a:rPr kumimoji="0" lang="ko-KR" altLang="en-US" dirty="0" smtClean="0">
+              <a:rPr kumimoji="0" lang="ko-KR" altLang="en-US" dirty="0">
                 <a:solidFill>
                   <a:schemeClr val="accent1"/>
                 </a:solidFill>
@@ -28639,7 +28436,7 @@
               <a:t>이곳에 </a:t>
             </a:r>
             <a:r>
-              <a:rPr kumimoji="0" lang="ko-KR" altLang="en-US" sz="2800" dirty="0" smtClean="0">
+              <a:rPr kumimoji="0" lang="ko-KR" altLang="en-US" sz="2800" dirty="0">
                 <a:solidFill>
                   <a:schemeClr val="accent1"/>
                 </a:solidFill>
@@ -28650,7 +28447,7 @@
               <a:t>내용</a:t>
             </a:r>
             <a:r>
-              <a:rPr kumimoji="0" lang="ko-KR" altLang="en-US" dirty="0" smtClean="0">
+              <a:rPr kumimoji="0" lang="ko-KR" altLang="en-US" dirty="0">
                 <a:solidFill>
                   <a:schemeClr val="accent1"/>
                 </a:solidFill>
@@ -28661,7 +28458,7 @@
               <a:t>을 작성해 주세요</a:t>
             </a:r>
             <a:r>
-              <a:rPr kumimoji="0" lang="en-US" altLang="ko-KR" dirty="0" smtClean="0">
+              <a:rPr kumimoji="0" lang="en-US" altLang="ko-KR" dirty="0">
                 <a:solidFill>
                   <a:schemeClr val="accent1"/>
                 </a:solidFill>
@@ -28671,14 +28468,6 @@
               </a:rPr>
               <a:t>.</a:t>
             </a:r>
-            <a:endParaRPr kumimoji="0" lang="en-US" altLang="ko-KR" dirty="0">
-              <a:solidFill>
-                <a:schemeClr val="accent1"/>
-              </a:solidFill>
-              <a:latin typeface="맑은 고딕" pitchFamily="50" charset="-127"/>
-              <a:ea typeface="맑은 고딕" pitchFamily="50" charset="-127"/>
-              <a:cs typeface="Arial" charset="0"/>
-            </a:endParaRPr>
           </a:p>
         </p:txBody>
       </p:sp>
@@ -28721,7 +28510,7 @@
               <a:buChar char="•"/>
             </a:pPr>
             <a:r>
-              <a:rPr kumimoji="0" lang="ko-KR" altLang="en-US" sz="1400" dirty="0" smtClean="0">
+              <a:rPr kumimoji="0" lang="ko-KR" altLang="en-US" sz="1400" dirty="0">
                 <a:solidFill>
                   <a:schemeClr val="tx1">
                     <a:lumMod val="65000"/>
@@ -28734,7 +28523,7 @@
               <a:t>이곳에 내용을 작성해 주세요</a:t>
             </a:r>
             <a:r>
-              <a:rPr kumimoji="0" lang="en-US" altLang="ko-KR" sz="1400" dirty="0" smtClean="0">
+              <a:rPr kumimoji="0" lang="en-US" altLang="ko-KR" sz="1400" dirty="0">
                 <a:solidFill>
                   <a:schemeClr val="tx1">
                     <a:lumMod val="65000"/>
@@ -28759,7 +28548,7 @@
               <a:buChar char="•"/>
             </a:pPr>
             <a:r>
-              <a:rPr kumimoji="0" lang="ko-KR" altLang="en-US" sz="1400" dirty="0" smtClean="0">
+              <a:rPr kumimoji="0" lang="ko-KR" altLang="en-US" sz="1400" dirty="0">
                 <a:solidFill>
                   <a:schemeClr val="tx1">
                     <a:lumMod val="65000"/>
@@ -28785,7 +28574,7 @@
               <a:t>체</a:t>
             </a:r>
             <a:r>
-              <a:rPr kumimoji="0" lang="en-US" altLang="ko-KR" sz="1400" dirty="0" smtClean="0">
+              <a:rPr kumimoji="0" lang="en-US" altLang="ko-KR" sz="1400" dirty="0">
                 <a:solidFill>
                   <a:schemeClr val="tx1">
                     <a:lumMod val="65000"/>
@@ -28798,7 +28587,7 @@
               <a:t>, 14</a:t>
             </a:r>
             <a:r>
-              <a:rPr lang="en-US" altLang="ko-KR" sz="1400" dirty="0" smtClean="0">
+              <a:rPr lang="en-US" altLang="ko-KR" sz="1400" dirty="0">
                 <a:solidFill>
                   <a:schemeClr val="tx1">
                     <a:lumMod val="65000"/>
@@ -28823,7 +28612,7 @@
               <a:buChar char="•"/>
             </a:pPr>
             <a:r>
-              <a:rPr lang="ko-KR" altLang="en-US" sz="1400" dirty="0" smtClean="0">
+              <a:rPr lang="ko-KR" altLang="en-US" sz="1400" dirty="0">
                 <a:solidFill>
                   <a:schemeClr val="tx1">
                     <a:lumMod val="65000"/>
@@ -28836,7 +28625,7 @@
               <a:t>줄 간격 </a:t>
             </a:r>
             <a:r>
-              <a:rPr lang="en-US" altLang="ko-KR" sz="1400" dirty="0" smtClean="0">
+              <a:rPr lang="en-US" altLang="ko-KR" sz="1400" dirty="0">
                 <a:solidFill>
                   <a:schemeClr val="tx1">
                     <a:lumMod val="65000"/>
@@ -28849,7 +28638,7 @@
               <a:t>1.5, </a:t>
             </a:r>
             <a:r>
-              <a:rPr lang="ko-KR" altLang="en-US" sz="1400" dirty="0" smtClean="0">
+              <a:rPr lang="ko-KR" altLang="en-US" sz="1400" dirty="0">
                 <a:solidFill>
                   <a:schemeClr val="tx1">
                     <a:lumMod val="65000"/>
@@ -28862,7 +28651,7 @@
               <a:t>글자 간격 표준을 사용하였습니다</a:t>
             </a:r>
             <a:r>
-              <a:rPr lang="en-US" altLang="ko-KR" sz="1400" dirty="0" smtClean="0">
+              <a:rPr lang="en-US" altLang="ko-KR" sz="1400" dirty="0">
                 <a:solidFill>
                   <a:schemeClr val="tx1">
                     <a:lumMod val="65000"/>
@@ -28874,7 +28663,7 @@
               </a:rPr>
               <a:t>.</a:t>
             </a:r>
-            <a:endParaRPr kumimoji="0" lang="en-US" altLang="ko-KR" sz="1400" dirty="0" smtClean="0">
+            <a:endParaRPr kumimoji="0" lang="en-US" altLang="ko-KR" sz="1400" dirty="0">
               <a:solidFill>
                 <a:schemeClr val="tx1">
                   <a:lumMod val="65000"/>
@@ -28894,7 +28683,7 @@
                 <a:spcPct val="20000"/>
               </a:spcBef>
             </a:pPr>
-            <a:endParaRPr kumimoji="0" lang="en-US" altLang="ko-KR" sz="1400" dirty="0" smtClean="0">
+            <a:endParaRPr kumimoji="0" lang="en-US" altLang="ko-KR" sz="1400" dirty="0">
               <a:solidFill>
                 <a:schemeClr val="tx1">
                   <a:lumMod val="65000"/>
@@ -28959,7 +28748,7 @@
               </a:spcBef>
             </a:pPr>
             <a:r>
-              <a:rPr lang="ko-KR" altLang="en-US" sz="1200" dirty="0" smtClean="0">
+              <a:rPr lang="ko-KR" altLang="en-US" sz="1200" dirty="0">
                 <a:solidFill>
                   <a:schemeClr val="bg1">
                     <a:lumMod val="50000"/>
@@ -28971,7 +28760,7 @@
               <a:t>위의 사진 이외에</a:t>
             </a:r>
             <a:r>
-              <a:rPr lang="en-US" altLang="ko-KR" sz="1200" dirty="0" smtClean="0">
+              <a:rPr lang="en-US" altLang="ko-KR" sz="1200" dirty="0">
                 <a:solidFill>
                   <a:schemeClr val="bg1">
                     <a:lumMod val="50000"/>
@@ -28983,7 +28772,7 @@
               <a:t>, </a:t>
             </a:r>
             <a:r>
-              <a:rPr lang="ko-KR" altLang="en-US" sz="1200" dirty="0" smtClean="0">
+              <a:rPr lang="ko-KR" altLang="en-US" sz="1200" dirty="0">
                 <a:solidFill>
                   <a:schemeClr val="bg1">
                     <a:lumMod val="50000"/>
@@ -28995,7 +28784,7 @@
               <a:t>본인의 </a:t>
             </a:r>
             <a:r>
-              <a:rPr lang="en-US" altLang="ko-KR" sz="1200" dirty="0" smtClean="0">
+              <a:rPr lang="en-US" altLang="ko-KR" sz="1200" dirty="0">
                 <a:solidFill>
                   <a:schemeClr val="bg1">
                     <a:lumMod val="50000"/>
@@ -29007,7 +28796,7 @@
               <a:t>presentation </a:t>
             </a:r>
             <a:r>
-              <a:rPr lang="ko-KR" altLang="en-US" sz="1200" dirty="0" smtClean="0">
+              <a:rPr lang="ko-KR" altLang="en-US" sz="1200" dirty="0">
                 <a:solidFill>
                   <a:schemeClr val="bg1">
                     <a:lumMod val="50000"/>
@@ -29019,7 +28808,7 @@
               <a:t>주제에 어울리는 사진을 삽입해 보세요</a:t>
             </a:r>
             <a:r>
-              <a:rPr lang="en-US" altLang="ko-KR" sz="1200" dirty="0" smtClean="0">
+              <a:rPr lang="en-US" altLang="ko-KR" sz="1200" dirty="0">
                 <a:solidFill>
                   <a:schemeClr val="bg1">
                     <a:lumMod val="50000"/>
@@ -29038,7 +28827,7 @@
               </a:spcBef>
             </a:pPr>
             <a:r>
-              <a:rPr lang="en-US" altLang="ko-KR" sz="1200" dirty="0" smtClean="0">
+              <a:rPr lang="en-US" altLang="ko-KR" sz="1200" dirty="0">
                 <a:solidFill>
                   <a:schemeClr val="bg1">
                     <a:lumMod val="50000"/>
@@ -29050,7 +28839,7 @@
               <a:t>‘</a:t>
             </a:r>
             <a:r>
-              <a:rPr lang="ko-KR" altLang="en-US" sz="1200" dirty="0" smtClean="0">
+              <a:rPr lang="ko-KR" altLang="en-US" sz="1200" dirty="0">
                 <a:solidFill>
                   <a:schemeClr val="bg1">
                     <a:lumMod val="50000"/>
@@ -29062,7 +28851,7 @@
               <a:t>상단의 메뉴 </a:t>
             </a:r>
             <a:r>
-              <a:rPr lang="en-US" altLang="ko-KR" sz="1200" dirty="0" smtClean="0">
+              <a:rPr lang="en-US" altLang="ko-KR" sz="1200" dirty="0">
                 <a:solidFill>
                   <a:schemeClr val="bg1">
                     <a:lumMod val="50000"/>
@@ -29074,7 +28863,7 @@
               <a:t>→ </a:t>
             </a:r>
             <a:r>
-              <a:rPr lang="ko-KR" altLang="en-US" sz="1200" dirty="0" smtClean="0">
+              <a:rPr lang="ko-KR" altLang="en-US" sz="1200" dirty="0">
                 <a:solidFill>
                   <a:schemeClr val="bg1">
                     <a:lumMod val="50000"/>
@@ -29086,7 +28875,7 @@
               <a:t>삽입 </a:t>
             </a:r>
             <a:r>
-              <a:rPr lang="en-US" altLang="ko-KR" sz="1200" dirty="0" smtClean="0">
+              <a:rPr lang="en-US" altLang="ko-KR" sz="1200" dirty="0">
                 <a:solidFill>
                   <a:schemeClr val="bg1">
                     <a:lumMod val="50000"/>
@@ -29098,7 +28887,7 @@
               <a:t>→ </a:t>
             </a:r>
             <a:r>
-              <a:rPr lang="ko-KR" altLang="en-US" sz="1200" dirty="0" smtClean="0">
+              <a:rPr lang="ko-KR" altLang="en-US" sz="1200" dirty="0">
                 <a:solidFill>
                   <a:schemeClr val="bg1">
                     <a:lumMod val="50000"/>
@@ -29110,7 +28899,7 @@
               <a:t>그림</a:t>
             </a:r>
             <a:r>
-              <a:rPr lang="en-US" altLang="ko-KR" sz="1200" dirty="0" smtClean="0">
+              <a:rPr lang="en-US" altLang="ko-KR" sz="1200" dirty="0">
                 <a:solidFill>
                   <a:schemeClr val="bg1">
                     <a:lumMod val="50000"/>
@@ -29122,7 +28911,7 @@
               <a:t>’</a:t>
             </a:r>
             <a:r>
-              <a:rPr lang="ko-KR" altLang="en-US" sz="1200" dirty="0" smtClean="0">
+              <a:rPr lang="ko-KR" altLang="en-US" sz="1200" dirty="0">
                 <a:solidFill>
                   <a:schemeClr val="bg1">
                     <a:lumMod val="50000"/>
@@ -29134,7 +28923,7 @@
               <a:t> 을 이용하여 그림 삽입이 가능합니다</a:t>
             </a:r>
             <a:r>
-              <a:rPr lang="en-US" altLang="ko-KR" sz="1200" dirty="0" smtClean="0">
+              <a:rPr lang="en-US" altLang="ko-KR" sz="1200" dirty="0">
                 <a:solidFill>
                   <a:schemeClr val="bg1">
                     <a:lumMod val="50000"/>
@@ -29221,16 +29010,12 @@
               <a:t>Click to add </a:t>
             </a:r>
             <a:r>
-              <a:rPr kumimoji="0" lang="en-US" altLang="ko-KR" sz="2400" dirty="0" smtClean="0">
+              <a:rPr kumimoji="0" lang="en-US" altLang="ko-KR" sz="2400" dirty="0">
                 <a:latin typeface="맑은 고딕" pitchFamily="50" charset="-127"/>
                 <a:ea typeface="맑은 고딕" pitchFamily="50" charset="-127"/>
               </a:rPr>
               <a:t>subtitle</a:t>
             </a:r>
-            <a:endParaRPr kumimoji="0" lang="en-US" altLang="ko-KR" sz="2400" dirty="0">
-              <a:latin typeface="맑은 고딕" pitchFamily="50" charset="-127"/>
-              <a:ea typeface="맑은 고딕" pitchFamily="50" charset="-127"/>
-            </a:endParaRPr>
           </a:p>
         </p:txBody>
       </p:sp>
@@ -29270,7 +29055,7 @@
               </a:spcBef>
             </a:pPr>
             <a:r>
-              <a:rPr kumimoji="0" lang="ko-KR" altLang="en-US" dirty="0" smtClean="0">
+              <a:rPr kumimoji="0" lang="ko-KR" altLang="en-US" dirty="0">
                 <a:solidFill>
                   <a:schemeClr val="accent1"/>
                 </a:solidFill>
@@ -29281,7 +29066,7 @@
               <a:t>이곳에 </a:t>
             </a:r>
             <a:r>
-              <a:rPr kumimoji="0" lang="ko-KR" altLang="en-US" sz="2400" dirty="0" smtClean="0">
+              <a:rPr kumimoji="0" lang="ko-KR" altLang="en-US" sz="2400" dirty="0">
                 <a:solidFill>
                   <a:schemeClr val="accent1"/>
                 </a:solidFill>
@@ -29292,7 +29077,7 @@
               <a:t>내용</a:t>
             </a:r>
             <a:r>
-              <a:rPr kumimoji="0" lang="ko-KR" altLang="en-US" dirty="0" smtClean="0">
+              <a:rPr kumimoji="0" lang="ko-KR" altLang="en-US" dirty="0">
                 <a:solidFill>
                   <a:schemeClr val="accent1"/>
                 </a:solidFill>
@@ -29303,7 +29088,7 @@
               <a:t>을 작성해 주세요</a:t>
             </a:r>
             <a:r>
-              <a:rPr kumimoji="0" lang="en-US" altLang="ko-KR" dirty="0" smtClean="0">
+              <a:rPr kumimoji="0" lang="en-US" altLang="ko-KR" dirty="0">
                 <a:solidFill>
                   <a:schemeClr val="accent1"/>
                 </a:solidFill>
@@ -29313,14 +29098,6 @@
               </a:rPr>
               <a:t>.</a:t>
             </a:r>
-            <a:endParaRPr kumimoji="0" lang="en-US" altLang="ko-KR" dirty="0">
-              <a:solidFill>
-                <a:schemeClr val="accent1"/>
-              </a:solidFill>
-              <a:latin typeface="맑은 고딕" pitchFamily="50" charset="-127"/>
-              <a:ea typeface="맑은 고딕" pitchFamily="50" charset="-127"/>
-              <a:cs typeface="Arial" charset="0"/>
-            </a:endParaRPr>
           </a:p>
         </p:txBody>
       </p:sp>
@@ -29329,13 +29106,6 @@
   <p:clrMapOvr>
     <a:masterClrMapping/>
   </p:clrMapOvr>
-  <p:timing>
-    <p:tnLst>
-      <p:par>
-        <p:cTn id="1" dur="indefinite" restart="never" nodeType="tmRoot"/>
-      </p:par>
-    </p:tnLst>
-  </p:timing>
 </p:sld>
 </file>
 
@@ -29702,7 +29472,7 @@
               <a:p>
                 <a:pPr algn="just" defTabSz="801688" eaLnBrk="0" hangingPunct="0"/>
                 <a:r>
-                  <a:rPr kumimoji="0" lang="en-US" altLang="ko-KR">
+                  <a:rPr kumimoji="0" lang="en-US" altLang="ko-KR" dirty="0">
                     <a:solidFill>
                       <a:schemeClr val="bg1"/>
                     </a:solidFill>
@@ -30567,7 +30337,7 @@
               </a:spcBef>
             </a:pPr>
             <a:r>
-              <a:rPr lang="ko-KR" altLang="en-US" sz="1200" dirty="0" smtClean="0">
+              <a:rPr lang="ko-KR" altLang="en-US" sz="1200" dirty="0">
                 <a:solidFill>
                   <a:schemeClr val="tx1">
                     <a:lumMod val="65000"/>
@@ -30580,7 +30350,7 @@
               <a:t>추가로 주제와 어울리는 이미지를 검색하여 삽입해 보세요</a:t>
             </a:r>
             <a:r>
-              <a:rPr lang="en-US" altLang="ko-KR" sz="1200" dirty="0" smtClean="0">
+              <a:rPr lang="en-US" altLang="ko-KR" sz="1200" dirty="0">
                 <a:solidFill>
                   <a:schemeClr val="tx1">
                     <a:lumMod val="65000"/>
@@ -30592,7 +30362,7 @@
               </a:rPr>
               <a:t>.</a:t>
             </a:r>
-            <a:endParaRPr kumimoji="0" lang="en-US" altLang="ko-KR" sz="1200" dirty="0" smtClean="0">
+            <a:endParaRPr kumimoji="0" lang="en-US" altLang="ko-KR" sz="1200" dirty="0">
               <a:solidFill>
                 <a:schemeClr val="tx1">
                   <a:lumMod val="65000"/>
@@ -30612,7 +30382,7 @@
                 <a:spcPct val="20000"/>
               </a:spcBef>
             </a:pPr>
-            <a:endParaRPr kumimoji="0" lang="en-US" altLang="ko-KR" sz="1200" dirty="0" smtClean="0">
+            <a:endParaRPr kumimoji="0" lang="en-US" altLang="ko-KR" sz="1200" dirty="0">
               <a:solidFill>
                 <a:schemeClr val="tx1">
                   <a:lumMod val="65000"/>
@@ -30630,13 +30400,6 @@
   <p:clrMapOvr>
     <a:masterClrMapping/>
   </p:clrMapOvr>
-  <p:timing>
-    <p:tnLst>
-      <p:par>
-        <p:cTn id="1" dur="indefinite" restart="never" nodeType="tmRoot"/>
-      </p:par>
-    </p:tnLst>
-  </p:timing>
 </p:sld>
 </file>
 
@@ -32695,7 +32458,7 @@
               </a:spcBef>
             </a:pPr>
             <a:r>
-              <a:rPr kumimoji="0" lang="ko-KR" altLang="en-US" sz="1400" dirty="0" smtClean="0">
+              <a:rPr kumimoji="0" lang="ko-KR" altLang="en-US" sz="1400" dirty="0">
                 <a:solidFill>
                   <a:schemeClr val="bg1">
                     <a:lumMod val="65000"/>
@@ -32707,7 +32470,7 @@
               <a:t>이곳에 세부 내용을 작성해 주세요</a:t>
             </a:r>
             <a:r>
-              <a:rPr kumimoji="0" lang="en-US" altLang="ko-KR" sz="1400" dirty="0" smtClean="0">
+              <a:rPr kumimoji="0" lang="en-US" altLang="ko-KR" sz="1400" dirty="0">
                 <a:solidFill>
                   <a:schemeClr val="bg1">
                     <a:lumMod val="65000"/>
@@ -32726,13 +32489,6 @@
   <p:clrMapOvr>
     <a:masterClrMapping/>
   </p:clrMapOvr>
-  <p:timing>
-    <p:tnLst>
-      <p:par>
-        <p:cTn id="1" dur="indefinite" restart="never" nodeType="tmRoot"/>
-      </p:par>
-    </p:tnLst>
-  </p:timing>
 </p:sld>
 </file>
 
@@ -33738,7 +33494,7 @@
               </a:spcBef>
             </a:pPr>
             <a:r>
-              <a:rPr kumimoji="0" lang="ko-KR" altLang="en-US" sz="1400" dirty="0" smtClean="0">
+              <a:rPr kumimoji="0" lang="ko-KR" altLang="en-US" sz="1400" dirty="0">
                 <a:solidFill>
                   <a:schemeClr val="bg1">
                     <a:lumMod val="65000"/>
@@ -33750,7 +33506,7 @@
               <a:t>이곳에 세부 내용을 작성해 주세요</a:t>
             </a:r>
             <a:r>
-              <a:rPr kumimoji="0" lang="en-US" altLang="ko-KR" sz="1400" dirty="0" smtClean="0">
+              <a:rPr kumimoji="0" lang="en-US" altLang="ko-KR" sz="1400" dirty="0">
                 <a:solidFill>
                   <a:schemeClr val="bg1">
                     <a:lumMod val="65000"/>
@@ -33769,13 +33525,6 @@
   <p:clrMapOvr>
     <a:masterClrMapping/>
   </p:clrMapOvr>
-  <p:timing>
-    <p:tnLst>
-      <p:par>
-        <p:cTn id="1" dur="indefinite" restart="never" nodeType="tmRoot"/>
-      </p:par>
-    </p:tnLst>
-  </p:timing>
 </p:sld>
 </file>
 
@@ -34995,7 +34744,7 @@
               </a:spcBef>
             </a:pPr>
             <a:r>
-              <a:rPr kumimoji="0" lang="ko-KR" altLang="en-US" sz="1400" dirty="0" smtClean="0">
+              <a:rPr kumimoji="0" lang="ko-KR" altLang="en-US" sz="1400" dirty="0">
                 <a:solidFill>
                   <a:schemeClr val="bg1">
                     <a:lumMod val="65000"/>
@@ -35007,7 +34756,7 @@
               <a:t>이곳에 세부 내용을 작성해 주세요</a:t>
             </a:r>
             <a:r>
-              <a:rPr kumimoji="0" lang="en-US" altLang="ko-KR" sz="1400" dirty="0" smtClean="0">
+              <a:rPr kumimoji="0" lang="en-US" altLang="ko-KR" sz="1400" dirty="0">
                 <a:solidFill>
                   <a:schemeClr val="bg1">
                     <a:lumMod val="65000"/>
@@ -35026,13 +34775,6 @@
   <p:clrMapOvr>
     <a:masterClrMapping/>
   </p:clrMapOvr>
-  <p:timing>
-    <p:tnLst>
-      <p:par>
-        <p:cTn id="1" dur="indefinite" restart="never" nodeType="tmRoot"/>
-      </p:par>
-    </p:tnLst>
-  </p:timing>
 </p:sld>
 </file>
 
@@ -35086,7 +34828,7 @@
               <a:defRPr/>
             </a:pPr>
             <a:r>
-              <a:rPr kumimoji="0" lang="ko-KR" altLang="en-US" dirty="0" smtClean="0">
+              <a:rPr kumimoji="0" lang="ko-KR" altLang="en-US" dirty="0">
                 <a:solidFill>
                   <a:schemeClr val="tx2">
                     <a:lumMod val="60000"/>
@@ -35154,16 +34896,12 @@
               <a:t>Click to add </a:t>
             </a:r>
             <a:r>
-              <a:rPr kumimoji="0" lang="en-US" altLang="ko-KR" sz="2400" dirty="0" smtClean="0">
+              <a:rPr kumimoji="0" lang="en-US" altLang="ko-KR" sz="2400" dirty="0">
                 <a:latin typeface="맑은 고딕" pitchFamily="50" charset="-127"/>
                 <a:ea typeface="맑은 고딕" pitchFamily="50" charset="-127"/>
               </a:rPr>
               <a:t>subtitle</a:t>
             </a:r>
-            <a:endParaRPr kumimoji="0" lang="en-US" altLang="ko-KR" sz="2400" dirty="0">
-              <a:latin typeface="맑은 고딕" pitchFamily="50" charset="-127"/>
-              <a:ea typeface="맑은 고딕" pitchFamily="50" charset="-127"/>
-            </a:endParaRPr>
           </a:p>
         </p:txBody>
       </p:sp>
@@ -35206,7 +34944,7 @@
               <a:buChar char="•"/>
             </a:pPr>
             <a:r>
-              <a:rPr lang="ko-KR" altLang="en-US" sz="1200" dirty="0" smtClean="0">
+              <a:rPr lang="ko-KR" altLang="en-US" sz="1200" dirty="0">
                 <a:solidFill>
                   <a:schemeClr val="tx1">
                     <a:lumMod val="65000"/>
@@ -35219,7 +34957,7 @@
               <a:t>아래의 그림이미지는 참고용으로 사용하시고</a:t>
             </a:r>
             <a:r>
-              <a:rPr lang="en-US" altLang="ko-KR" sz="1200" dirty="0" smtClean="0">
+              <a:rPr lang="en-US" altLang="ko-KR" sz="1200" dirty="0">
                 <a:solidFill>
                   <a:schemeClr val="tx1">
                     <a:lumMod val="65000"/>
@@ -35232,7 +34970,7 @@
               <a:t>, </a:t>
             </a:r>
             <a:r>
-              <a:rPr lang="ko-KR" altLang="en-US" sz="1200" dirty="0" smtClean="0">
+              <a:rPr lang="ko-KR" altLang="en-US" sz="1200" dirty="0">
                 <a:solidFill>
                   <a:schemeClr val="tx1">
                     <a:lumMod val="65000"/>
@@ -35245,7 +34983,7 @@
               <a:t>본인의 </a:t>
             </a:r>
             <a:r>
-              <a:rPr lang="en-US" altLang="ko-KR" sz="1200" dirty="0" smtClean="0">
+              <a:rPr lang="en-US" altLang="ko-KR" sz="1200" dirty="0">
                 <a:solidFill>
                   <a:schemeClr val="tx1">
                     <a:lumMod val="65000"/>
@@ -35258,7 +34996,7 @@
               <a:t>presentation </a:t>
             </a:r>
             <a:r>
-              <a:rPr lang="ko-KR" altLang="en-US" sz="1200" dirty="0" smtClean="0">
+              <a:rPr lang="ko-KR" altLang="en-US" sz="1200" dirty="0">
                 <a:solidFill>
                   <a:schemeClr val="tx1">
                     <a:lumMod val="65000"/>
@@ -35271,7 +35009,7 @@
               <a:t>주제에 어울리는 이미지를 </a:t>
             </a:r>
             <a:r>
-              <a:rPr kumimoji="0" lang="ko-KR" altLang="en-US" sz="1200" dirty="0" smtClean="0">
+              <a:rPr kumimoji="0" lang="ko-KR" altLang="en-US" sz="1200" dirty="0">
                 <a:solidFill>
                   <a:schemeClr val="tx1">
                     <a:lumMod val="65000"/>
@@ -35284,7 +35022,7 @@
               <a:t>검색하여 사용해 보세요</a:t>
             </a:r>
             <a:r>
-              <a:rPr kumimoji="0" lang="en-US" altLang="ko-KR" sz="1200" dirty="0" smtClean="0">
+              <a:rPr kumimoji="0" lang="en-US" altLang="ko-KR" sz="1200" dirty="0">
                 <a:solidFill>
                   <a:schemeClr val="tx1">
                     <a:lumMod val="65000"/>
@@ -35309,7 +35047,7 @@
               <a:buChar char="•"/>
             </a:pPr>
             <a:r>
-              <a:rPr lang="ko-KR" altLang="en-US" sz="1200" dirty="0" smtClean="0">
+              <a:rPr lang="ko-KR" altLang="en-US" sz="1200" dirty="0">
                 <a:solidFill>
                   <a:schemeClr val="tx1">
                     <a:lumMod val="65000"/>
@@ -35322,7 +35060,7 @@
               <a:t>이미지의 위치도 자유롭게 이동시켜 보세요</a:t>
             </a:r>
             <a:r>
-              <a:rPr lang="en-US" altLang="ko-KR" sz="1200" dirty="0" smtClean="0">
+              <a:rPr lang="en-US" altLang="ko-KR" sz="1200" dirty="0">
                 <a:solidFill>
                   <a:schemeClr val="tx1">
                     <a:lumMod val="65000"/>
@@ -35334,7 +35072,7 @@
               </a:rPr>
               <a:t>.</a:t>
             </a:r>
-            <a:endParaRPr kumimoji="0" lang="en-US" altLang="ko-KR" sz="1200" dirty="0" smtClean="0">
+            <a:endParaRPr kumimoji="0" lang="en-US" altLang="ko-KR" sz="1200" dirty="0">
               <a:solidFill>
                 <a:schemeClr val="tx1">
                   <a:lumMod val="65000"/>
@@ -35354,7 +35092,7 @@
                 <a:spcPct val="20000"/>
               </a:spcBef>
             </a:pPr>
-            <a:endParaRPr kumimoji="0" lang="en-US" altLang="ko-KR" sz="1200" dirty="0" smtClean="0">
+            <a:endParaRPr kumimoji="0" lang="en-US" altLang="ko-KR" sz="1200" dirty="0">
               <a:solidFill>
                 <a:schemeClr val="tx1">
                   <a:lumMod val="65000"/>
@@ -35422,7 +35160,7 @@
               <a:buChar char="•"/>
             </a:pPr>
             <a:r>
-              <a:rPr kumimoji="0" lang="zh-CN" altLang="en-US" sz="1400" dirty="0" smtClean="0">
+              <a:rPr kumimoji="0" lang="zh-CN" altLang="en-US" sz="1400" dirty="0">
                 <a:solidFill>
                   <a:srgbClr val="000000"/>
                 </a:solidFill>
@@ -35432,7 +35170,7 @@
               <a:t> </a:t>
             </a:r>
             <a:r>
-              <a:rPr kumimoji="0" lang="en-US" altLang="zh-CN" sz="1400" dirty="0" smtClean="0">
+              <a:rPr kumimoji="0" lang="en-US" altLang="zh-CN" sz="1400" dirty="0">
                 <a:solidFill>
                   <a:srgbClr val="000000"/>
                 </a:solidFill>
@@ -35516,25 +35254,8 @@
                 <a:latin typeface="맑은 고딕" pitchFamily="50" charset="-127"/>
                 <a:ea typeface="SimSun" pitchFamily="2" charset="-122"/>
               </a:rPr>
-              <a:t>Description of the </a:t>
+              <a:t>Description of the contents</a:t>
             </a:r>
-            <a:r>
-              <a:rPr kumimoji="0" lang="en-US" altLang="zh-CN" sz="1400" dirty="0" smtClean="0">
-                <a:solidFill>
-                  <a:srgbClr val="000000"/>
-                </a:solidFill>
-                <a:latin typeface="맑은 고딕" pitchFamily="50" charset="-127"/>
-                <a:ea typeface="SimSun" pitchFamily="2" charset="-122"/>
-              </a:rPr>
-              <a:t>contents</a:t>
-            </a:r>
-            <a:endParaRPr kumimoji="0" lang="en-US" altLang="zh-CN" sz="1400" dirty="0">
-              <a:solidFill>
-                <a:srgbClr val="000000"/>
-              </a:solidFill>
-              <a:latin typeface="맑은 고딕" pitchFamily="50" charset="-127"/>
-              <a:ea typeface="SimSun" pitchFamily="2" charset="-122"/>
-            </a:endParaRPr>
           </a:p>
         </p:txBody>
       </p:sp>
@@ -35610,25 +35331,8 @@
                 <a:latin typeface="맑은 고딕" pitchFamily="50" charset="-127"/>
                 <a:ea typeface="SimSun" pitchFamily="2" charset="-122"/>
               </a:rPr>
-              <a:t>Description of the </a:t>
+              <a:t>Description of the contents</a:t>
             </a:r>
-            <a:r>
-              <a:rPr kumimoji="0" lang="en-US" altLang="zh-CN" sz="1400" dirty="0" smtClean="0">
-                <a:solidFill>
-                  <a:srgbClr val="000000"/>
-                </a:solidFill>
-                <a:latin typeface="맑은 고딕" pitchFamily="50" charset="-127"/>
-                <a:ea typeface="SimSun" pitchFamily="2" charset="-122"/>
-              </a:rPr>
-              <a:t>contents</a:t>
-            </a:r>
-            <a:endParaRPr kumimoji="0" lang="en-US" altLang="zh-CN" sz="1400" dirty="0">
-              <a:solidFill>
-                <a:srgbClr val="000000"/>
-              </a:solidFill>
-              <a:latin typeface="맑은 고딕" pitchFamily="50" charset="-127"/>
-              <a:ea typeface="SimSun" pitchFamily="2" charset="-122"/>
-            </a:endParaRPr>
           </a:p>
         </p:txBody>
       </p:sp>
@@ -36704,7 +36408,7 @@
         <p:spPr>
           <a:xfrm>
             <a:off x="5004048" y="1556792"/>
-            <a:ext cx="3528069" cy="3554819"/>
+            <a:ext cx="3528069" cy="4138121"/>
           </a:xfrm>
           <a:prstGeom prst="rect">
             <a:avLst/>
@@ -36732,7 +36436,7 @@
               <a:defRPr/>
             </a:pPr>
             <a:r>
-              <a:rPr lang="ko-KR" altLang="en-US" dirty="0" smtClean="0">
+              <a:rPr lang="ko-KR" altLang="en-US" dirty="0">
                 <a:solidFill>
                   <a:schemeClr val="tx1">
                     <a:lumMod val="65000"/>
@@ -36771,7 +36475,7 @@
               <a:defRPr/>
             </a:pPr>
             <a:r>
-              <a:rPr kumimoji="0" lang="ko-KR" altLang="en-US" dirty="0" smtClean="0">
+              <a:rPr lang="ko-KR" altLang="en-US" dirty="0">
                 <a:solidFill>
                   <a:schemeClr val="tx1">
                     <a:lumMod val="65000"/>
@@ -36781,9 +36485,9 @@
                 <a:latin typeface="나눔스퀘어 Bold" panose="020B0600000101010101" pitchFamily="50" charset="-127"/>
                 <a:ea typeface="나눔스퀘어 Bold" panose="020B0600000101010101" pitchFamily="50" charset="-127"/>
               </a:rPr>
-              <a:t>문제제기 및 가설</a:t>
+              <a:t>목표 및 계획</a:t>
             </a:r>
-            <a:endParaRPr kumimoji="0" lang="en-US" altLang="ko-KR" dirty="0" smtClean="0">
+            <a:endParaRPr kumimoji="0" lang="en-US" altLang="ko-KR" dirty="0">
               <a:solidFill>
                 <a:schemeClr val="tx1">
                   <a:lumMod val="65000"/>
@@ -36810,7 +36514,7 @@
               <a:defRPr/>
             </a:pPr>
             <a:r>
-              <a:rPr kumimoji="0" lang="ko-KR" altLang="en-US" dirty="0" smtClean="0">
+              <a:rPr kumimoji="0" lang="ko-KR" altLang="en-US" dirty="0">
                 <a:solidFill>
                   <a:schemeClr val="tx1">
                     <a:lumMod val="65000"/>
@@ -36820,9 +36524,9 @@
                 <a:latin typeface="나눔스퀘어 Bold" panose="020B0600000101010101" pitchFamily="50" charset="-127"/>
                 <a:ea typeface="나눔스퀘어 Bold" panose="020B0600000101010101" pitchFamily="50" charset="-127"/>
               </a:rPr>
-              <a:t>목표 및 계획</a:t>
+              <a:t>데이터 수집 및 가공</a:t>
             </a:r>
-            <a:endParaRPr kumimoji="0" lang="en-US" altLang="ko-KR" dirty="0" smtClean="0">
+            <a:endParaRPr kumimoji="0" lang="en-US" altLang="ko-KR" dirty="0">
               <a:solidFill>
                 <a:schemeClr val="tx1">
                   <a:lumMod val="65000"/>
@@ -36849,7 +36553,7 @@
               <a:defRPr/>
             </a:pPr>
             <a:r>
-              <a:rPr kumimoji="0" lang="ko-KR" altLang="en-US" dirty="0" smtClean="0">
+              <a:rPr lang="ko-KR" altLang="en-US" dirty="0">
                 <a:solidFill>
                   <a:schemeClr val="tx1">
                     <a:lumMod val="65000"/>
@@ -36859,9 +36563,9 @@
                 <a:latin typeface="나눔스퀘어 Bold" panose="020B0600000101010101" pitchFamily="50" charset="-127"/>
                 <a:ea typeface="나눔스퀘어 Bold" panose="020B0600000101010101" pitchFamily="50" charset="-127"/>
               </a:rPr>
-              <a:t>가설 검증 과정</a:t>
+              <a:t>데이터 분석 결과 보고</a:t>
             </a:r>
-            <a:endParaRPr kumimoji="0" lang="en-US" altLang="ko-KR" dirty="0" smtClean="0">
+            <a:endParaRPr kumimoji="0" lang="en-US" altLang="ko-KR" dirty="0">
               <a:solidFill>
                 <a:schemeClr val="tx1">
                   <a:lumMod val="65000"/>
@@ -36888,7 +36592,46 @@
               <a:defRPr/>
             </a:pPr>
             <a:r>
-              <a:rPr kumimoji="0" lang="ko-KR" altLang="en-US" dirty="0" smtClean="0">
+              <a:rPr lang="ko-KR" altLang="en-US" dirty="0">
+                <a:solidFill>
+                  <a:schemeClr val="tx1">
+                    <a:lumMod val="65000"/>
+                    <a:lumOff val="35000"/>
+                  </a:schemeClr>
+                </a:solidFill>
+                <a:latin typeface="나눔스퀘어 Bold" panose="020B0600000101010101" pitchFamily="50" charset="-127"/>
+                <a:ea typeface="나눔스퀘어 Bold" panose="020B0600000101010101" pitchFamily="50" charset="-127"/>
+              </a:rPr>
+              <a:t>웹 서비스 결과 보고</a:t>
+            </a:r>
+            <a:endParaRPr kumimoji="0" lang="en-US" altLang="ko-KR" dirty="0">
+              <a:solidFill>
+                <a:schemeClr val="tx1">
+                  <a:lumMod val="65000"/>
+                  <a:lumOff val="35000"/>
+                </a:schemeClr>
+              </a:solidFill>
+              <a:latin typeface="나눔스퀘어 Bold" panose="020B0600000101010101" pitchFamily="50" charset="-127"/>
+              <a:ea typeface="나눔스퀘어 Bold" panose="020B0600000101010101" pitchFamily="50" charset="-127"/>
+            </a:endParaRPr>
+          </a:p>
+          <a:p>
+            <a:pPr marL="514350" indent="-514350" eaLnBrk="0" fontAlgn="auto" latinLnBrk="0" hangingPunct="0">
+              <a:lnSpc>
+                <a:spcPct val="250000"/>
+              </a:lnSpc>
+              <a:spcBef>
+                <a:spcPts val="0"/>
+              </a:spcBef>
+              <a:spcAft>
+                <a:spcPts val="0"/>
+              </a:spcAft>
+              <a:buFont typeface="+mj-lt"/>
+              <a:buAutoNum type="romanUcPeriod"/>
+              <a:defRPr/>
+            </a:pPr>
+            <a:r>
+              <a:rPr kumimoji="0" lang="ko-KR" altLang="en-US" dirty="0">
                 <a:solidFill>
                   <a:schemeClr val="tx1">
                     <a:lumMod val="65000"/>
@@ -36900,7 +36643,7 @@
               </a:rPr>
               <a:t>기대효과 및 시사점</a:t>
             </a:r>
-            <a:endParaRPr kumimoji="0" lang="en-US" altLang="ko-KR" dirty="0" smtClean="0">
+            <a:endParaRPr kumimoji="0" lang="en-US" altLang="ko-KR" dirty="0">
               <a:solidFill>
                 <a:schemeClr val="tx1">
                   <a:lumMod val="65000"/>
@@ -36913,30 +36656,6 @@
           </a:p>
         </p:txBody>
       </p:sp>
-      <p:pic>
-        <p:nvPicPr>
-          <p:cNvPr id="39" name="그림 38"/>
-          <p:cNvPicPr>
-            <a:picLocks noChangeAspect="1"/>
-          </p:cNvPicPr>
-          <p:nvPr/>
-        </p:nvPicPr>
-        <p:blipFill>
-          <a:blip r:embed="rId3"/>
-          <a:stretch>
-            <a:fillRect/>
-          </a:stretch>
-        </p:blipFill>
-        <p:spPr>
-          <a:xfrm>
-            <a:off x="7336012" y="116632"/>
-            <a:ext cx="1632341" cy="301628"/>
-          </a:xfrm>
-          <a:prstGeom prst="rect">
-            <a:avLst/>
-          </a:prstGeom>
-        </p:spPr>
-      </p:pic>
     </p:spTree>
     <p:extLst>
       <p:ext uri="{BB962C8B-B14F-4D97-AF65-F5344CB8AC3E}">
@@ -36947,13 +36666,6 @@
   <p:clrMapOvr>
     <a:masterClrMapping/>
   </p:clrMapOvr>
-  <p:timing>
-    <p:tnLst>
-      <p:par>
-        <p:cTn id="1" dur="indefinite" restart="never" nodeType="tmRoot"/>
-      </p:par>
-    </p:tnLst>
-  </p:timing>
 </p:sld>
 </file>
 
@@ -37026,7 +36738,7 @@
               </a:spcBef>
             </a:pPr>
             <a:r>
-              <a:rPr lang="ko-KR" altLang="en-US" sz="1200" dirty="0" smtClean="0">
+              <a:rPr lang="ko-KR" altLang="en-US" sz="1200" dirty="0">
                 <a:solidFill>
                   <a:schemeClr val="tx1">
                     <a:lumMod val="65000"/>
@@ -37039,7 +36751,7 @@
               <a:t>이곳에 내용을 작성해 주세요</a:t>
             </a:r>
             <a:r>
-              <a:rPr lang="en-US" altLang="ko-KR" sz="1200" dirty="0" smtClean="0">
+              <a:rPr lang="en-US" altLang="ko-KR" sz="1200" dirty="0">
                 <a:solidFill>
                   <a:schemeClr val="tx1">
                     <a:lumMod val="65000"/>
@@ -37059,7 +36771,7 @@
               </a:spcBef>
             </a:pPr>
             <a:r>
-              <a:rPr lang="ko-KR" altLang="en-US" sz="1200" dirty="0" smtClean="0">
+              <a:rPr lang="ko-KR" altLang="en-US" sz="1200" dirty="0">
                 <a:solidFill>
                   <a:schemeClr val="tx1">
                     <a:lumMod val="65000"/>
@@ -37072,7 +36784,7 @@
               <a:t>맑은 고딕체</a:t>
             </a:r>
             <a:r>
-              <a:rPr lang="en-US" altLang="ko-KR" sz="1200" dirty="0" smtClean="0">
+              <a:rPr lang="en-US" altLang="ko-KR" sz="1200" dirty="0">
                 <a:solidFill>
                   <a:schemeClr val="tx1">
                     <a:lumMod val="65000"/>
@@ -37085,7 +36797,7 @@
               <a:t> 12pt, </a:t>
             </a:r>
             <a:r>
-              <a:rPr lang="ko-KR" altLang="en-US" sz="1200" dirty="0" smtClean="0">
+              <a:rPr lang="ko-KR" altLang="en-US" sz="1200" dirty="0">
                 <a:solidFill>
                   <a:schemeClr val="tx1">
                     <a:lumMod val="65000"/>
@@ -37098,7 +36810,7 @@
               <a:t>줄 간격 </a:t>
             </a:r>
             <a:r>
-              <a:rPr lang="en-US" altLang="ko-KR" sz="1200" dirty="0" smtClean="0">
+              <a:rPr lang="en-US" altLang="ko-KR" sz="1200" dirty="0">
                 <a:solidFill>
                   <a:schemeClr val="tx1">
                     <a:lumMod val="65000"/>
@@ -37111,7 +36823,7 @@
               <a:t>1.5, </a:t>
             </a:r>
             <a:r>
-              <a:rPr lang="ko-KR" altLang="en-US" sz="1200" dirty="0" smtClean="0">
+              <a:rPr lang="ko-KR" altLang="en-US" sz="1200" dirty="0">
                 <a:solidFill>
                   <a:schemeClr val="tx1">
                     <a:lumMod val="65000"/>
@@ -37124,7 +36836,7 @@
               <a:t>글자 간격 표준을 사용하였습니다</a:t>
             </a:r>
             <a:r>
-              <a:rPr lang="en-US" altLang="ko-KR" sz="1400" dirty="0" smtClean="0">
+              <a:rPr lang="en-US" altLang="ko-KR" sz="1400" dirty="0">
                 <a:solidFill>
                   <a:schemeClr val="tx1">
                     <a:lumMod val="65000"/>
@@ -37518,7 +37230,7 @@
           <a:lstStyle/>
           <a:p>
             <a:r>
-              <a:rPr lang="ko-KR" altLang="en-US" sz="1200" dirty="0" smtClean="0">
+              <a:rPr lang="ko-KR" altLang="en-US" sz="1200" dirty="0">
                 <a:solidFill>
                   <a:schemeClr val="bg1">
                     <a:lumMod val="65000"/>
@@ -37530,7 +37242,7 @@
               <a:t>본인의 </a:t>
             </a:r>
             <a:r>
-              <a:rPr lang="en-US" altLang="ko-KR" sz="1200" dirty="0" smtClean="0">
+              <a:rPr lang="en-US" altLang="ko-KR" sz="1200" dirty="0">
                 <a:solidFill>
                   <a:schemeClr val="bg1">
                     <a:lumMod val="65000"/>
@@ -37542,7 +37254,7 @@
               <a:t>presentation </a:t>
             </a:r>
             <a:r>
-              <a:rPr lang="ko-KR" altLang="en-US" sz="1200" dirty="0" smtClean="0">
+              <a:rPr lang="ko-KR" altLang="en-US" sz="1200" dirty="0">
                 <a:solidFill>
                   <a:schemeClr val="bg1">
                     <a:lumMod val="65000"/>
@@ -37554,7 +37266,7 @@
               <a:t>주제에 어울리는 이미지를 검색하여 사용해 보세요</a:t>
             </a:r>
             <a:r>
-              <a:rPr lang="en-US" altLang="ko-KR" sz="1200" dirty="0" smtClean="0">
+              <a:rPr lang="en-US" altLang="ko-KR" sz="1200" dirty="0">
                 <a:solidFill>
                   <a:schemeClr val="bg1">
                     <a:lumMod val="65000"/>
@@ -37664,7 +37376,7 @@
               </a:spcBef>
             </a:pPr>
             <a:r>
-              <a:rPr lang="ko-KR" altLang="en-US" sz="1200" dirty="0" smtClean="0">
+              <a:rPr lang="ko-KR" altLang="en-US" sz="1200" dirty="0">
                 <a:solidFill>
                   <a:schemeClr val="tx1">
                     <a:lumMod val="65000"/>
@@ -37677,7 +37389,7 @@
               <a:t>이곳에 내용을 작성해 주세요</a:t>
             </a:r>
             <a:r>
-              <a:rPr lang="en-US" altLang="ko-KR" sz="1200" dirty="0" smtClean="0">
+              <a:rPr lang="en-US" altLang="ko-KR" sz="1200" dirty="0">
                 <a:solidFill>
                   <a:schemeClr val="tx1">
                     <a:lumMod val="65000"/>
@@ -37697,7 +37409,7 @@
               </a:spcBef>
             </a:pPr>
             <a:r>
-              <a:rPr lang="ko-KR" altLang="en-US" sz="1200" dirty="0" smtClean="0">
+              <a:rPr lang="ko-KR" altLang="en-US" sz="1200" dirty="0">
                 <a:solidFill>
                   <a:schemeClr val="tx1">
                     <a:lumMod val="65000"/>
@@ -37710,7 +37422,7 @@
               <a:t>맑은 고딕체</a:t>
             </a:r>
             <a:r>
-              <a:rPr lang="en-US" altLang="ko-KR" sz="1200" dirty="0" smtClean="0">
+              <a:rPr lang="en-US" altLang="ko-KR" sz="1200" dirty="0">
                 <a:solidFill>
                   <a:schemeClr val="tx1">
                     <a:lumMod val="65000"/>
@@ -37723,7 +37435,7 @@
               <a:t> 12pt, </a:t>
             </a:r>
             <a:r>
-              <a:rPr lang="ko-KR" altLang="en-US" sz="1200" dirty="0" smtClean="0">
+              <a:rPr lang="ko-KR" altLang="en-US" sz="1200" dirty="0">
                 <a:solidFill>
                   <a:schemeClr val="tx1">
                     <a:lumMod val="65000"/>
@@ -37736,7 +37448,7 @@
               <a:t>줄 간격 </a:t>
             </a:r>
             <a:r>
-              <a:rPr lang="en-US" altLang="ko-KR" sz="1200" dirty="0" smtClean="0">
+              <a:rPr lang="en-US" altLang="ko-KR" sz="1200" dirty="0">
                 <a:solidFill>
                   <a:schemeClr val="tx1">
                     <a:lumMod val="65000"/>
@@ -37749,7 +37461,7 @@
               <a:t>1.5, </a:t>
             </a:r>
             <a:r>
-              <a:rPr lang="ko-KR" altLang="en-US" sz="1200" dirty="0" smtClean="0">
+              <a:rPr lang="ko-KR" altLang="en-US" sz="1200" dirty="0">
                 <a:solidFill>
                   <a:schemeClr val="tx1">
                     <a:lumMod val="65000"/>
@@ -37762,7 +37474,7 @@
               <a:t>글자 간격 표준을 사용하였습니다</a:t>
             </a:r>
             <a:r>
-              <a:rPr lang="en-US" altLang="ko-KR" sz="1400" dirty="0" smtClean="0">
+              <a:rPr lang="en-US" altLang="ko-KR" sz="1400" dirty="0">
                 <a:solidFill>
                   <a:schemeClr val="tx1">
                     <a:lumMod val="65000"/>
@@ -37827,16 +37539,12 @@
               <a:t>Click to add </a:t>
             </a:r>
             <a:r>
-              <a:rPr kumimoji="0" lang="en-US" altLang="ko-KR" sz="2400" dirty="0" smtClean="0">
+              <a:rPr kumimoji="0" lang="en-US" altLang="ko-KR" sz="2400" dirty="0">
                 <a:latin typeface="맑은 고딕" pitchFamily="50" charset="-127"/>
                 <a:ea typeface="맑은 고딕" pitchFamily="50" charset="-127"/>
               </a:rPr>
               <a:t>subtitle</a:t>
             </a:r>
-            <a:endParaRPr kumimoji="0" lang="en-US" altLang="ko-KR" sz="2400" dirty="0">
-              <a:latin typeface="맑은 고딕" pitchFamily="50" charset="-127"/>
-              <a:ea typeface="맑은 고딕" pitchFamily="50" charset="-127"/>
-            </a:endParaRPr>
           </a:p>
         </p:txBody>
       </p:sp>
@@ -38130,13 +37838,6 @@
   <p:clrMapOvr>
     <a:masterClrMapping/>
   </p:clrMapOvr>
-  <p:timing>
-    <p:tnLst>
-      <p:par>
-        <p:cTn id="1" dur="indefinite" restart="never" nodeType="tmRoot"/>
-      </p:par>
-    </p:tnLst>
-  </p:timing>
 </p:sld>
 </file>
 
@@ -38688,7 +38389,7 @@
           <a:lstStyle/>
           <a:p>
             <a:r>
-              <a:rPr lang="ko-KR" altLang="en-US" sz="1200" dirty="0" smtClean="0">
+              <a:rPr lang="ko-KR" altLang="en-US" sz="1200" dirty="0">
                 <a:solidFill>
                   <a:schemeClr val="bg1">
                     <a:lumMod val="65000"/>
@@ -38700,7 +38401,7 @@
               <a:t>본인의 </a:t>
             </a:r>
             <a:r>
-              <a:rPr lang="en-US" altLang="ko-KR" sz="1200" dirty="0" smtClean="0">
+              <a:rPr lang="en-US" altLang="ko-KR" sz="1200" dirty="0">
                 <a:solidFill>
                   <a:schemeClr val="bg1">
                     <a:lumMod val="65000"/>
@@ -38712,7 +38413,7 @@
               <a:t>presentation </a:t>
             </a:r>
             <a:r>
-              <a:rPr lang="ko-KR" altLang="en-US" sz="1200" dirty="0" smtClean="0">
+              <a:rPr lang="ko-KR" altLang="en-US" sz="1200" dirty="0">
                 <a:solidFill>
                   <a:schemeClr val="bg1">
                     <a:lumMod val="65000"/>
@@ -38724,7 +38425,7 @@
               <a:t>주제에 어울리는 이미지를 검색하여 사용해 보세요</a:t>
             </a:r>
             <a:r>
-              <a:rPr lang="en-US" altLang="ko-KR" sz="1200" dirty="0" smtClean="0">
+              <a:rPr lang="en-US" altLang="ko-KR" sz="1200" dirty="0">
                 <a:solidFill>
                   <a:schemeClr val="bg1">
                     <a:lumMod val="65000"/>
@@ -38786,16 +38487,12 @@
               <a:t>Click to add </a:t>
             </a:r>
             <a:r>
-              <a:rPr kumimoji="0" lang="en-US" altLang="ko-KR" sz="2400" dirty="0" smtClean="0">
+              <a:rPr kumimoji="0" lang="en-US" altLang="ko-KR" sz="2400" dirty="0">
                 <a:latin typeface="맑은 고딕" pitchFamily="50" charset="-127"/>
                 <a:ea typeface="맑은 고딕" pitchFamily="50" charset="-127"/>
               </a:rPr>
               <a:t>subtitle</a:t>
             </a:r>
-            <a:endParaRPr kumimoji="0" lang="en-US" altLang="ko-KR" sz="2400" dirty="0">
-              <a:latin typeface="맑은 고딕" pitchFamily="50" charset="-127"/>
-              <a:ea typeface="맑은 고딕" pitchFamily="50" charset="-127"/>
-            </a:endParaRPr>
           </a:p>
         </p:txBody>
       </p:sp>
@@ -39313,13 +39010,6 @@
   <p:clrMapOvr>
     <a:masterClrMapping/>
   </p:clrMapOvr>
-  <p:timing>
-    <p:tnLst>
-      <p:par>
-        <p:cTn id="1" dur="indefinite" restart="never" nodeType="tmRoot"/>
-      </p:par>
-    </p:tnLst>
-  </p:timing>
 </p:sld>
 </file>
 
@@ -40141,16 +39831,12 @@
               <a:t>Click to add </a:t>
             </a:r>
             <a:r>
-              <a:rPr kumimoji="0" lang="en-US" altLang="ko-KR" sz="2400" dirty="0" smtClean="0">
+              <a:rPr kumimoji="0" lang="en-US" altLang="ko-KR" sz="2400" dirty="0">
                 <a:latin typeface="맑은 고딕" pitchFamily="50" charset="-127"/>
                 <a:ea typeface="맑은 고딕" pitchFamily="50" charset="-127"/>
               </a:rPr>
               <a:t>subtitle</a:t>
             </a:r>
-            <a:endParaRPr kumimoji="0" lang="en-US" altLang="ko-KR" sz="2400" dirty="0">
-              <a:latin typeface="맑은 고딕" pitchFamily="50" charset="-127"/>
-              <a:ea typeface="맑은 고딕" pitchFamily="50" charset="-127"/>
-            </a:endParaRPr>
           </a:p>
         </p:txBody>
       </p:sp>
@@ -40278,7 +39964,7 @@
               </a:spcBef>
             </a:pPr>
             <a:r>
-              <a:rPr kumimoji="0" lang="ko-KR" altLang="en-US" sz="1400" dirty="0" smtClean="0">
+              <a:rPr kumimoji="0" lang="ko-KR" altLang="en-US" sz="1400" dirty="0">
                 <a:solidFill>
                   <a:schemeClr val="bg1">
                     <a:lumMod val="65000"/>
@@ -40290,7 +39976,7 @@
               <a:t>이곳에 세부 내용을 작성해 주세요</a:t>
             </a:r>
             <a:r>
-              <a:rPr kumimoji="0" lang="en-US" altLang="ko-KR" sz="1400" dirty="0" smtClean="0">
+              <a:rPr kumimoji="0" lang="en-US" altLang="ko-KR" sz="1400" dirty="0">
                 <a:solidFill>
                   <a:schemeClr val="bg1">
                     <a:lumMod val="65000"/>
@@ -40309,13 +39995,6 @@
   <p:clrMapOvr>
     <a:masterClrMapping/>
   </p:clrMapOvr>
-  <p:timing>
-    <p:tnLst>
-      <p:par>
-        <p:cTn id="1" dur="indefinite" restart="never" nodeType="tmRoot"/>
-      </p:par>
-    </p:tnLst>
-  </p:timing>
 </p:sld>
 </file>
 
@@ -40560,16 +40239,12 @@
               <a:t>Click to add </a:t>
             </a:r>
             <a:r>
-              <a:rPr kumimoji="0" lang="en-US" altLang="ko-KR" sz="2400" dirty="0" smtClean="0">
+              <a:rPr kumimoji="0" lang="en-US" altLang="ko-KR" sz="2400" dirty="0">
                 <a:latin typeface="맑은 고딕" pitchFamily="50" charset="-127"/>
                 <a:ea typeface="맑은 고딕" pitchFamily="50" charset="-127"/>
               </a:rPr>
               <a:t>subtitle</a:t>
             </a:r>
-            <a:endParaRPr kumimoji="0" lang="en-US" altLang="ko-KR" sz="2400" dirty="0">
-              <a:latin typeface="맑은 고딕" pitchFamily="50" charset="-127"/>
-              <a:ea typeface="맑은 고딕" pitchFamily="50" charset="-127"/>
-            </a:endParaRPr>
           </a:p>
         </p:txBody>
       </p:sp>
@@ -40697,7 +40372,7 @@
               </a:spcBef>
             </a:pPr>
             <a:r>
-              <a:rPr kumimoji="0" lang="ko-KR" altLang="en-US" sz="1400" dirty="0" smtClean="0">
+              <a:rPr kumimoji="0" lang="ko-KR" altLang="en-US" sz="1400" dirty="0">
                 <a:solidFill>
                   <a:schemeClr val="bg1">
                     <a:lumMod val="65000"/>
@@ -40709,7 +40384,7 @@
               <a:t>이곳에 세부 내용을 작성해 주세요</a:t>
             </a:r>
             <a:r>
-              <a:rPr kumimoji="0" lang="en-US" altLang="ko-KR" sz="1400" dirty="0" smtClean="0">
+              <a:rPr kumimoji="0" lang="en-US" altLang="ko-KR" sz="1400" dirty="0">
                 <a:solidFill>
                   <a:schemeClr val="bg1">
                     <a:lumMod val="65000"/>
@@ -40728,13 +40403,6 @@
   <p:clrMapOvr>
     <a:masterClrMapping/>
   </p:clrMapOvr>
-  <p:timing>
-    <p:tnLst>
-      <p:par>
-        <p:cTn id="1" dur="indefinite" restart="never" nodeType="tmRoot"/>
-      </p:par>
-    </p:tnLst>
-  </p:timing>
 </p:sld>
 </file>
 
@@ -41197,16 +40865,12 @@
               <a:t>Click to add </a:t>
             </a:r>
             <a:r>
-              <a:rPr kumimoji="0" lang="en-US" altLang="ko-KR" sz="2400" dirty="0" smtClean="0">
+              <a:rPr kumimoji="0" lang="en-US" altLang="ko-KR" sz="2400" dirty="0">
                 <a:latin typeface="맑은 고딕" pitchFamily="50" charset="-127"/>
                 <a:ea typeface="맑은 고딕" pitchFamily="50" charset="-127"/>
               </a:rPr>
               <a:t>subtitle</a:t>
             </a:r>
-            <a:endParaRPr kumimoji="0" lang="en-US" altLang="ko-KR" sz="2400" dirty="0">
-              <a:latin typeface="맑은 고딕" pitchFamily="50" charset="-127"/>
-              <a:ea typeface="맑은 고딕" pitchFamily="50" charset="-127"/>
-            </a:endParaRPr>
           </a:p>
         </p:txBody>
       </p:sp>
@@ -41215,13 +40879,6 @@
   <p:clrMapOvr>
     <a:masterClrMapping/>
   </p:clrMapOvr>
-  <p:timing>
-    <p:tnLst>
-      <p:par>
-        <p:cTn id="1" dur="indefinite" restart="never" nodeType="tmRoot"/>
-      </p:par>
-    </p:tnLst>
-  </p:timing>
 </p:sld>
 </file>
 
@@ -41299,16 +40956,12 @@
               <a:t>Click to add </a:t>
             </a:r>
             <a:r>
-              <a:rPr kumimoji="0" lang="en-US" altLang="ko-KR" sz="2400" dirty="0" smtClean="0">
+              <a:rPr kumimoji="0" lang="en-US" altLang="ko-KR" sz="2400" dirty="0">
                 <a:latin typeface="맑은 고딕" pitchFamily="50" charset="-127"/>
                 <a:ea typeface="맑은 고딕" pitchFamily="50" charset="-127"/>
               </a:rPr>
               <a:t>subtitle</a:t>
             </a:r>
-            <a:endParaRPr kumimoji="0" lang="en-US" altLang="ko-KR" sz="2400" dirty="0">
-              <a:latin typeface="맑은 고딕" pitchFamily="50" charset="-127"/>
-              <a:ea typeface="맑은 고딕" pitchFamily="50" charset="-127"/>
-            </a:endParaRPr>
           </a:p>
         </p:txBody>
       </p:sp>
@@ -41436,7 +41089,7 @@
               </a:spcBef>
             </a:pPr>
             <a:r>
-              <a:rPr kumimoji="0" lang="ko-KR" altLang="en-US" sz="1400" dirty="0" smtClean="0">
+              <a:rPr kumimoji="0" lang="ko-KR" altLang="en-US" sz="1400" dirty="0">
                 <a:solidFill>
                   <a:schemeClr val="bg1">
                     <a:lumMod val="65000"/>
@@ -41448,7 +41101,7 @@
               <a:t>이곳에 세부 내용을 작성해 주세요</a:t>
             </a:r>
             <a:r>
-              <a:rPr kumimoji="0" lang="en-US" altLang="ko-KR" sz="1400" dirty="0" smtClean="0">
+              <a:rPr kumimoji="0" lang="en-US" altLang="ko-KR" sz="1400" dirty="0">
                 <a:solidFill>
                   <a:schemeClr val="bg1">
                     <a:lumMod val="65000"/>
@@ -42240,7 +41893,7 @@
           <a:lstStyle/>
           <a:p>
             <a:r>
-              <a:rPr lang="ko-KR" altLang="en-US" sz="1200" dirty="0" smtClean="0">
+              <a:rPr lang="ko-KR" altLang="en-US" sz="1200" dirty="0">
                 <a:solidFill>
                   <a:schemeClr val="bg1">
                     <a:lumMod val="65000"/>
@@ -42252,7 +41905,7 @@
               <a:t>본인의 </a:t>
             </a:r>
             <a:r>
-              <a:rPr lang="en-US" altLang="ko-KR" sz="1200" dirty="0" smtClean="0">
+              <a:rPr lang="en-US" altLang="ko-KR" sz="1200" dirty="0">
                 <a:solidFill>
                   <a:schemeClr val="bg1">
                     <a:lumMod val="65000"/>
@@ -42264,7 +41917,7 @@
               <a:t>presentation </a:t>
             </a:r>
             <a:r>
-              <a:rPr lang="ko-KR" altLang="en-US" sz="1200" dirty="0" smtClean="0">
+              <a:rPr lang="ko-KR" altLang="en-US" sz="1200" dirty="0">
                 <a:solidFill>
                   <a:schemeClr val="bg1">
                     <a:lumMod val="65000"/>
@@ -42276,7 +41929,7 @@
               <a:t>주제에 어울리는 이미지를 검색하여 사용해 보세요</a:t>
             </a:r>
             <a:r>
-              <a:rPr lang="en-US" altLang="ko-KR" sz="1200" dirty="0" smtClean="0">
+              <a:rPr lang="en-US" altLang="ko-KR" sz="1200" dirty="0">
                 <a:solidFill>
                   <a:schemeClr val="bg1">
                     <a:lumMod val="65000"/>
@@ -42339,13 +41992,6 @@
   <p:clrMapOvr>
     <a:masterClrMapping/>
   </p:clrMapOvr>
-  <p:timing>
-    <p:tnLst>
-      <p:par>
-        <p:cTn id="1" dur="indefinite" restart="never" nodeType="tmRoot"/>
-      </p:par>
-    </p:tnLst>
-  </p:timing>
 </p:sld>
 </file>
 
@@ -43253,7 +42899,7 @@
               </a:spcBef>
             </a:pPr>
             <a:r>
-              <a:rPr kumimoji="0" lang="ko-KR" altLang="en-US" sz="1400" dirty="0" smtClean="0">
+              <a:rPr kumimoji="0" lang="ko-KR" altLang="en-US" sz="1400" dirty="0">
                 <a:solidFill>
                   <a:schemeClr val="bg1">
                     <a:lumMod val="65000"/>
@@ -43265,7 +42911,7 @@
               <a:t>이곳에 세부 내용을 작성해 주세요</a:t>
             </a:r>
             <a:r>
-              <a:rPr kumimoji="0" lang="en-US" altLang="ko-KR" sz="1400" dirty="0" smtClean="0">
+              <a:rPr kumimoji="0" lang="en-US" altLang="ko-KR" sz="1400" dirty="0">
                 <a:solidFill>
                   <a:schemeClr val="bg1">
                     <a:lumMod val="65000"/>
@@ -43320,16 +42966,12 @@
               <a:t>Click to add </a:t>
             </a:r>
             <a:r>
-              <a:rPr kumimoji="0" lang="en-US" altLang="ko-KR" sz="2400" dirty="0" smtClean="0">
+              <a:rPr kumimoji="0" lang="en-US" altLang="ko-KR" sz="2400" dirty="0">
                 <a:latin typeface="맑은 고딕" pitchFamily="50" charset="-127"/>
                 <a:ea typeface="맑은 고딕" pitchFamily="50" charset="-127"/>
               </a:rPr>
               <a:t>subtitle</a:t>
             </a:r>
-            <a:endParaRPr kumimoji="0" lang="en-US" altLang="ko-KR" sz="2400" dirty="0">
-              <a:latin typeface="맑은 고딕" pitchFamily="50" charset="-127"/>
-              <a:ea typeface="맑은 고딕" pitchFamily="50" charset="-127"/>
-            </a:endParaRPr>
           </a:p>
         </p:txBody>
       </p:sp>
@@ -43338,13 +42980,6 @@
   <p:clrMapOvr>
     <a:masterClrMapping/>
   </p:clrMapOvr>
-  <p:timing>
-    <p:tnLst>
-      <p:par>
-        <p:cTn id="1" dur="indefinite" restart="never" nodeType="tmRoot"/>
-      </p:par>
-    </p:tnLst>
-  </p:timing>
 </p:sld>
 </file>
 
@@ -43893,16 +43528,12 @@
               <a:t>Click to add </a:t>
             </a:r>
             <a:r>
-              <a:rPr kumimoji="0" lang="en-US" altLang="ko-KR" sz="2400" dirty="0" smtClean="0">
+              <a:rPr kumimoji="0" lang="en-US" altLang="ko-KR" sz="2400" dirty="0">
                 <a:latin typeface="맑은 고딕" pitchFamily="50" charset="-127"/>
                 <a:ea typeface="맑은 고딕" pitchFamily="50" charset="-127"/>
               </a:rPr>
               <a:t>subtitle</a:t>
             </a:r>
-            <a:endParaRPr kumimoji="0" lang="en-US" altLang="ko-KR" sz="2400" dirty="0">
-              <a:latin typeface="맑은 고딕" pitchFamily="50" charset="-127"/>
-              <a:ea typeface="맑은 고딕" pitchFamily="50" charset="-127"/>
-            </a:endParaRPr>
           </a:p>
         </p:txBody>
       </p:sp>
@@ -43911,13 +43542,6 @@
   <p:clrMapOvr>
     <a:masterClrMapping/>
   </p:clrMapOvr>
-  <p:timing>
-    <p:tnLst>
-      <p:par>
-        <p:cTn id="1" dur="indefinite" restart="never" nodeType="tmRoot"/>
-      </p:par>
-    </p:tnLst>
-  </p:timing>
 </p:sld>
 </file>
 
@@ -43997,16 +43621,12 @@
               <a:t>Click to add </a:t>
             </a:r>
             <a:r>
-              <a:rPr kumimoji="0" lang="en-US" altLang="ko-KR" sz="2400" dirty="0" smtClean="0">
+              <a:rPr kumimoji="0" lang="en-US" altLang="ko-KR" sz="2400" dirty="0">
                 <a:latin typeface="맑은 고딕" pitchFamily="50" charset="-127"/>
                 <a:ea typeface="맑은 고딕" pitchFamily="50" charset="-127"/>
               </a:rPr>
               <a:t>subtitle</a:t>
             </a:r>
-            <a:endParaRPr kumimoji="0" lang="en-US" altLang="ko-KR" sz="2400" dirty="0">
-              <a:latin typeface="맑은 고딕" pitchFamily="50" charset="-127"/>
-              <a:ea typeface="맑은 고딕" pitchFamily="50" charset="-127"/>
-            </a:endParaRPr>
           </a:p>
         </p:txBody>
       </p:sp>
@@ -44082,7 +43702,7 @@
           <a:lstStyle/>
           <a:p>
             <a:r>
-              <a:rPr lang="ko-KR" altLang="en-US" sz="1200" dirty="0" smtClean="0">
+              <a:rPr lang="ko-KR" altLang="en-US" sz="1200" dirty="0">
                 <a:solidFill>
                   <a:schemeClr val="bg1">
                     <a:lumMod val="50000"/>
@@ -44094,7 +43714,7 @@
               <a:t>데이터 </a:t>
             </a:r>
             <a:r>
-              <a:rPr lang="ko-KR" altLang="en-US" sz="1400" dirty="0" smtClean="0">
+              <a:rPr lang="ko-KR" altLang="en-US" sz="1400" dirty="0">
                 <a:solidFill>
                   <a:schemeClr val="tx2">
                     <a:lumMod val="60000"/>
@@ -44107,7 +43727,7 @@
               <a:t>편집</a:t>
             </a:r>
             <a:r>
-              <a:rPr lang="ko-KR" altLang="en-US" sz="1200" dirty="0" smtClean="0">
+              <a:rPr lang="ko-KR" altLang="en-US" sz="1200" dirty="0">
                 <a:solidFill>
                   <a:schemeClr val="bg1">
                     <a:lumMod val="50000"/>
@@ -44119,7 +43739,7 @@
               <a:t>은 마우스 오른쪽을 클릭 해주세요</a:t>
             </a:r>
             <a:r>
-              <a:rPr lang="en-US" altLang="ko-KR" sz="1200" dirty="0" smtClean="0">
+              <a:rPr lang="en-US" altLang="ko-KR" sz="1200" dirty="0">
                 <a:solidFill>
                   <a:schemeClr val="bg1">
                     <a:lumMod val="50000"/>
@@ -44133,7 +43753,7 @@
           </a:p>
           <a:p>
             <a:r>
-              <a:rPr lang="ko-KR" altLang="en-US" sz="1200" dirty="0" smtClean="0">
+              <a:rPr lang="ko-KR" altLang="en-US" sz="1200" dirty="0">
                 <a:solidFill>
                   <a:schemeClr val="bg1">
                     <a:lumMod val="50000"/>
@@ -44145,7 +43765,7 @@
               <a:t>모양과 디자인 변경 및 수치 변경이 가능합니다</a:t>
             </a:r>
             <a:r>
-              <a:rPr lang="en-US" altLang="ko-KR" sz="1400" dirty="0" smtClean="0">
+              <a:rPr lang="en-US" altLang="ko-KR" sz="1400" dirty="0">
                 <a:solidFill>
                   <a:schemeClr val="bg1">
                     <a:lumMod val="50000"/>
@@ -44250,16 +43870,12 @@
               <a:t>Click to add </a:t>
             </a:r>
             <a:r>
-              <a:rPr kumimoji="0" lang="en-US" altLang="ko-KR" sz="2400" dirty="0" smtClean="0">
+              <a:rPr kumimoji="0" lang="en-US" altLang="ko-KR" sz="2400" dirty="0">
                 <a:latin typeface="맑은 고딕" pitchFamily="50" charset="-127"/>
                 <a:ea typeface="맑은 고딕" pitchFamily="50" charset="-127"/>
               </a:rPr>
               <a:t>subtitle</a:t>
             </a:r>
-            <a:endParaRPr kumimoji="0" lang="en-US" altLang="ko-KR" sz="2400" dirty="0">
-              <a:latin typeface="맑은 고딕" pitchFamily="50" charset="-127"/>
-              <a:ea typeface="맑은 고딕" pitchFamily="50" charset="-127"/>
-            </a:endParaRPr>
           </a:p>
         </p:txBody>
       </p:sp>
@@ -44335,7 +43951,7 @@
           <a:lstStyle/>
           <a:p>
             <a:r>
-              <a:rPr lang="ko-KR" altLang="en-US" sz="1200" dirty="0" smtClean="0">
+              <a:rPr lang="ko-KR" altLang="en-US" sz="1200" dirty="0">
                 <a:solidFill>
                   <a:schemeClr val="bg1">
                     <a:lumMod val="50000"/>
@@ -44347,7 +43963,7 @@
               <a:t>데이터 </a:t>
             </a:r>
             <a:r>
-              <a:rPr lang="ko-KR" altLang="en-US" sz="1400" dirty="0" smtClean="0">
+              <a:rPr lang="ko-KR" altLang="en-US" sz="1400" dirty="0">
                 <a:solidFill>
                   <a:schemeClr val="tx2">
                     <a:lumMod val="60000"/>
@@ -44360,7 +43976,7 @@
               <a:t>편집</a:t>
             </a:r>
             <a:r>
-              <a:rPr lang="ko-KR" altLang="en-US" sz="1200" dirty="0" smtClean="0">
+              <a:rPr lang="ko-KR" altLang="en-US" sz="1200" dirty="0">
                 <a:solidFill>
                   <a:schemeClr val="bg1">
                     <a:lumMod val="50000"/>
@@ -44372,7 +43988,7 @@
               <a:t>은 마우스 오른쪽을 클릭 해주세요</a:t>
             </a:r>
             <a:r>
-              <a:rPr lang="en-US" altLang="ko-KR" sz="1200" dirty="0" smtClean="0">
+              <a:rPr lang="en-US" altLang="ko-KR" sz="1200" dirty="0">
                 <a:solidFill>
                   <a:schemeClr val="bg1">
                     <a:lumMod val="50000"/>
@@ -44386,7 +44002,7 @@
           </a:p>
           <a:p>
             <a:r>
-              <a:rPr lang="ko-KR" altLang="en-US" sz="1200" dirty="0" smtClean="0">
+              <a:rPr lang="ko-KR" altLang="en-US" sz="1200" dirty="0">
                 <a:solidFill>
                   <a:schemeClr val="bg1">
                     <a:lumMod val="50000"/>
@@ -44398,7 +44014,7 @@
               <a:t>모양과 디자인 변경 및 수치 변경이 가능합니다</a:t>
             </a:r>
             <a:r>
-              <a:rPr lang="en-US" altLang="ko-KR" sz="1400" dirty="0" smtClean="0">
+              <a:rPr lang="en-US" altLang="ko-KR" sz="1400" dirty="0">
                 <a:solidFill>
                   <a:schemeClr val="bg1">
                     <a:lumMod val="50000"/>
@@ -44482,7 +44098,7 @@
               <a:buAutoNum type="romanUcPeriod"/>
             </a:pPr>
             <a:r>
-              <a:rPr lang="ko-KR" altLang="en-US" sz="2400" dirty="0" smtClean="0">
+              <a:rPr lang="ko-KR" altLang="en-US" sz="2400" dirty="0">
                 <a:solidFill>
                   <a:schemeClr val="tx1">
                     <a:lumMod val="75000"/>
@@ -44546,7 +44162,7 @@
               <a:buChar char="•"/>
             </a:pPr>
             <a:r>
-              <a:rPr kumimoji="0" lang="ko-KR" altLang="en-US" sz="1400" dirty="0" smtClean="0">
+              <a:rPr kumimoji="0" lang="ko-KR" altLang="en-US" sz="1400" dirty="0">
                 <a:solidFill>
                   <a:schemeClr val="tx1">
                     <a:lumMod val="65000"/>
@@ -44559,7 +44175,7 @@
               <a:t>이곳에 내용을 작성해 주세요</a:t>
             </a:r>
             <a:r>
-              <a:rPr kumimoji="0" lang="en-US" altLang="ko-KR" sz="1400" dirty="0" smtClean="0">
+              <a:rPr kumimoji="0" lang="en-US" altLang="ko-KR" sz="1400" dirty="0">
                 <a:solidFill>
                   <a:schemeClr val="tx1">
                     <a:lumMod val="65000"/>
@@ -44584,7 +44200,7 @@
               <a:buChar char="•"/>
             </a:pPr>
             <a:r>
-              <a:rPr kumimoji="0" lang="ko-KR" altLang="en-US" sz="1400" dirty="0" smtClean="0">
+              <a:rPr kumimoji="0" lang="ko-KR" altLang="en-US" sz="1400" dirty="0">
                 <a:solidFill>
                   <a:schemeClr val="tx1">
                     <a:lumMod val="65000"/>
@@ -44610,7 +44226,7 @@
               <a:t>체</a:t>
             </a:r>
             <a:r>
-              <a:rPr kumimoji="0" lang="en-US" altLang="ko-KR" sz="1400" dirty="0" smtClean="0">
+              <a:rPr kumimoji="0" lang="en-US" altLang="ko-KR" sz="1400" dirty="0">
                 <a:solidFill>
                   <a:schemeClr val="tx1">
                     <a:lumMod val="65000"/>
@@ -44623,7 +44239,7 @@
               <a:t>, 14</a:t>
             </a:r>
             <a:r>
-              <a:rPr lang="en-US" altLang="ko-KR" sz="1400" dirty="0" smtClean="0">
+              <a:rPr lang="en-US" altLang="ko-KR" sz="1400" dirty="0">
                 <a:solidFill>
                   <a:schemeClr val="tx1">
                     <a:lumMod val="65000"/>
@@ -44648,7 +44264,7 @@
               <a:buChar char="•"/>
             </a:pPr>
             <a:r>
-              <a:rPr lang="ko-KR" altLang="en-US" sz="1400" dirty="0" smtClean="0">
+              <a:rPr lang="ko-KR" altLang="en-US" sz="1400" dirty="0">
                 <a:solidFill>
                   <a:schemeClr val="tx1">
                     <a:lumMod val="65000"/>
@@ -44661,7 +44277,7 @@
               <a:t>줄 간격 </a:t>
             </a:r>
             <a:r>
-              <a:rPr lang="en-US" altLang="ko-KR" sz="1400" dirty="0" smtClean="0">
+              <a:rPr lang="en-US" altLang="ko-KR" sz="1400" dirty="0">
                 <a:solidFill>
                   <a:schemeClr val="tx1">
                     <a:lumMod val="65000"/>
@@ -44674,7 +44290,7 @@
               <a:t>1.5, </a:t>
             </a:r>
             <a:r>
-              <a:rPr lang="ko-KR" altLang="en-US" sz="1400" dirty="0" smtClean="0">
+              <a:rPr lang="ko-KR" altLang="en-US" sz="1400" dirty="0">
                 <a:solidFill>
                   <a:schemeClr val="tx1">
                     <a:lumMod val="65000"/>
@@ -44687,7 +44303,7 @@
               <a:t>글자 간격 표준을 사용하였습니다</a:t>
             </a:r>
             <a:r>
-              <a:rPr lang="en-US" altLang="ko-KR" sz="1400" dirty="0" smtClean="0">
+              <a:rPr lang="en-US" altLang="ko-KR" sz="1400" dirty="0">
                 <a:solidFill>
                   <a:schemeClr val="tx1">
                     <a:lumMod val="65000"/>
@@ -44699,7 +44315,7 @@
               </a:rPr>
               <a:t>.</a:t>
             </a:r>
-            <a:endParaRPr kumimoji="0" lang="en-US" altLang="ko-KR" sz="1400" dirty="0" smtClean="0">
+            <a:endParaRPr kumimoji="0" lang="en-US" altLang="ko-KR" sz="1400" dirty="0">
               <a:solidFill>
                 <a:schemeClr val="tx1">
                   <a:lumMod val="65000"/>
@@ -44719,7 +44335,7 @@
                 <a:spcPct val="20000"/>
               </a:spcBef>
             </a:pPr>
-            <a:endParaRPr kumimoji="0" lang="en-US" altLang="ko-KR" sz="1400" dirty="0" smtClean="0">
+            <a:endParaRPr kumimoji="0" lang="en-US" altLang="ko-KR" sz="1400" dirty="0">
               <a:solidFill>
                 <a:schemeClr val="tx1">
                   <a:lumMod val="65000"/>
@@ -44815,13 +44431,6 @@
   <p:clrMapOvr>
     <a:masterClrMapping/>
   </p:clrMapOvr>
-  <p:timing>
-    <p:tnLst>
-      <p:par>
-        <p:cTn id="1" dur="indefinite" restart="never" nodeType="tmRoot"/>
-      </p:par>
-    </p:tnLst>
-  </p:timing>
 </p:sld>
 </file>
 
@@ -44920,7 +44529,7 @@
                         <a:tabLst/>
                       </a:pPr>
                       <a:r>
-                        <a:rPr kumimoji="0" lang="en-US" altLang="ko-KR" sz="1800" b="1" i="0" u="none" strike="noStrike" cap="none" normalizeH="0" baseline="0" noProof="1" smtClean="0">
+                        <a:rPr kumimoji="0" lang="en-US" altLang="ko-KR" sz="1800" b="1" i="0" u="none" strike="noStrike" cap="none" normalizeH="0" baseline="0" noProof="1">
                           <a:ln>
                             <a:noFill/>
                           </a:ln>
@@ -44994,7 +44603,7 @@
                         <a:tabLst/>
                       </a:pPr>
                       <a:r>
-                        <a:rPr kumimoji="0" lang="en-US" altLang="ko-KR" sz="1800" b="1" i="0" u="none" strike="noStrike" cap="none" normalizeH="0" baseline="0" noProof="1" smtClean="0">
+                        <a:rPr kumimoji="0" lang="en-US" altLang="ko-KR" sz="1800" b="1" i="0" u="none" strike="noStrike" cap="none" normalizeH="0" baseline="0" noProof="1">
                           <a:ln>
                             <a:noFill/>
                           </a:ln>
@@ -45068,7 +44677,7 @@
                         <a:tabLst/>
                       </a:pPr>
                       <a:r>
-                        <a:rPr kumimoji="0" lang="en-US" altLang="ko-KR" sz="1800" b="1" i="0" u="none" strike="noStrike" cap="none" normalizeH="0" baseline="0" noProof="1" smtClean="0">
+                        <a:rPr kumimoji="0" lang="en-US" altLang="ko-KR" sz="1800" b="1" i="0" u="none" strike="noStrike" cap="none" normalizeH="0" baseline="0" noProof="1">
                           <a:ln>
                             <a:noFill/>
                           </a:ln>
@@ -45142,7 +44751,7 @@
                         <a:tabLst/>
                       </a:pPr>
                       <a:r>
-                        <a:rPr kumimoji="0" lang="en-US" altLang="ko-KR" sz="1800" b="1" i="0" u="none" strike="noStrike" cap="none" normalizeH="0" baseline="0" noProof="1" smtClean="0">
+                        <a:rPr kumimoji="0" lang="en-US" altLang="ko-KR" sz="1800" b="1" i="0" u="none" strike="noStrike" cap="none" normalizeH="0" baseline="0" noProof="1">
                           <a:ln>
                             <a:noFill/>
                           </a:ln>
@@ -45234,7 +44843,7 @@
                         <a:tabLst/>
                       </a:pPr>
                       <a:r>
-                        <a:rPr kumimoji="0" lang="ko-KR" altLang="ko-KR" sz="1600" b="0" i="0" u="none" strike="noStrike" cap="none" normalizeH="0" baseline="0" noProof="1" smtClean="0">
+                        <a:rPr kumimoji="0" lang="ko-KR" altLang="ko-KR" sz="1600" b="0" i="0" u="none" strike="noStrike" cap="none" normalizeH="0" baseline="0" noProof="1">
                           <a:ln>
                             <a:noFill/>
                           </a:ln>
@@ -45310,7 +44919,7 @@
                         <a:tabLst/>
                       </a:pPr>
                       <a:r>
-                        <a:rPr kumimoji="0" lang="en-US" altLang="ko-KR" sz="1600" b="0" i="0" u="none" strike="noStrike" cap="none" normalizeH="0" baseline="0" noProof="1" smtClean="0">
+                        <a:rPr kumimoji="0" lang="en-US" altLang="ko-KR" sz="1600" b="0" i="0" u="none" strike="noStrike" cap="none" normalizeH="0" baseline="0" noProof="1">
                           <a:ln>
                             <a:noFill/>
                           </a:ln>
@@ -45386,7 +44995,7 @@
                         <a:tabLst/>
                       </a:pPr>
                       <a:r>
-                        <a:rPr kumimoji="0" lang="en-US" altLang="ko-KR" sz="1600" b="0" i="0" u="none" strike="noStrike" cap="none" normalizeH="0" baseline="0" noProof="1" smtClean="0">
+                        <a:rPr kumimoji="0" lang="en-US" altLang="ko-KR" sz="1600" b="0" i="0" u="none" strike="noStrike" cap="none" normalizeH="0" baseline="0" noProof="1">
                           <a:ln>
                             <a:noFill/>
                           </a:ln>
@@ -45462,7 +45071,7 @@
                         <a:tabLst/>
                       </a:pPr>
                       <a:r>
-                        <a:rPr kumimoji="0" lang="en-US" altLang="ko-KR" sz="1600" b="0" i="0" u="none" strike="noStrike" cap="none" normalizeH="0" baseline="0" noProof="1" smtClean="0">
+                        <a:rPr kumimoji="0" lang="en-US" altLang="ko-KR" sz="1600" b="0" i="0" u="none" strike="noStrike" cap="none" normalizeH="0" baseline="0" noProof="1">
                           <a:ln>
                             <a:noFill/>
                           </a:ln>
@@ -45538,7 +45147,7 @@
                         <a:tabLst/>
                       </a:pPr>
                       <a:r>
-                        <a:rPr kumimoji="0" lang="en-US" altLang="ko-KR" sz="1600" b="0" i="0" u="none" strike="noStrike" cap="none" normalizeH="0" baseline="0" noProof="1" smtClean="0">
+                        <a:rPr kumimoji="0" lang="en-US" altLang="ko-KR" sz="1600" b="0" i="0" u="none" strike="noStrike" cap="none" normalizeH="0" baseline="0" noProof="1">
                           <a:ln>
                             <a:noFill/>
                           </a:ln>
@@ -45621,7 +45230,7 @@
                         <a:tabLst/>
                       </a:pPr>
                       <a:r>
-                        <a:rPr kumimoji="0" lang="ko-KR" altLang="ko-KR" sz="1600" b="0" i="0" u="none" strike="noStrike" cap="none" normalizeH="0" baseline="0" noProof="1" smtClean="0">
+                        <a:rPr kumimoji="0" lang="ko-KR" altLang="ko-KR" sz="1600" b="0" i="0" u="none" strike="noStrike" cap="none" normalizeH="0" baseline="0" noProof="1">
                           <a:ln>
                             <a:noFill/>
                           </a:ln>
@@ -45697,7 +45306,7 @@
                         <a:tabLst/>
                       </a:pPr>
                       <a:r>
-                        <a:rPr kumimoji="0" lang="en-US" altLang="ko-KR" sz="1600" b="0" i="0" u="none" strike="noStrike" cap="none" normalizeH="0" baseline="0" noProof="1" smtClean="0">
+                        <a:rPr kumimoji="0" lang="en-US" altLang="ko-KR" sz="1600" b="0" i="0" u="none" strike="noStrike" cap="none" normalizeH="0" baseline="0" noProof="1">
                           <a:ln>
                             <a:noFill/>
                           </a:ln>
@@ -45775,7 +45384,7 @@
                         <a:tabLst/>
                       </a:pPr>
                       <a:r>
-                        <a:rPr kumimoji="0" lang="en-US" altLang="ko-KR" sz="1600" b="0" i="0" u="none" strike="noStrike" cap="none" normalizeH="0" baseline="0" noProof="1" smtClean="0">
+                        <a:rPr kumimoji="0" lang="en-US" altLang="ko-KR" sz="1600" b="0" i="0" u="none" strike="noStrike" cap="none" normalizeH="0" baseline="0" noProof="1">
                           <a:ln>
                             <a:noFill/>
                           </a:ln>
@@ -45853,7 +45462,7 @@
                         <a:tabLst/>
                       </a:pPr>
                       <a:r>
-                        <a:rPr kumimoji="0" lang="en-US" altLang="ko-KR" sz="1600" b="0" i="0" u="none" strike="noStrike" cap="none" normalizeH="0" baseline="0" noProof="1" smtClean="0">
+                        <a:rPr kumimoji="0" lang="en-US" altLang="ko-KR" sz="1600" b="0" i="0" u="none" strike="noStrike" cap="none" normalizeH="0" baseline="0" noProof="1">
                           <a:ln>
                             <a:noFill/>
                           </a:ln>
@@ -45931,7 +45540,7 @@
                         <a:tabLst/>
                       </a:pPr>
                       <a:r>
-                        <a:rPr kumimoji="0" lang="en-US" altLang="ko-KR" sz="1600" b="0" i="0" u="none" strike="noStrike" cap="none" normalizeH="0" baseline="0" noProof="1" smtClean="0">
+                        <a:rPr kumimoji="0" lang="en-US" altLang="ko-KR" sz="1600" b="0" i="0" u="none" strike="noStrike" cap="none" normalizeH="0" baseline="0" noProof="1">
                           <a:ln>
                             <a:noFill/>
                           </a:ln>
@@ -46016,7 +45625,7 @@
                         <a:tabLst/>
                       </a:pPr>
                       <a:r>
-                        <a:rPr kumimoji="0" lang="ko-KR" altLang="ko-KR" sz="1600" b="0" i="0" u="none" strike="noStrike" cap="none" normalizeH="0" baseline="0" noProof="1" smtClean="0">
+                        <a:rPr kumimoji="0" lang="ko-KR" altLang="ko-KR" sz="1600" b="0" i="0" u="none" strike="noStrike" cap="none" normalizeH="0" baseline="0" noProof="1">
                           <a:ln>
                             <a:noFill/>
                           </a:ln>
@@ -46092,7 +45701,7 @@
                         <a:tabLst/>
                       </a:pPr>
                       <a:r>
-                        <a:rPr kumimoji="0" lang="en-US" altLang="ko-KR" sz="1600" b="0" i="0" u="none" strike="noStrike" cap="none" normalizeH="0" baseline="0" noProof="1" smtClean="0">
+                        <a:rPr kumimoji="0" lang="en-US" altLang="ko-KR" sz="1600" b="0" i="0" u="none" strike="noStrike" cap="none" normalizeH="0" baseline="0" noProof="1">
                           <a:ln>
                             <a:noFill/>
                           </a:ln>
@@ -46168,7 +45777,7 @@
                         <a:tabLst/>
                       </a:pPr>
                       <a:r>
-                        <a:rPr kumimoji="0" lang="en-US" altLang="ko-KR" sz="1600" b="0" i="0" u="none" strike="noStrike" cap="none" normalizeH="0" baseline="0" noProof="1" smtClean="0">
+                        <a:rPr kumimoji="0" lang="en-US" altLang="ko-KR" sz="1600" b="0" i="0" u="none" strike="noStrike" cap="none" normalizeH="0" baseline="0" noProof="1">
                           <a:ln>
                             <a:noFill/>
                           </a:ln>
@@ -46244,7 +45853,7 @@
                         <a:tabLst/>
                       </a:pPr>
                       <a:r>
-                        <a:rPr kumimoji="0" lang="en-US" altLang="ko-KR" sz="1600" b="0" i="0" u="none" strike="noStrike" cap="none" normalizeH="0" baseline="0" noProof="1" smtClean="0">
+                        <a:rPr kumimoji="0" lang="en-US" altLang="ko-KR" sz="1600" b="0" i="0" u="none" strike="noStrike" cap="none" normalizeH="0" baseline="0" noProof="1">
                           <a:ln>
                             <a:noFill/>
                           </a:ln>
@@ -46320,7 +45929,7 @@
                         <a:tabLst/>
                       </a:pPr>
                       <a:r>
-                        <a:rPr kumimoji="0" lang="en-US" altLang="ko-KR" sz="1600" b="0" i="0" u="none" strike="noStrike" cap="none" normalizeH="0" baseline="0" noProof="1" smtClean="0">
+                        <a:rPr kumimoji="0" lang="en-US" altLang="ko-KR" sz="1600" b="0" i="0" u="none" strike="noStrike" cap="none" normalizeH="0" baseline="0" noProof="1">
                           <a:ln>
                             <a:noFill/>
                           </a:ln>
@@ -46403,7 +46012,7 @@
                         <a:tabLst/>
                       </a:pPr>
                       <a:r>
-                        <a:rPr kumimoji="0" lang="ko-KR" altLang="ko-KR" sz="1600" b="0" i="0" u="none" strike="noStrike" cap="none" normalizeH="0" baseline="0" noProof="1" smtClean="0">
+                        <a:rPr kumimoji="0" lang="ko-KR" altLang="ko-KR" sz="1600" b="0" i="0" u="none" strike="noStrike" cap="none" normalizeH="0" baseline="0" noProof="1">
                           <a:ln>
                             <a:noFill/>
                           </a:ln>
@@ -46479,7 +46088,7 @@
                         <a:tabLst/>
                       </a:pPr>
                       <a:r>
-                        <a:rPr kumimoji="0" lang="en-US" altLang="ko-KR" sz="1600" b="0" i="0" u="none" strike="noStrike" cap="none" normalizeH="0" baseline="0" noProof="1" smtClean="0">
+                        <a:rPr kumimoji="0" lang="en-US" altLang="ko-KR" sz="1600" b="0" i="0" u="none" strike="noStrike" cap="none" normalizeH="0" baseline="0" noProof="1">
                           <a:ln>
                             <a:noFill/>
                           </a:ln>
@@ -46558,7 +46167,7 @@
                         <a:tabLst/>
                       </a:pPr>
                       <a:r>
-                        <a:rPr kumimoji="0" lang="en-US" altLang="ko-KR" sz="1600" b="0" i="0" u="none" strike="noStrike" cap="none" normalizeH="0" baseline="0" noProof="1" smtClean="0">
+                        <a:rPr kumimoji="0" lang="en-US" altLang="ko-KR" sz="1600" b="0" i="0" u="none" strike="noStrike" cap="none" normalizeH="0" baseline="0" noProof="1">
                           <a:ln>
                             <a:noFill/>
                           </a:ln>
@@ -46637,7 +46246,7 @@
                         <a:tabLst/>
                       </a:pPr>
                       <a:r>
-                        <a:rPr kumimoji="0" lang="en-US" altLang="ko-KR" sz="1600" b="0" i="0" u="none" strike="noStrike" cap="none" normalizeH="0" baseline="0" noProof="1" smtClean="0">
+                        <a:rPr kumimoji="0" lang="en-US" altLang="ko-KR" sz="1600" b="0" i="0" u="none" strike="noStrike" cap="none" normalizeH="0" baseline="0" noProof="1">
                           <a:ln>
                             <a:noFill/>
                           </a:ln>
@@ -46716,7 +46325,7 @@
                         <a:tabLst/>
                       </a:pPr>
                       <a:r>
-                        <a:rPr kumimoji="0" lang="en-US" altLang="ko-KR" sz="1600" b="0" i="0" u="none" strike="noStrike" cap="none" normalizeH="0" baseline="0" noProof="1" smtClean="0">
+                        <a:rPr kumimoji="0" lang="en-US" altLang="ko-KR" sz="1600" b="0" i="0" u="none" strike="noStrike" cap="none" normalizeH="0" baseline="0" noProof="1">
                           <a:ln>
                             <a:noFill/>
                           </a:ln>
@@ -46802,7 +46411,7 @@
                         <a:tabLst/>
                       </a:pPr>
                       <a:r>
-                        <a:rPr kumimoji="0" lang="ko-KR" altLang="ko-KR" sz="1600" b="0" i="0" u="none" strike="noStrike" cap="none" normalizeH="0" baseline="0" noProof="1" smtClean="0">
+                        <a:rPr kumimoji="0" lang="ko-KR" altLang="ko-KR" sz="1600" b="0" i="0" u="none" strike="noStrike" cap="none" normalizeH="0" baseline="0" noProof="1">
                           <a:ln>
                             <a:noFill/>
                           </a:ln>
@@ -46878,7 +46487,7 @@
                         <a:tabLst/>
                       </a:pPr>
                       <a:r>
-                        <a:rPr kumimoji="0" lang="en-US" altLang="ko-KR" sz="1600" b="0" i="0" u="none" strike="noStrike" cap="none" normalizeH="0" baseline="0" noProof="1" smtClean="0">
+                        <a:rPr kumimoji="0" lang="en-US" altLang="ko-KR" sz="1600" b="0" i="0" u="none" strike="noStrike" cap="none" normalizeH="0" baseline="0" noProof="1">
                           <a:ln>
                             <a:noFill/>
                           </a:ln>
@@ -46954,7 +46563,7 @@
                         <a:tabLst/>
                       </a:pPr>
                       <a:r>
-                        <a:rPr kumimoji="0" lang="en-US" altLang="ko-KR" sz="1600" b="0" i="0" u="none" strike="noStrike" cap="none" normalizeH="0" baseline="0" noProof="1" smtClean="0">
+                        <a:rPr kumimoji="0" lang="en-US" altLang="ko-KR" sz="1600" b="0" i="0" u="none" strike="noStrike" cap="none" normalizeH="0" baseline="0" noProof="1">
                           <a:ln>
                             <a:noFill/>
                           </a:ln>
@@ -47030,7 +46639,7 @@
                         <a:tabLst/>
                       </a:pPr>
                       <a:r>
-                        <a:rPr kumimoji="0" lang="en-US" altLang="ko-KR" sz="1600" b="0" i="0" u="none" strike="noStrike" cap="none" normalizeH="0" baseline="0" noProof="1" smtClean="0">
+                        <a:rPr kumimoji="0" lang="en-US" altLang="ko-KR" sz="1600" b="0" i="0" u="none" strike="noStrike" cap="none" normalizeH="0" baseline="0" noProof="1">
                           <a:ln>
                             <a:noFill/>
                           </a:ln>
@@ -47106,7 +46715,7 @@
                         <a:tabLst/>
                       </a:pPr>
                       <a:r>
-                        <a:rPr kumimoji="0" lang="en-US" altLang="ko-KR" sz="1600" b="0" i="0" u="none" strike="noStrike" cap="none" normalizeH="0" baseline="0" noProof="1" smtClean="0">
+                        <a:rPr kumimoji="0" lang="en-US" altLang="ko-KR" sz="1600" b="0" i="0" u="none" strike="noStrike" cap="none" normalizeH="0" baseline="0" noProof="1">
                           <a:ln>
                             <a:noFill/>
                           </a:ln>
@@ -47292,7 +46901,7 @@
               </a:spcBef>
             </a:pPr>
             <a:r>
-              <a:rPr kumimoji="0" lang="ko-KR" altLang="en-US" sz="1400" dirty="0" smtClean="0">
+              <a:rPr kumimoji="0" lang="ko-KR" altLang="en-US" sz="1400" dirty="0">
                 <a:solidFill>
                   <a:schemeClr val="bg1">
                     <a:lumMod val="65000"/>
@@ -47304,7 +46913,7 @@
               <a:t>이곳에 세부 내용을 작성해 주세요</a:t>
             </a:r>
             <a:r>
-              <a:rPr kumimoji="0" lang="en-US" altLang="ko-KR" sz="1400" dirty="0" smtClean="0">
+              <a:rPr kumimoji="0" lang="en-US" altLang="ko-KR" sz="1400" dirty="0">
                 <a:solidFill>
                   <a:schemeClr val="bg1">
                     <a:lumMod val="65000"/>
@@ -47359,16 +46968,12 @@
               <a:t>Click to add </a:t>
             </a:r>
             <a:r>
-              <a:rPr kumimoji="0" lang="en-US" altLang="ko-KR" sz="2400" dirty="0" smtClean="0">
+              <a:rPr kumimoji="0" lang="en-US" altLang="ko-KR" sz="2400" dirty="0">
                 <a:latin typeface="맑은 고딕" pitchFamily="50" charset="-127"/>
                 <a:ea typeface="맑은 고딕" pitchFamily="50" charset="-127"/>
               </a:rPr>
               <a:t>subtitle</a:t>
             </a:r>
-            <a:endParaRPr kumimoji="0" lang="en-US" altLang="ko-KR" sz="2400" dirty="0">
-              <a:latin typeface="맑은 고딕" pitchFamily="50" charset="-127"/>
-              <a:ea typeface="맑은 고딕" pitchFamily="50" charset="-127"/>
-            </a:endParaRPr>
           </a:p>
         </p:txBody>
       </p:sp>
@@ -47377,13 +46982,6 @@
   <p:clrMapOvr>
     <a:masterClrMapping/>
   </p:clrMapOvr>
-  <p:timing>
-    <p:tnLst>
-      <p:par>
-        <p:cTn id="1" dur="indefinite" restart="never" nodeType="tmRoot"/>
-      </p:par>
-    </p:tnLst>
-  </p:timing>
 </p:sld>
 </file>
 
@@ -47493,27 +47091,7 @@
                 <a:latin typeface="맑은 고딕" pitchFamily="50" charset="-127"/>
                 <a:ea typeface="맑은 고딕" pitchFamily="50" charset="-127"/>
               </a:rPr>
-              <a:t>THANK YOU </a:t>
-            </a:r>
-            <a:r>
-              <a:rPr kumimoji="0" lang="en-US" altLang="ko-KR" sz="3200" noProof="1" smtClean="0">
-                <a:solidFill>
-                  <a:srgbClr val="333333"/>
-                </a:solidFill>
-                <a:latin typeface="맑은 고딕" pitchFamily="50" charset="-127"/>
-                <a:ea typeface="맑은 고딕" pitchFamily="50" charset="-127"/>
-              </a:rPr>
-              <a:t>FOR </a:t>
-            </a:r>
-            <a:r>
-              <a:rPr kumimoji="0" lang="en-US" altLang="ko-KR" sz="3200" noProof="1">
-                <a:solidFill>
-                  <a:srgbClr val="333333"/>
-                </a:solidFill>
-                <a:latin typeface="맑은 고딕" pitchFamily="50" charset="-127"/>
-                <a:ea typeface="맑은 고딕" pitchFamily="50" charset="-127"/>
-              </a:rPr>
-              <a:t>YOUR ATTENTION</a:t>
+              <a:t>THANK YOU FOR YOUR ATTENTION</a:t>
             </a:r>
           </a:p>
         </p:txBody>
@@ -47523,13 +47101,6 @@
   <p:clrMapOvr>
     <a:masterClrMapping/>
   </p:clrMapOvr>
-  <p:timing>
-    <p:tnLst>
-      <p:par>
-        <p:cTn id="1" dur="indefinite" restart="never" nodeType="tmRoot"/>
-      </p:par>
-    </p:tnLst>
-  </p:timing>
 </p:sld>
 </file>
 
@@ -50762,13 +50333,6 @@
   <p:clrMapOvr>
     <a:masterClrMapping/>
   </p:clrMapOvr>
-  <p:timing>
-    <p:tnLst>
-      <p:par>
-        <p:cTn id="1" dur="indefinite" restart="never" nodeType="tmRoot"/>
-      </p:par>
-    </p:tnLst>
-  </p:timing>
 </p:sld>
 </file>
 
@@ -53897,13 +53461,6 @@
   <p:clrMapOvr>
     <a:masterClrMapping/>
   </p:clrMapOvr>
-  <p:timing>
-    <p:tnLst>
-      <p:par>
-        <p:cTn id="1" dur="indefinite" restart="never" nodeType="tmRoot"/>
-      </p:par>
-    </p:tnLst>
-  </p:timing>
 </p:sld>
 </file>
 
@@ -53959,7 +53516,7 @@
               <a:defRPr/>
             </a:pPr>
             <a:r>
-              <a:rPr kumimoji="0" lang="en-US" altLang="ko-KR" sz="4400" noProof="1" smtClean="0">
+              <a:rPr kumimoji="0" lang="en-US" altLang="ko-KR" sz="4400" noProof="1">
                 <a:solidFill>
                   <a:schemeClr val="tx1">
                     <a:lumMod val="85000"/>
@@ -53972,7 +53529,7 @@
               <a:t>P</a:t>
             </a:r>
             <a:r>
-              <a:rPr kumimoji="0" lang="en-US" altLang="ko-KR" sz="3200" noProof="1" smtClean="0">
+              <a:rPr kumimoji="0" lang="en-US" altLang="ko-KR" sz="3200" noProof="1">
                 <a:solidFill>
                   <a:schemeClr val="tx1">
                     <a:lumMod val="85000"/>
@@ -53985,7 +53542,7 @@
               <a:t>resentation</a:t>
             </a:r>
             <a:r>
-              <a:rPr kumimoji="0" lang="ko-KR" altLang="en-US" sz="2400" noProof="1" smtClean="0">
+              <a:rPr kumimoji="0" lang="ko-KR" altLang="en-US" sz="2400" noProof="1">
                 <a:solidFill>
                   <a:schemeClr val="tx1">
                     <a:lumMod val="85000"/>
@@ -54041,7 +53598,7 @@
               <a:defRPr/>
             </a:pPr>
             <a:r>
-              <a:rPr kumimoji="0" lang="ko-KR" altLang="en-US" sz="1400" noProof="1" smtClean="0">
+              <a:rPr kumimoji="0" lang="ko-KR" altLang="en-US" sz="1400" noProof="1">
                 <a:solidFill>
                   <a:schemeClr val="bg1">
                     <a:lumMod val="65000"/>
@@ -54107,7 +53664,7 @@
               <a:defRPr/>
             </a:pPr>
             <a:r>
-              <a:rPr lang="ko-KR" altLang="en-US" sz="1200" noProof="1" smtClean="0">
+              <a:rPr lang="ko-KR" altLang="en-US" sz="1200" noProof="1">
                 <a:solidFill>
                   <a:schemeClr val="accent1"/>
                 </a:solidFill>
@@ -54137,13 +53694,6 @@
   <p:clrMapOvr>
     <a:masterClrMapping/>
   </p:clrMapOvr>
-  <p:timing>
-    <p:tnLst>
-      <p:par>
-        <p:cTn id="1" dur="indefinite" restart="never" nodeType="tmRoot"/>
-      </p:par>
-    </p:tnLst>
-  </p:timing>
 </p:sld>
 </file>
 
@@ -54199,7 +53749,7 @@
               <a:defRPr/>
             </a:pPr>
             <a:r>
-              <a:rPr kumimoji="0" lang="en-US" altLang="ko-KR" sz="4400" noProof="1" smtClean="0">
+              <a:rPr kumimoji="0" lang="en-US" altLang="ko-KR" sz="4400" noProof="1">
                 <a:solidFill>
                   <a:schemeClr val="tx1">
                     <a:lumMod val="85000"/>
@@ -54212,7 +53762,7 @@
               <a:t>P</a:t>
             </a:r>
             <a:r>
-              <a:rPr kumimoji="0" lang="en-US" altLang="ko-KR" sz="3200" noProof="1" smtClean="0">
+              <a:rPr kumimoji="0" lang="en-US" altLang="ko-KR" sz="3200" noProof="1">
                 <a:solidFill>
                   <a:schemeClr val="tx1">
                     <a:lumMod val="85000"/>
@@ -54225,7 +53775,7 @@
               <a:t>resentation</a:t>
             </a:r>
             <a:r>
-              <a:rPr kumimoji="0" lang="ko-KR" altLang="en-US" sz="2400" noProof="1" smtClean="0">
+              <a:rPr kumimoji="0" lang="ko-KR" altLang="en-US" sz="2400" noProof="1">
                 <a:solidFill>
                   <a:schemeClr val="tx1">
                     <a:lumMod val="85000"/>
@@ -54281,7 +53831,7 @@
               <a:defRPr/>
             </a:pPr>
             <a:r>
-              <a:rPr kumimoji="0" lang="ko-KR" altLang="en-US" sz="1400" noProof="1" smtClean="0">
+              <a:rPr kumimoji="0" lang="ko-KR" altLang="en-US" sz="1400" noProof="1">
                 <a:solidFill>
                   <a:schemeClr val="bg1">
                     <a:lumMod val="65000"/>
@@ -54347,7 +53897,7 @@
               <a:defRPr/>
             </a:pPr>
             <a:r>
-              <a:rPr lang="ko-KR" altLang="en-US" sz="1200" noProof="1" smtClean="0">
+              <a:rPr lang="ko-KR" altLang="en-US" sz="1200" noProof="1">
                 <a:solidFill>
                   <a:schemeClr val="accent1"/>
                 </a:solidFill>
@@ -54372,13 +53922,6 @@
   <p:clrMapOvr>
     <a:masterClrMapping/>
   </p:clrMapOvr>
-  <p:timing>
-    <p:tnLst>
-      <p:par>
-        <p:cTn id="1" dur="indefinite" restart="never" nodeType="tmRoot"/>
-      </p:par>
-    </p:tnLst>
-  </p:timing>
 </p:sld>
 </file>
 
@@ -54434,7 +53977,7 @@
               <a:defRPr/>
             </a:pPr>
             <a:r>
-              <a:rPr kumimoji="0" lang="en-US" altLang="ko-KR" sz="4400" noProof="1" smtClean="0">
+              <a:rPr kumimoji="0" lang="en-US" altLang="ko-KR" sz="4400" noProof="1">
                 <a:solidFill>
                   <a:schemeClr val="tx2"/>
                 </a:solidFill>
@@ -54444,7 +53987,7 @@
               <a:t>P</a:t>
             </a:r>
             <a:r>
-              <a:rPr kumimoji="0" lang="en-US" altLang="ko-KR" sz="3200" noProof="1" smtClean="0">
+              <a:rPr kumimoji="0" lang="en-US" altLang="ko-KR" sz="3200" noProof="1">
                 <a:solidFill>
                   <a:schemeClr val="tx2"/>
                 </a:solidFill>
@@ -54454,7 +53997,7 @@
               <a:t>resentation</a:t>
             </a:r>
             <a:r>
-              <a:rPr kumimoji="0" lang="ko-KR" altLang="en-US" sz="2400" noProof="1" smtClean="0">
+              <a:rPr kumimoji="0" lang="ko-KR" altLang="en-US" sz="2400" noProof="1">
                 <a:solidFill>
                   <a:schemeClr val="tx2"/>
                 </a:solidFill>
@@ -54464,7 +54007,7 @@
               <a:t>의 제목 </a:t>
             </a:r>
             <a:r>
-              <a:rPr kumimoji="0" lang="ko-KR" altLang="en-US" sz="3200" noProof="1" smtClean="0">
+              <a:rPr kumimoji="0" lang="ko-KR" altLang="en-US" sz="3200" noProof="1">
                 <a:solidFill>
                   <a:schemeClr val="tx2"/>
                 </a:solidFill>
@@ -54474,7 +54017,7 @@
               <a:t>첫</a:t>
             </a:r>
             <a:r>
-              <a:rPr kumimoji="0" lang="ko-KR" altLang="en-US" sz="2000" noProof="1" smtClean="0">
+              <a:rPr kumimoji="0" lang="ko-KR" altLang="en-US" sz="2000" noProof="1">
                 <a:solidFill>
                   <a:schemeClr val="tx2"/>
                 </a:solidFill>
@@ -54484,7 +54027,7 @@
               <a:t> </a:t>
             </a:r>
             <a:r>
-              <a:rPr kumimoji="0" lang="ko-KR" altLang="en-US" sz="2400" noProof="1" smtClean="0">
+              <a:rPr kumimoji="0" lang="ko-KR" altLang="en-US" sz="2400" noProof="1">
                 <a:solidFill>
                   <a:schemeClr val="tx2"/>
                 </a:solidFill>
@@ -54534,7 +54077,7 @@
               <a:defRPr/>
             </a:pPr>
             <a:r>
-              <a:rPr kumimoji="0" lang="ko-KR" altLang="en-US" sz="1400" noProof="1" smtClean="0">
+              <a:rPr kumimoji="0" lang="ko-KR" altLang="en-US" sz="1400" noProof="1">
                 <a:solidFill>
                   <a:schemeClr val="bg1">
                     <a:lumMod val="65000"/>
@@ -54600,7 +54143,7 @@
               <a:defRPr/>
             </a:pPr>
             <a:r>
-              <a:rPr lang="en-US" altLang="ko-KR" sz="1200" noProof="1" smtClean="0">
+              <a:rPr lang="en-US" altLang="ko-KR" sz="1200" noProof="1">
                 <a:solidFill>
                   <a:schemeClr val="tx1">
                     <a:lumMod val="65000"/>
@@ -54613,7 +54156,7 @@
               <a:t>2011. </a:t>
             </a:r>
             <a:r>
-              <a:rPr lang="ko-KR" altLang="en-US" sz="1200" noProof="1" smtClean="0">
+              <a:rPr lang="ko-KR" altLang="en-US" sz="1200" noProof="1">
                 <a:solidFill>
                   <a:schemeClr val="tx1">
                     <a:lumMod val="65000"/>
@@ -54788,13 +54331,6 @@
   <p:clrMapOvr>
     <a:masterClrMapping/>
   </p:clrMapOvr>
-  <p:timing>
-    <p:tnLst>
-      <p:par>
-        <p:cTn id="1" dur="indefinite" restart="never" nodeType="tmRoot"/>
-      </p:par>
-    </p:tnLst>
-  </p:timing>
 </p:sld>
 </file>
 
@@ -54892,7 +54428,7 @@
               <a:defRPr/>
             </a:pPr>
             <a:r>
-              <a:rPr kumimoji="0" lang="en-US" altLang="ko-KR" sz="2000" spc="300" noProof="1" smtClean="0">
+              <a:rPr kumimoji="0" lang="en-US" altLang="ko-KR" sz="2000" spc="300" noProof="1">
                 <a:solidFill>
                   <a:schemeClr val="bg1">
                     <a:lumMod val="65000"/>
@@ -54905,7 +54441,7 @@
               <a:t> </a:t>
             </a:r>
             <a:r>
-              <a:rPr lang="en-US" altLang="ko-KR" sz="2000" spc="300" noProof="1" smtClean="0">
+              <a:rPr lang="en-US" altLang="ko-KR" sz="2000" spc="300" noProof="1">
                 <a:solidFill>
                   <a:schemeClr val="bg1">
                     <a:lumMod val="65000"/>
@@ -54966,7 +54502,7 @@
               <a:defRPr/>
             </a:pPr>
             <a:r>
-              <a:rPr kumimoji="0" lang="ko-KR" altLang="en-US" dirty="0" smtClean="0">
+              <a:rPr kumimoji="0" lang="ko-KR" altLang="en-US" dirty="0">
                 <a:solidFill>
                   <a:schemeClr val="tx1">
                     <a:lumMod val="65000"/>
@@ -55005,7 +54541,7 @@
               <a:defRPr/>
             </a:pPr>
             <a:r>
-              <a:rPr kumimoji="0" lang="ko-KR" altLang="en-US" dirty="0" smtClean="0">
+              <a:rPr kumimoji="0" lang="ko-KR" altLang="en-US" dirty="0">
                 <a:solidFill>
                   <a:schemeClr val="tx1">
                     <a:lumMod val="65000"/>
@@ -55017,7 +54553,7 @@
               </a:rPr>
               <a:t>두 번째 내용</a:t>
             </a:r>
-            <a:endParaRPr kumimoji="0" lang="en-US" altLang="ko-KR" dirty="0" smtClean="0">
+            <a:endParaRPr kumimoji="0" lang="en-US" altLang="ko-KR" dirty="0">
               <a:solidFill>
                 <a:schemeClr val="tx1">
                   <a:lumMod val="65000"/>
@@ -55044,7 +54580,7 @@
               <a:defRPr/>
             </a:pPr>
             <a:r>
-              <a:rPr kumimoji="0" lang="ko-KR" altLang="en-US" dirty="0" smtClean="0">
+              <a:rPr kumimoji="0" lang="ko-KR" altLang="en-US" dirty="0">
                 <a:solidFill>
                   <a:schemeClr val="tx1">
                     <a:lumMod val="65000"/>
@@ -55056,7 +54592,7 @@
               </a:rPr>
               <a:t>세 번째 내용</a:t>
             </a:r>
-            <a:endParaRPr kumimoji="0" lang="en-US" altLang="ko-KR" dirty="0" smtClean="0">
+            <a:endParaRPr kumimoji="0" lang="en-US" altLang="ko-KR" dirty="0">
               <a:solidFill>
                 <a:schemeClr val="tx1">
                   <a:lumMod val="65000"/>
@@ -55083,7 +54619,7 @@
               <a:defRPr/>
             </a:pPr>
             <a:r>
-              <a:rPr kumimoji="0" lang="ko-KR" altLang="en-US" dirty="0" smtClean="0">
+              <a:rPr kumimoji="0" lang="ko-KR" altLang="en-US" dirty="0">
                 <a:solidFill>
                   <a:schemeClr val="tx1">
                     <a:lumMod val="65000"/>
@@ -55095,7 +54631,7 @@
               </a:rPr>
               <a:t>네 번째 내용</a:t>
             </a:r>
-            <a:endParaRPr kumimoji="0" lang="en-US" altLang="ko-KR" dirty="0" smtClean="0">
+            <a:endParaRPr kumimoji="0" lang="en-US" altLang="ko-KR" dirty="0">
               <a:solidFill>
                 <a:schemeClr val="tx1">
                   <a:lumMod val="65000"/>
@@ -55122,7 +54658,7 @@
               <a:defRPr/>
             </a:pPr>
             <a:r>
-              <a:rPr kumimoji="0" lang="ko-KR" altLang="en-US" dirty="0" smtClean="0">
+              <a:rPr kumimoji="0" lang="ko-KR" altLang="en-US" dirty="0">
                 <a:solidFill>
                   <a:schemeClr val="tx1">
                     <a:lumMod val="65000"/>
@@ -55135,7 +54671,7 @@
               <a:t>다섯 번째</a:t>
             </a:r>
             <a:r>
-              <a:rPr kumimoji="0" lang="en-US" altLang="ko-KR" dirty="0" smtClean="0">
+              <a:rPr kumimoji="0" lang="en-US" altLang="ko-KR" dirty="0">
                 <a:solidFill>
                   <a:schemeClr val="tx1">
                     <a:lumMod val="65000"/>
@@ -55148,7 +54684,7 @@
               <a:t> </a:t>
             </a:r>
             <a:r>
-              <a:rPr kumimoji="0" lang="ko-KR" altLang="en-US" dirty="0" smtClean="0">
+              <a:rPr kumimoji="0" lang="ko-KR" altLang="en-US" dirty="0">
                 <a:solidFill>
                   <a:schemeClr val="tx1">
                     <a:lumMod val="65000"/>
@@ -55160,7 +54696,7 @@
               </a:rPr>
               <a:t>내용</a:t>
             </a:r>
-            <a:endParaRPr kumimoji="0" lang="en-US" altLang="ko-KR" dirty="0" smtClean="0">
+            <a:endParaRPr kumimoji="0" lang="en-US" altLang="ko-KR" dirty="0">
               <a:solidFill>
                 <a:schemeClr val="tx1">
                   <a:lumMod val="65000"/>
@@ -56445,13 +55981,6 @@
   <p:clrMapOvr>
     <a:masterClrMapping/>
   </p:clrMapOvr>
-  <p:timing>
-    <p:tnLst>
-      <p:par>
-        <p:cTn id="1" dur="indefinite" restart="never" nodeType="tmRoot"/>
-      </p:par>
-    </p:tnLst>
-  </p:timing>
 </p:sld>
 </file>
 
@@ -56582,7 +56111,7 @@
               <a:t> </a:t>
             </a:r>
             <a:r>
-              <a:rPr kumimoji="0" lang="ko-KR" altLang="en-US" sz="1200" spc="300" noProof="1" smtClean="0">
+              <a:rPr kumimoji="0" lang="ko-KR" altLang="en-US" sz="1200" spc="300" noProof="1">
                 <a:solidFill>
                   <a:schemeClr val="tx1">
                     <a:lumMod val="85000"/>
@@ -56596,7 +56125,7 @@
               <a:t>이곳에 </a:t>
             </a:r>
             <a:r>
-              <a:rPr kumimoji="0" lang="ko-KR" altLang="en-US" spc="300" noProof="1" smtClean="0">
+              <a:rPr kumimoji="0" lang="ko-KR" altLang="en-US" spc="300" noProof="1">
                 <a:solidFill>
                   <a:schemeClr val="tx1">
                     <a:lumMod val="85000"/>
@@ -56610,7 +56139,7 @@
               <a:t>제목</a:t>
             </a:r>
             <a:r>
-              <a:rPr kumimoji="0" lang="ko-KR" altLang="en-US" sz="1200" spc="300" noProof="1" smtClean="0">
+              <a:rPr kumimoji="0" lang="ko-KR" altLang="en-US" sz="1200" spc="300" noProof="1">
                 <a:solidFill>
                   <a:schemeClr val="tx1">
                     <a:lumMod val="85000"/>
@@ -56692,21 +56221,21 @@
                 <a:defRPr/>
               </a:pPr>
               <a:r>
-                <a:rPr kumimoji="0" lang="ko-KR" altLang="en-US" sz="1400" dirty="0" smtClean="0">
+                <a:rPr kumimoji="0" lang="ko-KR" altLang="en-US" sz="1400" dirty="0">
                   <a:latin typeface="Arial" charset="0"/>
                   <a:ea typeface="+mn-ea"/>
                 </a:rPr>
                 <a:t>첫 번째 내용을 이곳에 작성해 주세요</a:t>
               </a:r>
               <a:r>
-                <a:rPr kumimoji="0" lang="en-US" altLang="ko-KR" sz="1400" dirty="0" smtClean="0">
+                <a:rPr kumimoji="0" lang="en-US" altLang="ko-KR" sz="1400" dirty="0">
                   <a:latin typeface="Arial" charset="0"/>
                   <a:ea typeface="+mn-ea"/>
                 </a:rPr>
                 <a:t>.</a:t>
               </a:r>
               <a:r>
-                <a:rPr kumimoji="0" lang="ko-KR" altLang="en-US" sz="1400" dirty="0" smtClean="0">
+                <a:rPr kumimoji="0" lang="ko-KR" altLang="en-US" sz="1400" dirty="0">
                   <a:latin typeface="Arial" charset="0"/>
                   <a:ea typeface="+mn-ea"/>
                 </a:rPr>
@@ -56865,16 +56394,10 @@
                 <a:defRPr/>
               </a:pPr>
               <a:r>
-                <a:rPr lang="ko-KR" altLang="en-US" sz="1400" dirty="0" smtClean="0">
-                  <a:latin typeface="Arial" charset="0"/>
-                </a:rPr>
-                <a:t>두 </a:t>
-              </a:r>
-              <a:r>
                 <a:rPr lang="ko-KR" altLang="en-US" sz="1400" dirty="0">
                   <a:latin typeface="Arial" charset="0"/>
                 </a:rPr>
-                <a:t>번째 내용을 이곳에 작성해 주세요</a:t>
+                <a:t>두 번째 내용을 이곳에 작성해 주세요</a:t>
               </a:r>
               <a:r>
                 <a:rPr lang="en-US" altLang="ko-KR" sz="1400" dirty="0">
@@ -57040,16 +56563,10 @@
                 <a:defRPr/>
               </a:pPr>
               <a:r>
-                <a:rPr lang="ko-KR" altLang="en-US" sz="1400" dirty="0" smtClean="0">
-                  <a:latin typeface="Arial" charset="0"/>
-                </a:rPr>
-                <a:t>세 </a:t>
-              </a:r>
-              <a:r>
                 <a:rPr lang="ko-KR" altLang="en-US" sz="1400" dirty="0">
                   <a:latin typeface="Arial" charset="0"/>
                 </a:rPr>
-                <a:t>번째 내용을 이곳에 작성해 주세요</a:t>
+                <a:t>세 번째 내용을 이곳에 작성해 주세요</a:t>
               </a:r>
               <a:r>
                 <a:rPr lang="en-US" altLang="ko-KR" sz="1400" dirty="0">
@@ -57215,16 +56732,10 @@
                 <a:defRPr/>
               </a:pPr>
               <a:r>
-                <a:rPr lang="ko-KR" altLang="en-US" sz="1400" dirty="0" smtClean="0">
-                  <a:latin typeface="Arial" charset="0"/>
-                </a:rPr>
-                <a:t>네 </a:t>
-              </a:r>
-              <a:r>
                 <a:rPr lang="ko-KR" altLang="en-US" sz="1400" dirty="0">
                   <a:latin typeface="Arial" charset="0"/>
                 </a:rPr>
-                <a:t>번째 내용을 이곳에 작성해 주세요</a:t>
+                <a:t>네 번째 내용을 이곳에 작성해 주세요</a:t>
               </a:r>
               <a:r>
                 <a:rPr lang="en-US" altLang="ko-KR" sz="1400" dirty="0">
@@ -57390,16 +56901,10 @@
                 <a:defRPr/>
               </a:pPr>
               <a:r>
-                <a:rPr lang="ko-KR" altLang="en-US" sz="1400" dirty="0" smtClean="0">
-                  <a:latin typeface="Arial" charset="0"/>
-                </a:rPr>
-                <a:t>다섯 번째 </a:t>
-              </a:r>
-              <a:r>
                 <a:rPr lang="ko-KR" altLang="en-US" sz="1400" dirty="0">
                   <a:latin typeface="Arial" charset="0"/>
                 </a:rPr>
-                <a:t>내용을 이곳에 작성해 주세요</a:t>
+                <a:t>다섯 번째 내용을 이곳에 작성해 주세요</a:t>
               </a:r>
               <a:r>
                 <a:rPr lang="en-US" altLang="ko-KR" sz="1400" dirty="0">
@@ -58701,13 +58206,6 @@
   <p:clrMapOvr>
     <a:masterClrMapping/>
   </p:clrMapOvr>
-  <p:timing>
-    <p:tnLst>
-      <p:par>
-        <p:cTn id="1" dur="indefinite" restart="never" nodeType="tmRoot"/>
-      </p:par>
-    </p:tnLst>
-  </p:timing>
 </p:sld>
 </file>
 

--- a/DataScience/Documents/결과보고서.pptx
+++ b/DataScience/Documents/결과보고서.pptx
@@ -7,22 +7,23 @@
     <p:sldMasterId id="2147483661" r:id="rId3"/>
   </p:sldMasterIdLst>
   <p:notesMasterIdLst>
-    <p:notesMasterId r:id="rId17"/>
+    <p:notesMasterId r:id="rId18"/>
   </p:notesMasterIdLst>
   <p:sldIdLst>
     <p:sldId id="260" r:id="rId4"/>
-    <p:sldId id="294" r:id="rId5"/>
-    <p:sldId id="297" r:id="rId6"/>
-    <p:sldId id="300" r:id="rId7"/>
-    <p:sldId id="299" r:id="rId8"/>
-    <p:sldId id="301" r:id="rId9"/>
-    <p:sldId id="302" r:id="rId10"/>
-    <p:sldId id="303" r:id="rId11"/>
-    <p:sldId id="304" r:id="rId12"/>
-    <p:sldId id="305" r:id="rId13"/>
-    <p:sldId id="306" r:id="rId14"/>
-    <p:sldId id="308" r:id="rId15"/>
-    <p:sldId id="309" r:id="rId16"/>
+    <p:sldId id="310" r:id="rId5"/>
+    <p:sldId id="294" r:id="rId6"/>
+    <p:sldId id="297" r:id="rId7"/>
+    <p:sldId id="300" r:id="rId8"/>
+    <p:sldId id="299" r:id="rId9"/>
+    <p:sldId id="301" r:id="rId10"/>
+    <p:sldId id="302" r:id="rId11"/>
+    <p:sldId id="303" r:id="rId12"/>
+    <p:sldId id="304" r:id="rId13"/>
+    <p:sldId id="305" r:id="rId14"/>
+    <p:sldId id="306" r:id="rId15"/>
+    <p:sldId id="308" r:id="rId16"/>
+    <p:sldId id="309" r:id="rId17"/>
   </p:sldIdLst>
   <p:sldSz cx="9144000" cy="6858000" type="screen4x3"/>
   <p:notesSz cx="6858000" cy="9144000"/>
@@ -3737,7 +3738,7 @@
           <a:p>
             <a:fld id="{067C7FB3-6EC9-44C5-AFDF-DAE0344D7BA6}" type="datetimeFigureOut">
               <a:rPr lang="ko-KR" altLang="en-US" smtClean="0"/>
-              <a:t>2019-11-04</a:t>
+              <a:t>2019-11-07</a:t>
             </a:fld>
             <a:endParaRPr lang="ko-KR" altLang="en-US"/>
           </a:p>
@@ -4070,7 +4071,7 @@
           <a:p>
             <a:fld id="{869A05D1-4F28-4B2A-BF82-F129DFE80940}" type="slidenum">
               <a:rPr lang="ko-KR" altLang="en-US" smtClean="0"/>
-              <a:t>12</a:t>
+              <a:t>13</a:t>
             </a:fld>
             <a:endParaRPr lang="ko-KR" altLang="en-US"/>
           </a:p>
@@ -4275,7 +4276,7 @@
             <a:fld id="{4D4371FD-EBF6-457D-BD12-340552F47560}" type="datetimeFigureOut">
               <a:rPr lang="ko-KR" altLang="en-US" smtClean="0"/>
               <a:pPr/>
-              <a:t>2019-11-04</a:t>
+              <a:t>2019-11-07</a:t>
             </a:fld>
             <a:endParaRPr lang="ko-KR" altLang="en-US"/>
           </a:p>
@@ -5690,7 +5691,7 @@
             <a:fld id="{4D4371FD-EBF6-457D-BD12-340552F47560}" type="datetimeFigureOut">
               <a:rPr lang="ko-KR" altLang="en-US" smtClean="0"/>
               <a:pPr/>
-              <a:t>2019-11-04</a:t>
+              <a:t>2019-11-07</a:t>
             </a:fld>
             <a:endParaRPr lang="ko-KR" altLang="en-US"/>
           </a:p>
@@ -5933,7 +5934,7 @@
             <a:fld id="{4D4371FD-EBF6-457D-BD12-340552F47560}" type="datetimeFigureOut">
               <a:rPr lang="ko-KR" altLang="en-US" smtClean="0"/>
               <a:pPr/>
-              <a:t>2019-11-04</a:t>
+              <a:t>2019-11-07</a:t>
             </a:fld>
             <a:endParaRPr lang="ko-KR" altLang="en-US"/>
           </a:p>
@@ -8282,7 +8283,7 @@
             <a:fld id="{4D4371FD-EBF6-457D-BD12-340552F47560}" type="datetimeFigureOut">
               <a:rPr lang="ko-KR" altLang="en-US" smtClean="0"/>
               <a:pPr/>
-              <a:t>2019-11-04</a:t>
+              <a:t>2019-11-07</a:t>
             </a:fld>
             <a:endParaRPr lang="ko-KR" altLang="en-US"/>
           </a:p>
@@ -8396,7 +8397,7 @@
             <a:fld id="{4D4371FD-EBF6-457D-BD12-340552F47560}" type="datetimeFigureOut">
               <a:rPr lang="ko-KR" altLang="en-US" smtClean="0"/>
               <a:pPr/>
-              <a:t>2019-11-04</a:t>
+              <a:t>2019-11-07</a:t>
             </a:fld>
             <a:endParaRPr lang="ko-KR" altLang="en-US"/>
           </a:p>
@@ -9581,7 +9582,7 @@
             <a:fld id="{4D4371FD-EBF6-457D-BD12-340552F47560}" type="datetimeFigureOut">
               <a:rPr lang="ko-KR" altLang="en-US" smtClean="0"/>
               <a:pPr/>
-              <a:t>2019-11-04</a:t>
+              <a:t>2019-11-07</a:t>
             </a:fld>
             <a:endParaRPr lang="ko-KR" altLang="en-US"/>
           </a:p>
@@ -10766,7 +10767,7 @@
             <a:fld id="{4D4371FD-EBF6-457D-BD12-340552F47560}" type="datetimeFigureOut">
               <a:rPr lang="ko-KR" altLang="en-US" smtClean="0"/>
               <a:pPr/>
-              <a:t>2019-11-04</a:t>
+              <a:t>2019-11-07</a:t>
             </a:fld>
             <a:endParaRPr lang="ko-KR" altLang="en-US"/>
           </a:p>
@@ -11918,7 +11919,7 @@
             <a:fld id="{4D4371FD-EBF6-457D-BD12-340552F47560}" type="datetimeFigureOut">
               <a:rPr lang="ko-KR" altLang="en-US" smtClean="0"/>
               <a:pPr/>
-              <a:t>2019-11-04</a:t>
+              <a:t>2019-11-07</a:t>
             </a:fld>
             <a:endParaRPr lang="ko-KR" altLang="en-US"/>
           </a:p>
@@ -13019,7 +13020,7 @@
             <a:fld id="{4D4371FD-EBF6-457D-BD12-340552F47560}" type="datetimeFigureOut">
               <a:rPr lang="ko-KR" altLang="en-US" smtClean="0"/>
               <a:pPr/>
-              <a:t>2019-11-04</a:t>
+              <a:t>2019-11-07</a:t>
             </a:fld>
             <a:endParaRPr lang="ko-KR" altLang="en-US"/>
           </a:p>
@@ -13111,7 +13112,7 @@
             <a:fld id="{4D4371FD-EBF6-457D-BD12-340552F47560}" type="datetimeFigureOut">
               <a:rPr lang="ko-KR" altLang="en-US" smtClean="0"/>
               <a:pPr/>
-              <a:t>2019-11-04</a:t>
+              <a:t>2019-11-07</a:t>
             </a:fld>
             <a:endParaRPr lang="ko-KR" altLang="en-US"/>
           </a:p>
@@ -14190,7 +14191,7 @@
             <a:fld id="{4D4371FD-EBF6-457D-BD12-340552F47560}" type="datetimeFigureOut">
               <a:rPr lang="ko-KR" altLang="en-US" smtClean="0"/>
               <a:pPr/>
-              <a:t>2019-11-04</a:t>
+              <a:t>2019-11-07</a:t>
             </a:fld>
             <a:endParaRPr lang="ko-KR" altLang="en-US"/>
           </a:p>
@@ -15634,7 +15635,7 @@
             <a:fld id="{4D4371FD-EBF6-457D-BD12-340552F47560}" type="datetimeFigureOut">
               <a:rPr lang="ko-KR" altLang="en-US" smtClean="0"/>
               <a:pPr/>
-              <a:t>2019-11-04</a:t>
+              <a:t>2019-11-07</a:t>
             </a:fld>
             <a:endParaRPr lang="ko-KR" altLang="en-US"/>
           </a:p>
@@ -15920,7 +15921,7 @@
             <a:fld id="{4D4371FD-EBF6-457D-BD12-340552F47560}" type="datetimeFigureOut">
               <a:rPr lang="ko-KR" altLang="en-US" smtClean="0"/>
               <a:pPr/>
-              <a:t>2019-11-04</a:t>
+              <a:t>2019-11-07</a:t>
             </a:fld>
             <a:endParaRPr lang="ko-KR" altLang="en-US"/>
           </a:p>
@@ -16155,7 +16156,7 @@
             <a:fld id="{4D4371FD-EBF6-457D-BD12-340552F47560}" type="datetimeFigureOut">
               <a:rPr lang="ko-KR" altLang="en-US" smtClean="0"/>
               <a:pPr/>
-              <a:t>2019-11-04</a:t>
+              <a:t>2019-11-07</a:t>
             </a:fld>
             <a:endParaRPr lang="ko-KR" altLang="en-US"/>
           </a:p>
@@ -16368,7 +16369,7 @@
             <a:fld id="{4D4371FD-EBF6-457D-BD12-340552F47560}" type="datetimeFigureOut">
               <a:rPr lang="ko-KR" altLang="en-US" smtClean="0"/>
               <a:pPr/>
-              <a:t>2019-11-04</a:t>
+              <a:t>2019-11-07</a:t>
             </a:fld>
             <a:endParaRPr lang="ko-KR" altLang="en-US"/>
           </a:p>
@@ -16576,7 +16577,7 @@
             <a:fld id="{4D4371FD-EBF6-457D-BD12-340552F47560}" type="datetimeFigureOut">
               <a:rPr lang="ko-KR" altLang="en-US" smtClean="0"/>
               <a:pPr/>
-              <a:t>2019-11-04</a:t>
+              <a:t>2019-11-07</a:t>
             </a:fld>
             <a:endParaRPr lang="ko-KR" altLang="en-US"/>
           </a:p>
@@ -17105,7 +17106,7 @@
             <a:fld id="{4D4371FD-EBF6-457D-BD12-340552F47560}" type="datetimeFigureOut">
               <a:rPr lang="ko-KR" altLang="en-US" smtClean="0"/>
               <a:pPr/>
-              <a:t>2019-11-04</a:t>
+              <a:t>2019-11-07</a:t>
             </a:fld>
             <a:endParaRPr lang="ko-KR" altLang="en-US"/>
           </a:p>
@@ -17604,7 +17605,7 @@
             <a:fld id="{4D4371FD-EBF6-457D-BD12-340552F47560}" type="datetimeFigureOut">
               <a:rPr lang="ko-KR" altLang="en-US" smtClean="0"/>
               <a:pPr/>
-              <a:t>2019-11-04</a:t>
+              <a:t>2019-11-07</a:t>
             </a:fld>
             <a:endParaRPr lang="ko-KR" altLang="en-US"/>
           </a:p>
@@ -18409,6 +18410,344 @@
         <p:spPr>
           <a:xfrm>
             <a:off x="1133946" y="1752235"/>
+            <a:ext cx="6876109" cy="795474"/>
+          </a:xfrm>
+          <a:prstGeom prst="rect">
+            <a:avLst/>
+          </a:prstGeom>
+        </p:spPr>
+        <p:txBody>
+          <a:bodyPr wrap="square">
+            <a:spAutoFit/>
+          </a:bodyPr>
+          <a:lstStyle/>
+          <a:p>
+            <a:pPr marL="285750" indent="-285750">
+              <a:lnSpc>
+                <a:spcPct val="150000"/>
+              </a:lnSpc>
+              <a:buFont typeface="Arial" panose="020B0604020202020204" pitchFamily="34" charset="0"/>
+              <a:buChar char="•"/>
+            </a:pPr>
+            <a:r>
+              <a:rPr lang="ko-KR" altLang="en-US" sz="1600" dirty="0">
+                <a:latin typeface="나눔스퀘어 Bold" panose="020B0600000101010101" pitchFamily="50" charset="-127"/>
+                <a:ea typeface="나눔스퀘어 Bold" panose="020B0600000101010101" pitchFamily="50" charset="-127"/>
+              </a:rPr>
+              <a:t>추천 시스템</a:t>
+            </a:r>
+            <a:r>
+              <a:rPr lang="en-US" altLang="ko-KR" sz="1600" dirty="0">
+                <a:latin typeface="나눔스퀘어 Bold" panose="020B0600000101010101" pitchFamily="50" charset="-127"/>
+                <a:ea typeface="나눔스퀘어 Bold" panose="020B0600000101010101" pitchFamily="50" charset="-127"/>
+              </a:rPr>
+              <a:t>: </a:t>
+            </a:r>
+            <a:r>
+              <a:rPr lang="ko-KR" altLang="en-US" sz="1600" dirty="0">
+                <a:latin typeface="나눔스퀘어 Bold" panose="020B0600000101010101" pitchFamily="50" charset="-127"/>
+                <a:ea typeface="나눔스퀘어 Bold" panose="020B0600000101010101" pitchFamily="50" charset="-127"/>
+              </a:rPr>
+              <a:t>아이템 기반 </a:t>
+            </a:r>
+            <a:r>
+              <a:rPr lang="en-US" altLang="ko-KR" sz="1600" dirty="0">
+                <a:latin typeface="나눔스퀘어 Bold" panose="020B0600000101010101" pitchFamily="50" charset="-127"/>
+                <a:ea typeface="나눔스퀘어 Bold" panose="020B0600000101010101" pitchFamily="50" charset="-127"/>
+              </a:rPr>
+              <a:t>User</a:t>
+            </a:r>
+            <a:r>
+              <a:rPr lang="ko-KR" altLang="en-US" sz="1600" dirty="0">
+                <a:latin typeface="나눔스퀘어 Bold" panose="020B0600000101010101" pitchFamily="50" charset="-127"/>
+                <a:ea typeface="나눔스퀘어 Bold" panose="020B0600000101010101" pitchFamily="50" charset="-127"/>
+              </a:rPr>
+              <a:t>가 보거나 좋아하거나 싫어하는 영화를 본 다른</a:t>
+            </a:r>
+            <a:r>
+              <a:rPr lang="en-US" altLang="ko-KR" sz="1600" dirty="0">
+                <a:latin typeface="나눔스퀘어 Bold" panose="020B0600000101010101" pitchFamily="50" charset="-127"/>
+                <a:ea typeface="나눔스퀘어 Bold" panose="020B0600000101010101" pitchFamily="50" charset="-127"/>
+              </a:rPr>
+              <a:t/>
+            </a:r>
+            <a:br>
+              <a:rPr lang="en-US" altLang="ko-KR" sz="1600" dirty="0">
+                <a:latin typeface="나눔스퀘어 Bold" panose="020B0600000101010101" pitchFamily="50" charset="-127"/>
+                <a:ea typeface="나눔스퀘어 Bold" panose="020B0600000101010101" pitchFamily="50" charset="-127"/>
+              </a:rPr>
+            </a:br>
+            <a:r>
+              <a:rPr lang="en-US" altLang="ko-KR" sz="1600" dirty="0">
+                <a:latin typeface="나눔스퀘어 Bold" panose="020B0600000101010101" pitchFamily="50" charset="-127"/>
+                <a:ea typeface="나눔스퀘어 Bold" panose="020B0600000101010101" pitchFamily="50" charset="-127"/>
+              </a:rPr>
+              <a:t>    	        </a:t>
+            </a:r>
+            <a:r>
+              <a:rPr lang="ko-KR" altLang="en-US" sz="1600" dirty="0">
+                <a:latin typeface="나눔스퀘어 Bold" panose="020B0600000101010101" pitchFamily="50" charset="-127"/>
+                <a:ea typeface="나눔스퀘어 Bold" panose="020B0600000101010101" pitchFamily="50" charset="-127"/>
+              </a:rPr>
+              <a:t> 사람들이 많이 본 영화를 추천</a:t>
+            </a:r>
+            <a:r>
+              <a:rPr lang="en-US" altLang="ko-KR" sz="1600" dirty="0">
+                <a:latin typeface="나눔스퀘어 Bold" panose="020B0600000101010101" pitchFamily="50" charset="-127"/>
+                <a:ea typeface="나눔스퀘어 Bold" panose="020B0600000101010101" pitchFamily="50" charset="-127"/>
+              </a:rPr>
+              <a:t> </a:t>
+            </a:r>
+          </a:p>
+        </p:txBody>
+      </p:sp>
+      <p:pic>
+        <p:nvPicPr>
+          <p:cNvPr id="3" name="그림 2"/>
+          <p:cNvPicPr>
+            <a:picLocks noChangeAspect="1"/>
+          </p:cNvPicPr>
+          <p:nvPr/>
+        </p:nvPicPr>
+        <p:blipFill>
+          <a:blip r:embed="rId3"/>
+          <a:stretch>
+            <a:fillRect/>
+          </a:stretch>
+        </p:blipFill>
+        <p:spPr>
+          <a:xfrm>
+            <a:off x="1196789" y="4764589"/>
+            <a:ext cx="6750422" cy="1832763"/>
+          </a:xfrm>
+          <a:prstGeom prst="rect">
+            <a:avLst/>
+          </a:prstGeom>
+        </p:spPr>
+      </p:pic>
+      <p:pic>
+        <p:nvPicPr>
+          <p:cNvPr id="4" name="그림 3"/>
+          <p:cNvPicPr>
+            <a:picLocks noChangeAspect="1"/>
+          </p:cNvPicPr>
+          <p:nvPr/>
+        </p:nvPicPr>
+        <p:blipFill>
+          <a:blip r:embed="rId4"/>
+          <a:stretch>
+            <a:fillRect/>
+          </a:stretch>
+        </p:blipFill>
+        <p:spPr>
+          <a:xfrm>
+            <a:off x="2146181" y="2636912"/>
+            <a:ext cx="4226019" cy="2021607"/>
+          </a:xfrm>
+          <a:prstGeom prst="rect">
+            <a:avLst/>
+          </a:prstGeom>
+        </p:spPr>
+      </p:pic>
+    </p:spTree>
+    <p:extLst>
+      <p:ext uri="{BB962C8B-B14F-4D97-AF65-F5344CB8AC3E}">
+        <p14:creationId xmlns:p14="http://schemas.microsoft.com/office/powerpoint/2010/main" val="4251679420"/>
+      </p:ext>
+    </p:extLst>
+  </p:cSld>
+  <p:clrMapOvr>
+    <a:masterClrMapping/>
+  </p:clrMapOvr>
+  <p:timing>
+    <p:tnLst>
+      <p:par>
+        <p:cTn id="1" dur="indefinite" restart="never" nodeType="tmRoot"/>
+      </p:par>
+    </p:tnLst>
+  </p:timing>
+</p:sld>
+</file>
+
+<file path=ppt/slides/slide11.xml><?xml version="1.0" encoding="utf-8"?>
+<p:sld xmlns:a="http://schemas.openxmlformats.org/drawingml/2006/main" xmlns:r="http://schemas.openxmlformats.org/officeDocument/2006/relationships" xmlns:p="http://schemas.openxmlformats.org/presentationml/2006/main" showMasterSp="0">
+  <p:cSld>
+    <p:spTree>
+      <p:nvGrpSpPr>
+        <p:cNvPr id="1" name=""/>
+        <p:cNvGrpSpPr/>
+        <p:nvPr/>
+      </p:nvGrpSpPr>
+      <p:grpSpPr>
+        <a:xfrm>
+          <a:off x="0" y="0"/>
+          <a:ext cx="0" cy="0"/>
+          <a:chOff x="0" y="0"/>
+          <a:chExt cx="0" cy="0"/>
+        </a:xfrm>
+      </p:grpSpPr>
+      <p:sp>
+        <p:nvSpPr>
+          <p:cNvPr id="2" name="TextBox 1"/>
+          <p:cNvSpPr txBox="1"/>
+          <p:nvPr/>
+        </p:nvSpPr>
+        <p:spPr>
+          <a:xfrm>
+            <a:off x="829507" y="1242933"/>
+            <a:ext cx="604653" cy="369332"/>
+          </a:xfrm>
+          <a:prstGeom prst="rect">
+            <a:avLst/>
+          </a:prstGeom>
+          <a:noFill/>
+        </p:spPr>
+        <p:txBody>
+          <a:bodyPr wrap="none" rtlCol="0">
+            <a:spAutoFit/>
+          </a:bodyPr>
+          <a:lstStyle/>
+          <a:p>
+            <a:r>
+              <a:rPr lang="ko-KR" altLang="en-US" dirty="0">
+                <a:solidFill>
+                  <a:schemeClr val="accent1"/>
+                </a:solidFill>
+                <a:latin typeface="나눔스퀘어 Bold" panose="020B0600000101010101" pitchFamily="50" charset="-127"/>
+                <a:ea typeface="나눔스퀘어 Bold" panose="020B0600000101010101" pitchFamily="50" charset="-127"/>
+                <a:cs typeface="Arial" charset="0"/>
+              </a:rPr>
+              <a:t>결과</a:t>
+            </a:r>
+            <a:endParaRPr lang="en-US" altLang="ko-KR" dirty="0">
+              <a:solidFill>
+                <a:schemeClr val="accent1"/>
+              </a:solidFill>
+              <a:latin typeface="나눔스퀘어 Bold" panose="020B0600000101010101" pitchFamily="50" charset="-127"/>
+              <a:ea typeface="나눔스퀘어 Bold" panose="020B0600000101010101" pitchFamily="50" charset="-127"/>
+              <a:cs typeface="Arial" charset="0"/>
+            </a:endParaRPr>
+          </a:p>
+        </p:txBody>
+      </p:sp>
+      <p:sp>
+        <p:nvSpPr>
+          <p:cNvPr id="10" name="내용 개체 틀 2"/>
+          <p:cNvSpPr txBox="1">
+            <a:spLocks/>
+          </p:cNvSpPr>
+          <p:nvPr/>
+        </p:nvSpPr>
+        <p:spPr bwMode="auto">
+          <a:xfrm>
+            <a:off x="539750" y="476250"/>
+            <a:ext cx="7300913" cy="503238"/>
+          </a:xfrm>
+          <a:prstGeom prst="rect">
+            <a:avLst/>
+          </a:prstGeom>
+          <a:noFill/>
+          <a:ln w="9525">
+            <a:noFill/>
+            <a:miter lim="800000"/>
+            <a:headEnd/>
+            <a:tailEnd/>
+          </a:ln>
+        </p:spPr>
+        <p:txBody>
+          <a:bodyPr/>
+          <a:lstStyle/>
+          <a:p>
+            <a:pPr>
+              <a:spcBef>
+                <a:spcPct val="20000"/>
+              </a:spcBef>
+            </a:pPr>
+            <a:r>
+              <a:rPr lang="en-US" altLang="ko-KR" sz="2400" dirty="0">
+                <a:solidFill>
+                  <a:schemeClr val="tx1">
+                    <a:lumMod val="75000"/>
+                    <a:lumOff val="25000"/>
+                  </a:schemeClr>
+                </a:solidFill>
+                <a:latin typeface="나눔스퀘어 Bold" panose="020B0600000101010101" pitchFamily="50" charset="-127"/>
+                <a:ea typeface="나눔스퀘어 Bold" panose="020B0600000101010101" pitchFamily="50" charset="-127"/>
+              </a:rPr>
+              <a:t>4</a:t>
+            </a:r>
+            <a:r>
+              <a:rPr kumimoji="0" lang="en-US" altLang="ko-KR" sz="2400" dirty="0" smtClean="0">
+                <a:solidFill>
+                  <a:schemeClr val="tx1">
+                    <a:lumMod val="75000"/>
+                    <a:lumOff val="25000"/>
+                  </a:schemeClr>
+                </a:solidFill>
+                <a:latin typeface="나눔스퀘어 Bold" panose="020B0600000101010101" pitchFamily="50" charset="-127"/>
+                <a:ea typeface="나눔스퀘어 Bold" panose="020B0600000101010101" pitchFamily="50" charset="-127"/>
+              </a:rPr>
+              <a:t>. </a:t>
+            </a:r>
+            <a:r>
+              <a:rPr lang="ko-KR" altLang="en-US" sz="2400" dirty="0" smtClean="0">
+                <a:solidFill>
+                  <a:schemeClr val="tx1">
+                    <a:lumMod val="75000"/>
+                    <a:lumOff val="25000"/>
+                  </a:schemeClr>
+                </a:solidFill>
+                <a:latin typeface="나눔스퀘어 Bold" panose="020B0600000101010101" pitchFamily="50" charset="-127"/>
+                <a:ea typeface="나눔스퀘어 Bold" panose="020B0600000101010101" pitchFamily="50" charset="-127"/>
+              </a:rPr>
+              <a:t>데이터 분석 및 결과</a:t>
+            </a:r>
+            <a:endParaRPr kumimoji="0" lang="en-US" altLang="ko-KR" sz="2400" dirty="0">
+              <a:solidFill>
+                <a:schemeClr val="tx1">
+                  <a:lumMod val="75000"/>
+                  <a:lumOff val="25000"/>
+                </a:schemeClr>
+              </a:solidFill>
+              <a:latin typeface="나눔스퀘어 Bold" panose="020B0600000101010101" pitchFamily="50" charset="-127"/>
+              <a:ea typeface="나눔스퀘어 Bold" panose="020B0600000101010101" pitchFamily="50" charset="-127"/>
+            </a:endParaRPr>
+          </a:p>
+        </p:txBody>
+      </p:sp>
+      <p:pic>
+        <p:nvPicPr>
+          <p:cNvPr id="11" name="그림 10"/>
+          <p:cNvPicPr>
+            <a:picLocks noChangeAspect="1"/>
+          </p:cNvPicPr>
+          <p:nvPr/>
+        </p:nvPicPr>
+        <p:blipFill>
+          <a:blip r:embed="rId2"/>
+          <a:stretch>
+            <a:fillRect/>
+          </a:stretch>
+        </p:blipFill>
+        <p:spPr>
+          <a:xfrm>
+            <a:off x="7336012" y="116632"/>
+            <a:ext cx="1632341" cy="301628"/>
+          </a:xfrm>
+          <a:prstGeom prst="rect">
+            <a:avLst/>
+          </a:prstGeom>
+        </p:spPr>
+      </p:pic>
+      <p:sp>
+        <p:nvSpPr>
+          <p:cNvPr id="9" name="직사각형 8"/>
+          <p:cNvSpPr/>
+          <p:nvPr/>
+        </p:nvSpPr>
+        <p:spPr>
+          <a:xfrm>
+            <a:off x="1133946" y="1752235"/>
             <a:ext cx="6876109" cy="830997"/>
           </a:xfrm>
           <a:prstGeom prst="rect">
@@ -18556,7 +18895,7 @@
 </p:sld>
 </file>
 
-<file path=ppt/slides/slide11.xml><?xml version="1.0" encoding="utf-8"?>
+<file path=ppt/slides/slide12.xml><?xml version="1.0" encoding="utf-8"?>
 <p:sld xmlns:a="http://schemas.openxmlformats.org/drawingml/2006/main" xmlns:r="http://schemas.openxmlformats.org/officeDocument/2006/relationships" xmlns:p="http://schemas.openxmlformats.org/presentationml/2006/main" showMasterSp="0">
   <p:cSld>
     <p:spTree>
@@ -18756,7 +19095,7 @@
 </p:sld>
 </file>
 
-<file path=ppt/slides/slide12.xml><?xml version="1.0" encoding="utf-8"?>
+<file path=ppt/slides/slide13.xml><?xml version="1.0" encoding="utf-8"?>
 <p:sld xmlns:a="http://schemas.openxmlformats.org/drawingml/2006/main" xmlns:r="http://schemas.openxmlformats.org/officeDocument/2006/relationships" xmlns:p="http://schemas.openxmlformats.org/presentationml/2006/main" showMasterSp="0">
   <p:cSld>
     <p:spTree>
@@ -19109,7 +19448,7 @@
 </p:sld>
 </file>
 
-<file path=ppt/slides/slide13.xml><?xml version="1.0" encoding="utf-8"?>
+<file path=ppt/slides/slide14.xml><?xml version="1.0" encoding="utf-8"?>
 <p:sld xmlns:a="http://schemas.openxmlformats.org/drawingml/2006/main" xmlns:r="http://schemas.openxmlformats.org/officeDocument/2006/relationships" xmlns:p="http://schemas.openxmlformats.org/presentationml/2006/main" showMasterSp="0">
   <p:cSld>
     <p:spTree>
@@ -19323,79 +19662,710 @@
       </p:grpSpPr>
       <p:pic>
         <p:nvPicPr>
-          <p:cNvPr id="38" name="그림 37"/>
+          <p:cNvPr id="10" name="그림 9"/>
           <p:cNvPicPr>
             <a:picLocks noChangeAspect="1"/>
           </p:cNvPicPr>
           <p:nvPr/>
         </p:nvPicPr>
         <p:blipFill rotWithShape="1">
-          <a:blip r:embed="rId2">
+          <a:blip r:embed="rId2"/>
+          <a:srcRect l="17914" t="20496" r="53487" b="5358"/>
+          <a:stretch/>
+        </p:blipFill>
+        <p:spPr>
+          <a:xfrm>
+            <a:off x="4514032" y="595485"/>
+            <a:ext cx="3572317" cy="5209779"/>
+          </a:xfrm>
+          <a:prstGeom prst="rect">
+            <a:avLst/>
+          </a:prstGeom>
+        </p:spPr>
+      </p:pic>
+      <p:pic>
+        <p:nvPicPr>
+          <p:cNvPr id="1026" name="Picture 2" descr="https://dhgywazgeek0d.cloudfront.net/watcha/image/upload/c_fill,h_400,q_80,w_280/v1466398072/yeqa7ipgcd45unjwmprg.jpg"/>
+          <p:cNvPicPr>
+            <a:picLocks noChangeAspect="1" noChangeArrowheads="1"/>
+          </p:cNvPicPr>
+          <p:nvPr/>
+        </p:nvPicPr>
+        <p:blipFill>
+          <a:blip r:embed="rId3">
             <a:extLst>
               <a:ext uri="{28A0092B-C50C-407E-A947-70E740481C1C}">
                 <a14:useLocalDpi xmlns:a14="http://schemas.microsoft.com/office/drawing/2010/main" val="0"/>
               </a:ext>
             </a:extLst>
           </a:blip>
-          <a:srcRect l="12201" t="9072" r="12201" b="9072"/>
-          <a:stretch/>
+          <a:srcRect/>
+          <a:stretch>
+            <a:fillRect/>
+          </a:stretch>
         </p:blipFill>
-        <p:spPr>
+        <p:spPr bwMode="auto">
           <a:xfrm>
-            <a:off x="1581712" y="2564904"/>
-            <a:ext cx="2235565" cy="2420603"/>
+            <a:off x="1281522" y="1295374"/>
+            <a:ext cx="2667000" cy="3810000"/>
           </a:xfrm>
           <a:prstGeom prst="rect">
             <a:avLst/>
           </a:prstGeom>
+          <a:noFill/>
+          <a:extLst>
+            <a:ext uri="{909E8E84-426E-40DD-AFC4-6F175D3DCCD1}">
+              <a14:hiddenFill xmlns:a14="http://schemas.microsoft.com/office/drawing/2010/main">
+                <a:solidFill>
+                  <a:srgbClr val="FFFFFF"/>
+                </a:solidFill>
+              </a14:hiddenFill>
+            </a:ext>
+          </a:extLst>
         </p:spPr>
       </p:pic>
       <p:sp>
         <p:nvSpPr>
-          <p:cNvPr id="4" name="직사각형 3"/>
-          <p:cNvSpPr/>
+          <p:cNvPr id="3" name="TextBox 2"/>
+          <p:cNvSpPr txBox="1"/>
           <p:nvPr/>
         </p:nvSpPr>
         <p:spPr>
           <a:xfrm>
-            <a:off x="1259632" y="1772816"/>
-            <a:ext cx="2879725" cy="646112"/>
+            <a:off x="4737906" y="1881000"/>
+            <a:ext cx="3124573" cy="1200329"/>
           </a:xfrm>
           <a:prstGeom prst="rect">
             <a:avLst/>
           </a:prstGeom>
+          <a:noFill/>
         </p:spPr>
         <p:txBody>
-          <a:bodyPr>
+          <a:bodyPr wrap="none" rtlCol="0">
             <a:spAutoFit/>
           </a:bodyPr>
           <a:lstStyle/>
           <a:p>
-            <a:pPr algn="ctr" fontAlgn="auto">
-              <a:spcBef>
-                <a:spcPts val="0"/>
-              </a:spcBef>
-              <a:spcAft>
-                <a:spcPts val="0"/>
-              </a:spcAft>
-              <a:defRPr/>
+            <a:pPr algn="ctr">
+              <a:lnSpc>
+                <a:spcPct val="150000"/>
+              </a:lnSpc>
             </a:pPr>
             <a:r>
-              <a:rPr kumimoji="0" lang="en-US" altLang="ko-KR" sz="3600" b="1" dirty="0">
+              <a:rPr lang="ko-KR" altLang="en-US" sz="2400" dirty="0" smtClean="0">
+                <a:solidFill>
+                  <a:srgbClr val="9966FF"/>
+                </a:solidFill>
+                <a:latin typeface="서울남산체 M" panose="02020503020101020101" pitchFamily="18" charset="-127"/>
+                <a:ea typeface="서울남산체 M" panose="02020503020101020101" pitchFamily="18" charset="-127"/>
+              </a:rPr>
+              <a:t>홍 이수</a:t>
+            </a:r>
+            <a:r>
+              <a:rPr lang="en-US" altLang="ko-KR" sz="2400" dirty="0" smtClean="0">
+                <a:solidFill>
+                  <a:srgbClr val="9966FF"/>
+                </a:solidFill>
+                <a:latin typeface="서울남산체 M" panose="02020503020101020101" pitchFamily="18" charset="-127"/>
+                <a:ea typeface="서울남산체 M" panose="02020503020101020101" pitchFamily="18" charset="-127"/>
+              </a:rPr>
+              <a:t>, </a:t>
+            </a:r>
+          </a:p>
+          <a:p>
+            <a:pPr algn="ctr">
+              <a:lnSpc>
+                <a:spcPct val="150000"/>
+              </a:lnSpc>
+            </a:pPr>
+            <a:r>
+              <a:rPr lang="ko-KR" altLang="en-US" sz="2400" dirty="0" smtClean="0">
                 <a:solidFill>
                   <a:schemeClr val="tx1">
                     <a:lumMod val="65000"/>
                     <a:lumOff val="35000"/>
                   </a:schemeClr>
                 </a:solidFill>
-                <a:latin typeface="나눔스퀘어 ExtraBold" panose="020B0600000101010101" pitchFamily="50" charset="-127"/>
-                <a:ea typeface="나눔스퀘어 ExtraBold" panose="020B0600000101010101" pitchFamily="50" charset="-127"/>
+                <a:latin typeface="서울남산체 M" panose="02020503020101020101" pitchFamily="18" charset="-127"/>
+                <a:ea typeface="서울남산체 M" panose="02020503020101020101" pitchFamily="18" charset="-127"/>
               </a:rPr>
-              <a:t>CONTENTS</a:t>
+              <a:t>그녀가 좋아한 사람은 </a:t>
+            </a:r>
+            <a:r>
+              <a:rPr lang="en-US" altLang="ko-KR" sz="2400" dirty="0" smtClean="0">
+                <a:solidFill>
+                  <a:schemeClr val="tx1">
+                    <a:lumMod val="65000"/>
+                    <a:lumOff val="35000"/>
+                  </a:schemeClr>
+                </a:solidFill>
+                <a:latin typeface="서울남산체 M" panose="02020503020101020101" pitchFamily="18" charset="-127"/>
+                <a:ea typeface="서울남산체 M" panose="02020503020101020101" pitchFamily="18" charset="-127"/>
+              </a:rPr>
+              <a:t>?</a:t>
             </a:r>
           </a:p>
         </p:txBody>
       </p:sp>
+      <p:sp>
+        <p:nvSpPr>
+          <p:cNvPr id="5" name="TextBox 4"/>
+          <p:cNvSpPr txBox="1"/>
+          <p:nvPr/>
+        </p:nvSpPr>
+        <p:spPr>
+          <a:xfrm>
+            <a:off x="5727759" y="3873417"/>
+            <a:ext cx="1144865" cy="646331"/>
+          </a:xfrm>
+          <a:prstGeom prst="rect">
+            <a:avLst/>
+          </a:prstGeom>
+          <a:noFill/>
+        </p:spPr>
+        <p:txBody>
+          <a:bodyPr wrap="none" rtlCol="0">
+            <a:spAutoFit/>
+          </a:bodyPr>
+          <a:lstStyle/>
+          <a:p>
+            <a:r>
+              <a:rPr lang="ko-KR" altLang="en-US" sz="3600" dirty="0" smtClean="0">
+                <a:solidFill>
+                  <a:schemeClr val="tx1">
+                    <a:lumMod val="75000"/>
+                    <a:lumOff val="25000"/>
+                  </a:schemeClr>
+                </a:solidFill>
+                <a:latin typeface="서울남산체 M" panose="02020503020101020101" pitchFamily="18" charset="-127"/>
+                <a:ea typeface="서울남산체 M" panose="02020503020101020101" pitchFamily="18" charset="-127"/>
+              </a:rPr>
+              <a:t>우 진</a:t>
+            </a:r>
+            <a:endParaRPr lang="ko-KR" altLang="en-US" sz="3600" dirty="0">
+              <a:solidFill>
+                <a:schemeClr val="tx1">
+                  <a:lumMod val="75000"/>
+                  <a:lumOff val="25000"/>
+                </a:schemeClr>
+              </a:solidFill>
+              <a:latin typeface="서울남산체 M" panose="02020503020101020101" pitchFamily="18" charset="-127"/>
+              <a:ea typeface="서울남산체 M" panose="02020503020101020101" pitchFamily="18" charset="-127"/>
+            </a:endParaRPr>
+          </a:p>
+        </p:txBody>
+      </p:sp>
+      <p:sp>
+        <p:nvSpPr>
+          <p:cNvPr id="14" name="TextBox 13"/>
+          <p:cNvSpPr txBox="1"/>
+          <p:nvPr/>
+        </p:nvSpPr>
+        <p:spPr>
+          <a:xfrm>
+            <a:off x="2187373" y="5445224"/>
+            <a:ext cx="4769254" cy="584775"/>
+          </a:xfrm>
+          <a:prstGeom prst="rect">
+            <a:avLst/>
+          </a:prstGeom>
+          <a:noFill/>
+        </p:spPr>
+        <p:txBody>
+          <a:bodyPr wrap="none" rtlCol="0">
+            <a:spAutoFit/>
+          </a:bodyPr>
+          <a:lstStyle/>
+          <a:p>
+            <a:r>
+              <a:rPr lang="ko-KR" altLang="en-US" sz="2400" dirty="0" smtClean="0">
+                <a:solidFill>
+                  <a:schemeClr val="tx1">
+                    <a:lumMod val="50000"/>
+                    <a:lumOff val="50000"/>
+                  </a:schemeClr>
+                </a:solidFill>
+                <a:latin typeface="나눔스퀘어 Bold" panose="020B0600000101010101" pitchFamily="50" charset="-127"/>
+                <a:ea typeface="나눔스퀘어 Bold" panose="020B0600000101010101" pitchFamily="50" charset="-127"/>
+              </a:rPr>
+              <a:t>진정한 가치는 내면의 </a:t>
+            </a:r>
+            <a:r>
+              <a:rPr lang="en-US" altLang="ko-KR" sz="3200" dirty="0" smtClean="0">
+                <a:solidFill>
+                  <a:srgbClr val="9966FF"/>
+                </a:solidFill>
+                <a:latin typeface="나눔스퀘어 Bold" panose="020B0600000101010101" pitchFamily="50" charset="-127"/>
+                <a:ea typeface="나눔스퀘어 Bold" panose="020B0600000101010101" pitchFamily="50" charset="-127"/>
+              </a:rPr>
+              <a:t>‘</a:t>
+            </a:r>
+            <a:r>
+              <a:rPr lang="ko-KR" altLang="en-US" sz="3200" dirty="0" smtClean="0">
+                <a:solidFill>
+                  <a:srgbClr val="9966FF"/>
+                </a:solidFill>
+                <a:latin typeface="나눔스퀘어 Bold" panose="020B0600000101010101" pitchFamily="50" charset="-127"/>
+                <a:ea typeface="나눔스퀘어 Bold" panose="020B0600000101010101" pitchFamily="50" charset="-127"/>
+              </a:rPr>
+              <a:t>본질</a:t>
+            </a:r>
+            <a:r>
+              <a:rPr lang="en-US" altLang="ko-KR" sz="3200" dirty="0" smtClean="0">
+                <a:solidFill>
+                  <a:srgbClr val="9966FF"/>
+                </a:solidFill>
+                <a:latin typeface="나눔스퀘어 Bold" panose="020B0600000101010101" pitchFamily="50" charset="-127"/>
+                <a:ea typeface="나눔스퀘어 Bold" panose="020B0600000101010101" pitchFamily="50" charset="-127"/>
+              </a:rPr>
+              <a:t>’</a:t>
+            </a:r>
+            <a:r>
+              <a:rPr lang="ko-KR" altLang="en-US" sz="2400" dirty="0" smtClean="0">
+                <a:solidFill>
+                  <a:schemeClr val="tx1">
+                    <a:lumMod val="50000"/>
+                    <a:lumOff val="50000"/>
+                  </a:schemeClr>
+                </a:solidFill>
+                <a:latin typeface="나눔스퀘어 Bold" panose="020B0600000101010101" pitchFamily="50" charset="-127"/>
+                <a:ea typeface="나눔스퀘어 Bold" panose="020B0600000101010101" pitchFamily="50" charset="-127"/>
+              </a:rPr>
+              <a:t>에 있다</a:t>
+            </a:r>
+            <a:endParaRPr lang="ko-KR" altLang="en-US" sz="2400" dirty="0">
+              <a:solidFill>
+                <a:schemeClr val="tx1">
+                  <a:lumMod val="50000"/>
+                  <a:lumOff val="50000"/>
+                </a:schemeClr>
+              </a:solidFill>
+              <a:latin typeface="나눔스퀘어 Bold" panose="020B0600000101010101" pitchFamily="50" charset="-127"/>
+              <a:ea typeface="나눔스퀘어 Bold" panose="020B0600000101010101" pitchFamily="50" charset="-127"/>
+            </a:endParaRPr>
+          </a:p>
+        </p:txBody>
+      </p:sp>
+    </p:spTree>
+    <p:extLst>
+      <p:ext uri="{BB962C8B-B14F-4D97-AF65-F5344CB8AC3E}">
+        <p14:creationId xmlns:p14="http://schemas.microsoft.com/office/powerpoint/2010/main" val="785782676"/>
+      </p:ext>
+    </p:extLst>
+  </p:cSld>
+  <p:clrMapOvr>
+    <a:masterClrMapping/>
+  </p:clrMapOvr>
+  <p:timing>
+    <p:tnLst>
+      <p:par>
+        <p:cTn id="1" dur="indefinite" restart="never" nodeType="tmRoot">
+          <p:childTnLst>
+            <p:seq concurrent="1" nextAc="seek">
+              <p:cTn id="2" dur="indefinite" nodeType="mainSeq">
+                <p:childTnLst>
+                  <p:par>
+                    <p:cTn id="3" fill="hold">
+                      <p:stCondLst>
+                        <p:cond delay="indefinite"/>
+                      </p:stCondLst>
+                      <p:childTnLst>
+                        <p:par>
+                          <p:cTn id="4" fill="hold">
+                            <p:stCondLst>
+                              <p:cond delay="0"/>
+                            </p:stCondLst>
+                            <p:childTnLst>
+                              <p:par>
+                                <p:cTn id="5" presetID="10" presetClass="entr" presetSubtype="0" fill="hold" nodeType="clickEffect">
+                                  <p:stCondLst>
+                                    <p:cond delay="0"/>
+                                  </p:stCondLst>
+                                  <p:childTnLst>
+                                    <p:set>
+                                      <p:cBhvr>
+                                        <p:cTn id="6" dur="1" fill="hold">
+                                          <p:stCondLst>
+                                            <p:cond delay="0"/>
+                                          </p:stCondLst>
+                                        </p:cTn>
+                                        <p:tgtEl>
+                                          <p:spTgt spid="10"/>
+                                        </p:tgtEl>
+                                        <p:attrNameLst>
+                                          <p:attrName>style.visibility</p:attrName>
+                                        </p:attrNameLst>
+                                      </p:cBhvr>
+                                      <p:to>
+                                        <p:strVal val="visible"/>
+                                      </p:to>
+                                    </p:set>
+                                    <p:animEffect transition="in" filter="fade">
+                                      <p:cBhvr>
+                                        <p:cTn id="7" dur="500"/>
+                                        <p:tgtEl>
+                                          <p:spTgt spid="10"/>
+                                        </p:tgtEl>
+                                      </p:cBhvr>
+                                    </p:animEffect>
+                                  </p:childTnLst>
+                                </p:cTn>
+                              </p:par>
+                            </p:childTnLst>
+                          </p:cTn>
+                        </p:par>
+                      </p:childTnLst>
+                    </p:cTn>
+                  </p:par>
+                  <p:par>
+                    <p:cTn id="8" fill="hold">
+                      <p:stCondLst>
+                        <p:cond delay="indefinite"/>
+                      </p:stCondLst>
+                      <p:childTnLst>
+                        <p:par>
+                          <p:cTn id="9" fill="hold">
+                            <p:stCondLst>
+                              <p:cond delay="0"/>
+                            </p:stCondLst>
+                            <p:childTnLst>
+                              <p:par>
+                                <p:cTn id="10" presetID="10" presetClass="exit" presetSubtype="0" fill="hold" nodeType="clickEffect">
+                                  <p:stCondLst>
+                                    <p:cond delay="0"/>
+                                  </p:stCondLst>
+                                  <p:childTnLst>
+                                    <p:animEffect transition="out" filter="fade">
+                                      <p:cBhvr>
+                                        <p:cTn id="11" dur="500"/>
+                                        <p:tgtEl>
+                                          <p:spTgt spid="10"/>
+                                        </p:tgtEl>
+                                      </p:cBhvr>
+                                    </p:animEffect>
+                                    <p:set>
+                                      <p:cBhvr>
+                                        <p:cTn id="12" dur="1" fill="hold">
+                                          <p:stCondLst>
+                                            <p:cond delay="499"/>
+                                          </p:stCondLst>
+                                        </p:cTn>
+                                        <p:tgtEl>
+                                          <p:spTgt spid="10"/>
+                                        </p:tgtEl>
+                                        <p:attrNameLst>
+                                          <p:attrName>style.visibility</p:attrName>
+                                        </p:attrNameLst>
+                                      </p:cBhvr>
+                                      <p:to>
+                                        <p:strVal val="hidden"/>
+                                      </p:to>
+                                    </p:set>
+                                  </p:childTnLst>
+                                </p:cTn>
+                              </p:par>
+                            </p:childTnLst>
+                          </p:cTn>
+                        </p:par>
+                      </p:childTnLst>
+                    </p:cTn>
+                  </p:par>
+                  <p:par>
+                    <p:cTn id="13" fill="hold">
+                      <p:stCondLst>
+                        <p:cond delay="indefinite"/>
+                      </p:stCondLst>
+                      <p:childTnLst>
+                        <p:par>
+                          <p:cTn id="14" fill="hold">
+                            <p:stCondLst>
+                              <p:cond delay="0"/>
+                            </p:stCondLst>
+                            <p:childTnLst>
+                              <p:par>
+                                <p:cTn id="15" presetID="10" presetClass="entr" presetSubtype="0" fill="hold" grpId="0" nodeType="clickEffect">
+                                  <p:stCondLst>
+                                    <p:cond delay="0"/>
+                                  </p:stCondLst>
+                                  <p:childTnLst>
+                                    <p:set>
+                                      <p:cBhvr>
+                                        <p:cTn id="16" dur="1" fill="hold">
+                                          <p:stCondLst>
+                                            <p:cond delay="0"/>
+                                          </p:stCondLst>
+                                        </p:cTn>
+                                        <p:tgtEl>
+                                          <p:spTgt spid="3"/>
+                                        </p:tgtEl>
+                                        <p:attrNameLst>
+                                          <p:attrName>style.visibility</p:attrName>
+                                        </p:attrNameLst>
+                                      </p:cBhvr>
+                                      <p:to>
+                                        <p:strVal val="visible"/>
+                                      </p:to>
+                                    </p:set>
+                                    <p:animEffect transition="in" filter="fade">
+                                      <p:cBhvr>
+                                        <p:cTn id="17" dur="500"/>
+                                        <p:tgtEl>
+                                          <p:spTgt spid="3"/>
+                                        </p:tgtEl>
+                                      </p:cBhvr>
+                                    </p:animEffect>
+                                  </p:childTnLst>
+                                </p:cTn>
+                              </p:par>
+                            </p:childTnLst>
+                          </p:cTn>
+                        </p:par>
+                      </p:childTnLst>
+                    </p:cTn>
+                  </p:par>
+                  <p:par>
+                    <p:cTn id="18" fill="hold">
+                      <p:stCondLst>
+                        <p:cond delay="indefinite"/>
+                      </p:stCondLst>
+                      <p:childTnLst>
+                        <p:par>
+                          <p:cTn id="19" fill="hold">
+                            <p:stCondLst>
+                              <p:cond delay="0"/>
+                            </p:stCondLst>
+                            <p:childTnLst>
+                              <p:par>
+                                <p:cTn id="20" presetID="10" presetClass="entr" presetSubtype="0" fill="hold" grpId="0" nodeType="clickEffect">
+                                  <p:stCondLst>
+                                    <p:cond delay="0"/>
+                                  </p:stCondLst>
+                                  <p:childTnLst>
+                                    <p:set>
+                                      <p:cBhvr>
+                                        <p:cTn id="21" dur="1" fill="hold">
+                                          <p:stCondLst>
+                                            <p:cond delay="0"/>
+                                          </p:stCondLst>
+                                        </p:cTn>
+                                        <p:tgtEl>
+                                          <p:spTgt spid="5"/>
+                                        </p:tgtEl>
+                                        <p:attrNameLst>
+                                          <p:attrName>style.visibility</p:attrName>
+                                        </p:attrNameLst>
+                                      </p:cBhvr>
+                                      <p:to>
+                                        <p:strVal val="visible"/>
+                                      </p:to>
+                                    </p:set>
+                                    <p:animEffect transition="in" filter="fade">
+                                      <p:cBhvr>
+                                        <p:cTn id="22" dur="500"/>
+                                        <p:tgtEl>
+                                          <p:spTgt spid="5"/>
+                                        </p:tgtEl>
+                                      </p:cBhvr>
+                                    </p:animEffect>
+                                  </p:childTnLst>
+                                </p:cTn>
+                              </p:par>
+                            </p:childTnLst>
+                          </p:cTn>
+                        </p:par>
+                      </p:childTnLst>
+                    </p:cTn>
+                  </p:par>
+                  <p:par>
+                    <p:cTn id="23" fill="hold">
+                      <p:stCondLst>
+                        <p:cond delay="indefinite"/>
+                      </p:stCondLst>
+                      <p:childTnLst>
+                        <p:par>
+                          <p:cTn id="24" fill="hold">
+                            <p:stCondLst>
+                              <p:cond delay="0"/>
+                            </p:stCondLst>
+                            <p:childTnLst>
+                              <p:par>
+                                <p:cTn id="25" presetID="10" presetClass="entr" presetSubtype="0" fill="hold" grpId="0" nodeType="clickEffect">
+                                  <p:stCondLst>
+                                    <p:cond delay="0"/>
+                                  </p:stCondLst>
+                                  <p:childTnLst>
+                                    <p:set>
+                                      <p:cBhvr>
+                                        <p:cTn id="26" dur="1" fill="hold">
+                                          <p:stCondLst>
+                                            <p:cond delay="0"/>
+                                          </p:stCondLst>
+                                        </p:cTn>
+                                        <p:tgtEl>
+                                          <p:spTgt spid="14"/>
+                                        </p:tgtEl>
+                                        <p:attrNameLst>
+                                          <p:attrName>style.visibility</p:attrName>
+                                        </p:attrNameLst>
+                                      </p:cBhvr>
+                                      <p:to>
+                                        <p:strVal val="visible"/>
+                                      </p:to>
+                                    </p:set>
+                                    <p:animEffect transition="in" filter="fade">
+                                      <p:cBhvr>
+                                        <p:cTn id="27" dur="500"/>
+                                        <p:tgtEl>
+                                          <p:spTgt spid="14"/>
+                                        </p:tgtEl>
+                                      </p:cBhvr>
+                                    </p:animEffect>
+                                  </p:childTnLst>
+                                </p:cTn>
+                              </p:par>
+                            </p:childTnLst>
+                          </p:cTn>
+                        </p:par>
+                      </p:childTnLst>
+                    </p:cTn>
+                  </p:par>
+                </p:childTnLst>
+              </p:cTn>
+              <p:prevCondLst>
+                <p:cond evt="onPrev" delay="0">
+                  <p:tgtEl>
+                    <p:sldTgt/>
+                  </p:tgtEl>
+                </p:cond>
+              </p:prevCondLst>
+              <p:nextCondLst>
+                <p:cond evt="onNext" delay="0">
+                  <p:tgtEl>
+                    <p:sldTgt/>
+                  </p:tgtEl>
+                </p:cond>
+              </p:nextCondLst>
+            </p:seq>
+          </p:childTnLst>
+        </p:cTn>
+      </p:par>
+    </p:tnLst>
+    <p:bldLst>
+      <p:bldP spid="3" grpId="0"/>
+      <p:bldP spid="5" grpId="0"/>
+      <p:bldP spid="14" grpId="0"/>
+    </p:bldLst>
+  </p:timing>
+</p:sld>
+</file>
+
+<file path=ppt/slides/slide3.xml><?xml version="1.0" encoding="utf-8"?>
+<p:sld xmlns:a="http://schemas.openxmlformats.org/drawingml/2006/main" xmlns:r="http://schemas.openxmlformats.org/officeDocument/2006/relationships" xmlns:p="http://schemas.openxmlformats.org/presentationml/2006/main" showMasterSp="0">
+  <p:cSld>
+    <p:spTree>
+      <p:nvGrpSpPr>
+        <p:cNvPr id="1" name=""/>
+        <p:cNvGrpSpPr/>
+        <p:nvPr/>
+      </p:nvGrpSpPr>
+      <p:grpSpPr>
+        <a:xfrm>
+          <a:off x="0" y="0"/>
+          <a:ext cx="0" cy="0"/>
+          <a:chOff x="0" y="0"/>
+          <a:chExt cx="0" cy="0"/>
+        </a:xfrm>
+      </p:grpSpPr>
+      <p:grpSp>
+        <p:nvGrpSpPr>
+          <p:cNvPr id="2" name="그룹 1"/>
+          <p:cNvGrpSpPr/>
+          <p:nvPr/>
+        </p:nvGrpSpPr>
+        <p:grpSpPr>
+          <a:xfrm>
+            <a:off x="1259632" y="1822655"/>
+            <a:ext cx="2879725" cy="3212691"/>
+            <a:chOff x="1259632" y="1772816"/>
+            <a:chExt cx="2879725" cy="3212691"/>
+          </a:xfrm>
+        </p:grpSpPr>
+        <p:pic>
+          <p:nvPicPr>
+            <p:cNvPr id="38" name="그림 37"/>
+            <p:cNvPicPr>
+              <a:picLocks noChangeAspect="1"/>
+            </p:cNvPicPr>
+            <p:nvPr/>
+          </p:nvPicPr>
+          <p:blipFill rotWithShape="1">
+            <a:blip r:embed="rId2">
+              <a:extLst>
+                <a:ext uri="{28A0092B-C50C-407E-A947-70E740481C1C}">
+                  <a14:useLocalDpi xmlns:a14="http://schemas.microsoft.com/office/drawing/2010/main" val="0"/>
+                </a:ext>
+              </a:extLst>
+            </a:blip>
+            <a:srcRect l="12201" t="9072" r="12201" b="9072"/>
+            <a:stretch/>
+          </p:blipFill>
+          <p:spPr>
+            <a:xfrm>
+              <a:off x="1581712" y="2564904"/>
+              <a:ext cx="2235565" cy="2420603"/>
+            </a:xfrm>
+            <a:prstGeom prst="rect">
+              <a:avLst/>
+            </a:prstGeom>
+          </p:spPr>
+        </p:pic>
+        <p:sp>
+          <p:nvSpPr>
+            <p:cNvPr id="4" name="직사각형 3"/>
+            <p:cNvSpPr/>
+            <p:nvPr/>
+          </p:nvSpPr>
+          <p:spPr>
+            <a:xfrm>
+              <a:off x="1259632" y="1772816"/>
+              <a:ext cx="2879725" cy="646112"/>
+            </a:xfrm>
+            <a:prstGeom prst="rect">
+              <a:avLst/>
+            </a:prstGeom>
+          </p:spPr>
+          <p:txBody>
+            <a:bodyPr>
+              <a:spAutoFit/>
+            </a:bodyPr>
+            <a:lstStyle/>
+            <a:p>
+              <a:pPr algn="ctr" fontAlgn="auto">
+                <a:spcBef>
+                  <a:spcPts val="0"/>
+                </a:spcBef>
+                <a:spcAft>
+                  <a:spcPts val="0"/>
+                </a:spcAft>
+                <a:defRPr/>
+              </a:pPr>
+              <a:r>
+                <a:rPr kumimoji="0" lang="en-US" altLang="ko-KR" sz="3600" b="1" dirty="0">
+                  <a:solidFill>
+                    <a:schemeClr val="tx1">
+                      <a:lumMod val="65000"/>
+                      <a:lumOff val="35000"/>
+                    </a:schemeClr>
+                  </a:solidFill>
+                  <a:latin typeface="나눔스퀘어 ExtraBold" panose="020B0600000101010101" pitchFamily="50" charset="-127"/>
+                  <a:ea typeface="나눔스퀘어 ExtraBold" panose="020B0600000101010101" pitchFamily="50" charset="-127"/>
+                </a:rPr>
+                <a:t>CONTENTS</a:t>
+              </a:r>
+            </a:p>
+          </p:txBody>
+        </p:sp>
+      </p:grpSp>
       <p:sp>
         <p:nvSpPr>
           <p:cNvPr id="26" name="TextBox 25"/>
@@ -19404,7 +20374,7 @@
         </p:nvSpPr>
         <p:spPr>
           <a:xfrm>
-            <a:off x="5004048" y="1556792"/>
+            <a:off x="5004048" y="1305342"/>
             <a:ext cx="3528069" cy="4247317"/>
           </a:xfrm>
           <a:prstGeom prst="rect">
@@ -19433,11 +20403,11 @@
               <a:defRPr/>
             </a:pPr>
             <a:r>
-              <a:rPr lang="ko-KR" altLang="en-US" dirty="0">
+              <a:rPr lang="ko-KR" altLang="en-US" dirty="0" smtClean="0">
                 <a:latin typeface="나눔스퀘어 Bold" panose="020B0600000101010101" pitchFamily="50" charset="-127"/>
                 <a:ea typeface="나눔스퀘어 Bold" panose="020B0600000101010101" pitchFamily="50" charset="-127"/>
               </a:rPr>
-              <a:t>주제 선정 배경</a:t>
+              <a:t>배경</a:t>
             </a:r>
             <a:endParaRPr kumimoji="0" lang="en-US" altLang="ko-KR" dirty="0">
               <a:latin typeface="나눔스퀘어 Bold" panose="020B0600000101010101" pitchFamily="50" charset="-127"/>
@@ -19632,7 +20602,7 @@
 </p:sld>
 </file>
 
-<file path=ppt/slides/slide3.xml><?xml version="1.0" encoding="utf-8"?>
+<file path=ppt/slides/slide4.xml><?xml version="1.0" encoding="utf-8"?>
 <p:sld xmlns:a="http://schemas.openxmlformats.org/drawingml/2006/main" xmlns:r="http://schemas.openxmlformats.org/officeDocument/2006/relationships" xmlns:p="http://schemas.openxmlformats.org/presentationml/2006/main" showMasterSp="0">
   <p:cSld>
     <p:spTree>
@@ -19706,20 +20676,7 @@
                 <a:latin typeface="나눔스퀘어 Bold" panose="020B0600000101010101" pitchFamily="50" charset="-127"/>
                 <a:ea typeface="나눔스퀘어 Bold" panose="020B0600000101010101" pitchFamily="50" charset="-127"/>
               </a:rPr>
-              <a:t>주제 </a:t>
-            </a:r>
-            <a:r>
-              <a:rPr lang="ko-KR" altLang="en-US" sz="2400" dirty="0">
-                <a:solidFill>
-                  <a:schemeClr val="tx1">
-                    <a:lumMod val="75000"/>
-                    <a:lumOff val="25000"/>
-                  </a:schemeClr>
-                </a:solidFill>
-                <a:latin typeface="나눔스퀘어 Bold" panose="020B0600000101010101" pitchFamily="50" charset="-127"/>
-                <a:ea typeface="나눔스퀘어 Bold" panose="020B0600000101010101" pitchFamily="50" charset="-127"/>
-              </a:rPr>
-              <a:t>선정 배경</a:t>
+              <a:t>배경</a:t>
             </a:r>
             <a:endParaRPr kumimoji="0" lang="en-US" altLang="ko-KR" sz="2400" dirty="0">
               <a:solidFill>
@@ -20057,7 +21014,7 @@
 </p:sld>
 </file>
 
-<file path=ppt/slides/slide4.xml><?xml version="1.0" encoding="utf-8"?>
+<file path=ppt/slides/slide5.xml><?xml version="1.0" encoding="utf-8"?>
 <p:sld xmlns:a="http://schemas.openxmlformats.org/drawingml/2006/main" xmlns:r="http://schemas.openxmlformats.org/officeDocument/2006/relationships" xmlns:p="http://schemas.openxmlformats.org/presentationml/2006/main" showMasterSp="0">
   <p:cSld>
     <p:spTree>
@@ -20346,7 +21303,7 @@
 </p:sld>
 </file>
 
-<file path=ppt/slides/slide5.xml><?xml version="1.0" encoding="utf-8"?>
+<file path=ppt/slides/slide6.xml><?xml version="1.0" encoding="utf-8"?>
 <p:sld xmlns:a="http://schemas.openxmlformats.org/drawingml/2006/main" xmlns:r="http://schemas.openxmlformats.org/officeDocument/2006/relationships" xmlns:p="http://schemas.openxmlformats.org/presentationml/2006/main" showMasterSp="0">
   <p:cSld>
     <p:spTree>
@@ -20934,7 +21891,7 @@
 </p:sld>
 </file>
 
-<file path=ppt/slides/slide6.xml><?xml version="1.0" encoding="utf-8"?>
+<file path=ppt/slides/slide7.xml><?xml version="1.0" encoding="utf-8"?>
 <p:sld xmlns:a="http://schemas.openxmlformats.org/drawingml/2006/main" xmlns:r="http://schemas.openxmlformats.org/officeDocument/2006/relationships" xmlns:p="http://schemas.openxmlformats.org/presentationml/2006/main" showMasterSp="0">
   <p:cSld>
     <p:spTree>
@@ -21701,7 +22658,7 @@
 </p:sld>
 </file>
 
-<file path=ppt/slides/slide7.xml><?xml version="1.0" encoding="utf-8"?>
+<file path=ppt/slides/slide8.xml><?xml version="1.0" encoding="utf-8"?>
 <p:sld xmlns:a="http://schemas.openxmlformats.org/drawingml/2006/main" xmlns:r="http://schemas.openxmlformats.org/officeDocument/2006/relationships" xmlns:p="http://schemas.openxmlformats.org/presentationml/2006/main" showMasterSp="0">
   <p:cSld>
     <p:spTree>
@@ -22251,7 +23208,7 @@
 </p:sld>
 </file>
 
-<file path=ppt/slides/slide8.xml><?xml version="1.0" encoding="utf-8"?>
+<file path=ppt/slides/slide9.xml><?xml version="1.0" encoding="utf-8"?>
 <p:sld xmlns:a="http://schemas.openxmlformats.org/drawingml/2006/main" xmlns:r="http://schemas.openxmlformats.org/officeDocument/2006/relationships" xmlns:p="http://schemas.openxmlformats.org/presentationml/2006/main" showMasterSp="0">
   <p:cSld>
     <p:spTree>
@@ -22560,344 +23517,6 @@
     <p:extLst>
       <p:ext uri="{BB962C8B-B14F-4D97-AF65-F5344CB8AC3E}">
         <p14:creationId xmlns:p14="http://schemas.microsoft.com/office/powerpoint/2010/main" val="1777304049"/>
-      </p:ext>
-    </p:extLst>
-  </p:cSld>
-  <p:clrMapOvr>
-    <a:masterClrMapping/>
-  </p:clrMapOvr>
-  <p:timing>
-    <p:tnLst>
-      <p:par>
-        <p:cTn id="1" dur="indefinite" restart="never" nodeType="tmRoot"/>
-      </p:par>
-    </p:tnLst>
-  </p:timing>
-</p:sld>
-</file>
-
-<file path=ppt/slides/slide9.xml><?xml version="1.0" encoding="utf-8"?>
-<p:sld xmlns:a="http://schemas.openxmlformats.org/drawingml/2006/main" xmlns:r="http://schemas.openxmlformats.org/officeDocument/2006/relationships" xmlns:p="http://schemas.openxmlformats.org/presentationml/2006/main" showMasterSp="0">
-  <p:cSld>
-    <p:spTree>
-      <p:nvGrpSpPr>
-        <p:cNvPr id="1" name=""/>
-        <p:cNvGrpSpPr/>
-        <p:nvPr/>
-      </p:nvGrpSpPr>
-      <p:grpSpPr>
-        <a:xfrm>
-          <a:off x="0" y="0"/>
-          <a:ext cx="0" cy="0"/>
-          <a:chOff x="0" y="0"/>
-          <a:chExt cx="0" cy="0"/>
-        </a:xfrm>
-      </p:grpSpPr>
-      <p:sp>
-        <p:nvSpPr>
-          <p:cNvPr id="2" name="TextBox 1"/>
-          <p:cNvSpPr txBox="1"/>
-          <p:nvPr/>
-        </p:nvSpPr>
-        <p:spPr>
-          <a:xfrm>
-            <a:off x="829507" y="1242933"/>
-            <a:ext cx="604653" cy="369332"/>
-          </a:xfrm>
-          <a:prstGeom prst="rect">
-            <a:avLst/>
-          </a:prstGeom>
-          <a:noFill/>
-        </p:spPr>
-        <p:txBody>
-          <a:bodyPr wrap="none" rtlCol="0">
-            <a:spAutoFit/>
-          </a:bodyPr>
-          <a:lstStyle/>
-          <a:p>
-            <a:r>
-              <a:rPr lang="ko-KR" altLang="en-US" dirty="0">
-                <a:solidFill>
-                  <a:schemeClr val="accent1"/>
-                </a:solidFill>
-                <a:latin typeface="나눔스퀘어 Bold" panose="020B0600000101010101" pitchFamily="50" charset="-127"/>
-                <a:ea typeface="나눔스퀘어 Bold" panose="020B0600000101010101" pitchFamily="50" charset="-127"/>
-                <a:cs typeface="Arial" charset="0"/>
-              </a:rPr>
-              <a:t>결과</a:t>
-            </a:r>
-            <a:endParaRPr lang="en-US" altLang="ko-KR" dirty="0">
-              <a:solidFill>
-                <a:schemeClr val="accent1"/>
-              </a:solidFill>
-              <a:latin typeface="나눔스퀘어 Bold" panose="020B0600000101010101" pitchFamily="50" charset="-127"/>
-              <a:ea typeface="나눔스퀘어 Bold" panose="020B0600000101010101" pitchFamily="50" charset="-127"/>
-              <a:cs typeface="Arial" charset="0"/>
-            </a:endParaRPr>
-          </a:p>
-        </p:txBody>
-      </p:sp>
-      <p:sp>
-        <p:nvSpPr>
-          <p:cNvPr id="10" name="내용 개체 틀 2"/>
-          <p:cNvSpPr txBox="1">
-            <a:spLocks/>
-          </p:cNvSpPr>
-          <p:nvPr/>
-        </p:nvSpPr>
-        <p:spPr bwMode="auto">
-          <a:xfrm>
-            <a:off x="539750" y="476250"/>
-            <a:ext cx="7300913" cy="503238"/>
-          </a:xfrm>
-          <a:prstGeom prst="rect">
-            <a:avLst/>
-          </a:prstGeom>
-          <a:noFill/>
-          <a:ln w="9525">
-            <a:noFill/>
-            <a:miter lim="800000"/>
-            <a:headEnd/>
-            <a:tailEnd/>
-          </a:ln>
-        </p:spPr>
-        <p:txBody>
-          <a:bodyPr/>
-          <a:lstStyle/>
-          <a:p>
-            <a:pPr>
-              <a:spcBef>
-                <a:spcPct val="20000"/>
-              </a:spcBef>
-            </a:pPr>
-            <a:r>
-              <a:rPr lang="en-US" altLang="ko-KR" sz="2400" dirty="0">
-                <a:solidFill>
-                  <a:schemeClr val="tx1">
-                    <a:lumMod val="75000"/>
-                    <a:lumOff val="25000"/>
-                  </a:schemeClr>
-                </a:solidFill>
-                <a:latin typeface="나눔스퀘어 Bold" panose="020B0600000101010101" pitchFamily="50" charset="-127"/>
-                <a:ea typeface="나눔스퀘어 Bold" panose="020B0600000101010101" pitchFamily="50" charset="-127"/>
-              </a:rPr>
-              <a:t>4</a:t>
-            </a:r>
-            <a:r>
-              <a:rPr kumimoji="0" lang="en-US" altLang="ko-KR" sz="2400" dirty="0" smtClean="0">
-                <a:solidFill>
-                  <a:schemeClr val="tx1">
-                    <a:lumMod val="75000"/>
-                    <a:lumOff val="25000"/>
-                  </a:schemeClr>
-                </a:solidFill>
-                <a:latin typeface="나눔스퀘어 Bold" panose="020B0600000101010101" pitchFamily="50" charset="-127"/>
-                <a:ea typeface="나눔스퀘어 Bold" panose="020B0600000101010101" pitchFamily="50" charset="-127"/>
-              </a:rPr>
-              <a:t>. </a:t>
-            </a:r>
-            <a:r>
-              <a:rPr lang="ko-KR" altLang="en-US" sz="2400" dirty="0" smtClean="0">
-                <a:solidFill>
-                  <a:schemeClr val="tx1">
-                    <a:lumMod val="75000"/>
-                    <a:lumOff val="25000"/>
-                  </a:schemeClr>
-                </a:solidFill>
-                <a:latin typeface="나눔스퀘어 Bold" panose="020B0600000101010101" pitchFamily="50" charset="-127"/>
-                <a:ea typeface="나눔스퀘어 Bold" panose="020B0600000101010101" pitchFamily="50" charset="-127"/>
-              </a:rPr>
-              <a:t>데이터 분석 및 결과</a:t>
-            </a:r>
-            <a:endParaRPr kumimoji="0" lang="en-US" altLang="ko-KR" sz="2400" dirty="0">
-              <a:solidFill>
-                <a:schemeClr val="tx1">
-                  <a:lumMod val="75000"/>
-                  <a:lumOff val="25000"/>
-                </a:schemeClr>
-              </a:solidFill>
-              <a:latin typeface="나눔스퀘어 Bold" panose="020B0600000101010101" pitchFamily="50" charset="-127"/>
-              <a:ea typeface="나눔스퀘어 Bold" panose="020B0600000101010101" pitchFamily="50" charset="-127"/>
-            </a:endParaRPr>
-          </a:p>
-        </p:txBody>
-      </p:sp>
-      <p:pic>
-        <p:nvPicPr>
-          <p:cNvPr id="11" name="그림 10"/>
-          <p:cNvPicPr>
-            <a:picLocks noChangeAspect="1"/>
-          </p:cNvPicPr>
-          <p:nvPr/>
-        </p:nvPicPr>
-        <p:blipFill>
-          <a:blip r:embed="rId2"/>
-          <a:stretch>
-            <a:fillRect/>
-          </a:stretch>
-        </p:blipFill>
-        <p:spPr>
-          <a:xfrm>
-            <a:off x="7336012" y="116632"/>
-            <a:ext cx="1632341" cy="301628"/>
-          </a:xfrm>
-          <a:prstGeom prst="rect">
-            <a:avLst/>
-          </a:prstGeom>
-        </p:spPr>
-      </p:pic>
-      <p:sp>
-        <p:nvSpPr>
-          <p:cNvPr id="9" name="직사각형 8"/>
-          <p:cNvSpPr/>
-          <p:nvPr/>
-        </p:nvSpPr>
-        <p:spPr>
-          <a:xfrm>
-            <a:off x="1133946" y="1752235"/>
-            <a:ext cx="6876109" cy="795474"/>
-          </a:xfrm>
-          <a:prstGeom prst="rect">
-            <a:avLst/>
-          </a:prstGeom>
-        </p:spPr>
-        <p:txBody>
-          <a:bodyPr wrap="square">
-            <a:spAutoFit/>
-          </a:bodyPr>
-          <a:lstStyle/>
-          <a:p>
-            <a:pPr marL="285750" indent="-285750">
-              <a:lnSpc>
-                <a:spcPct val="150000"/>
-              </a:lnSpc>
-              <a:buFont typeface="Arial" panose="020B0604020202020204" pitchFamily="34" charset="0"/>
-              <a:buChar char="•"/>
-            </a:pPr>
-            <a:r>
-              <a:rPr lang="ko-KR" altLang="en-US" sz="1600" dirty="0">
-                <a:latin typeface="나눔스퀘어 Bold" panose="020B0600000101010101" pitchFamily="50" charset="-127"/>
-                <a:ea typeface="나눔스퀘어 Bold" panose="020B0600000101010101" pitchFamily="50" charset="-127"/>
-              </a:rPr>
-              <a:t>추천 시스템</a:t>
-            </a:r>
-            <a:r>
-              <a:rPr lang="en-US" altLang="ko-KR" sz="1600" dirty="0">
-                <a:latin typeface="나눔스퀘어 Bold" panose="020B0600000101010101" pitchFamily="50" charset="-127"/>
-                <a:ea typeface="나눔스퀘어 Bold" panose="020B0600000101010101" pitchFamily="50" charset="-127"/>
-              </a:rPr>
-              <a:t>: </a:t>
-            </a:r>
-            <a:r>
-              <a:rPr lang="ko-KR" altLang="en-US" sz="1600" dirty="0">
-                <a:latin typeface="나눔스퀘어 Bold" panose="020B0600000101010101" pitchFamily="50" charset="-127"/>
-                <a:ea typeface="나눔스퀘어 Bold" panose="020B0600000101010101" pitchFamily="50" charset="-127"/>
-              </a:rPr>
-              <a:t>아이템 기반 </a:t>
-            </a:r>
-            <a:r>
-              <a:rPr lang="en-US" altLang="ko-KR" sz="1600" dirty="0">
-                <a:latin typeface="나눔스퀘어 Bold" panose="020B0600000101010101" pitchFamily="50" charset="-127"/>
-                <a:ea typeface="나눔스퀘어 Bold" panose="020B0600000101010101" pitchFamily="50" charset="-127"/>
-              </a:rPr>
-              <a:t>User</a:t>
-            </a:r>
-            <a:r>
-              <a:rPr lang="ko-KR" altLang="en-US" sz="1600" dirty="0">
-                <a:latin typeface="나눔스퀘어 Bold" panose="020B0600000101010101" pitchFamily="50" charset="-127"/>
-                <a:ea typeface="나눔스퀘어 Bold" panose="020B0600000101010101" pitchFamily="50" charset="-127"/>
-              </a:rPr>
-              <a:t>가 보거나 좋아하거나 싫어하는 영화를 본 다른</a:t>
-            </a:r>
-            <a:r>
-              <a:rPr lang="en-US" altLang="ko-KR" sz="1600" dirty="0">
-                <a:latin typeface="나눔스퀘어 Bold" panose="020B0600000101010101" pitchFamily="50" charset="-127"/>
-                <a:ea typeface="나눔스퀘어 Bold" panose="020B0600000101010101" pitchFamily="50" charset="-127"/>
-              </a:rPr>
-              <a:t/>
-            </a:r>
-            <a:br>
-              <a:rPr lang="en-US" altLang="ko-KR" sz="1600" dirty="0">
-                <a:latin typeface="나눔스퀘어 Bold" panose="020B0600000101010101" pitchFamily="50" charset="-127"/>
-                <a:ea typeface="나눔스퀘어 Bold" panose="020B0600000101010101" pitchFamily="50" charset="-127"/>
-              </a:rPr>
-            </a:br>
-            <a:r>
-              <a:rPr lang="en-US" altLang="ko-KR" sz="1600" dirty="0">
-                <a:latin typeface="나눔스퀘어 Bold" panose="020B0600000101010101" pitchFamily="50" charset="-127"/>
-                <a:ea typeface="나눔스퀘어 Bold" panose="020B0600000101010101" pitchFamily="50" charset="-127"/>
-              </a:rPr>
-              <a:t>    	        </a:t>
-            </a:r>
-            <a:r>
-              <a:rPr lang="ko-KR" altLang="en-US" sz="1600" dirty="0">
-                <a:latin typeface="나눔스퀘어 Bold" panose="020B0600000101010101" pitchFamily="50" charset="-127"/>
-                <a:ea typeface="나눔스퀘어 Bold" panose="020B0600000101010101" pitchFamily="50" charset="-127"/>
-              </a:rPr>
-              <a:t> 사람들이 많이 본 영화를 추천</a:t>
-            </a:r>
-            <a:r>
-              <a:rPr lang="en-US" altLang="ko-KR" sz="1600" dirty="0">
-                <a:latin typeface="나눔스퀘어 Bold" panose="020B0600000101010101" pitchFamily="50" charset="-127"/>
-                <a:ea typeface="나눔스퀘어 Bold" panose="020B0600000101010101" pitchFamily="50" charset="-127"/>
-              </a:rPr>
-              <a:t> </a:t>
-            </a:r>
-          </a:p>
-        </p:txBody>
-      </p:sp>
-      <p:pic>
-        <p:nvPicPr>
-          <p:cNvPr id="3" name="그림 2"/>
-          <p:cNvPicPr>
-            <a:picLocks noChangeAspect="1"/>
-          </p:cNvPicPr>
-          <p:nvPr/>
-        </p:nvPicPr>
-        <p:blipFill>
-          <a:blip r:embed="rId3"/>
-          <a:stretch>
-            <a:fillRect/>
-          </a:stretch>
-        </p:blipFill>
-        <p:spPr>
-          <a:xfrm>
-            <a:off x="1196789" y="4764589"/>
-            <a:ext cx="6750422" cy="1832763"/>
-          </a:xfrm>
-          <a:prstGeom prst="rect">
-            <a:avLst/>
-          </a:prstGeom>
-        </p:spPr>
-      </p:pic>
-      <p:pic>
-        <p:nvPicPr>
-          <p:cNvPr id="4" name="그림 3"/>
-          <p:cNvPicPr>
-            <a:picLocks noChangeAspect="1"/>
-          </p:cNvPicPr>
-          <p:nvPr/>
-        </p:nvPicPr>
-        <p:blipFill>
-          <a:blip r:embed="rId4"/>
-          <a:stretch>
-            <a:fillRect/>
-          </a:stretch>
-        </p:blipFill>
-        <p:spPr>
-          <a:xfrm>
-            <a:off x="2146181" y="2636912"/>
-            <a:ext cx="4226019" cy="2021607"/>
-          </a:xfrm>
-          <a:prstGeom prst="rect">
-            <a:avLst/>
-          </a:prstGeom>
-        </p:spPr>
-      </p:pic>
-    </p:spTree>
-    <p:extLst>
-      <p:ext uri="{BB962C8B-B14F-4D97-AF65-F5344CB8AC3E}">
-        <p14:creationId xmlns:p14="http://schemas.microsoft.com/office/powerpoint/2010/main" val="4251679420"/>
       </p:ext>
     </p:extLst>
   </p:cSld>
